--- a/LabMeeting.pptx
+++ b/LabMeeting.pptx
@@ -7,17 +7,20 @@
   <p:sldIdLst>
     <p:sldId id="256" r:id="rId2"/>
     <p:sldId id="258" r:id="rId3"/>
-    <p:sldId id="257" r:id="rId4"/>
-    <p:sldId id="259" r:id="rId5"/>
-    <p:sldId id="260" r:id="rId6"/>
-    <p:sldId id="261" r:id="rId7"/>
-    <p:sldId id="266" r:id="rId8"/>
-    <p:sldId id="262" r:id="rId9"/>
-    <p:sldId id="267" r:id="rId10"/>
-    <p:sldId id="268" r:id="rId11"/>
-    <p:sldId id="263" r:id="rId12"/>
-    <p:sldId id="264" r:id="rId13"/>
-    <p:sldId id="265" r:id="rId14"/>
+    <p:sldId id="259" r:id="rId4"/>
+    <p:sldId id="257" r:id="rId5"/>
+    <p:sldId id="269" r:id="rId6"/>
+    <p:sldId id="260" r:id="rId7"/>
+    <p:sldId id="270" r:id="rId8"/>
+    <p:sldId id="261" r:id="rId9"/>
+    <p:sldId id="266" r:id="rId10"/>
+    <p:sldId id="271" r:id="rId11"/>
+    <p:sldId id="262" r:id="rId12"/>
+    <p:sldId id="267" r:id="rId13"/>
+    <p:sldId id="268" r:id="rId14"/>
+    <p:sldId id="263" r:id="rId15"/>
+    <p:sldId id="264" r:id="rId16"/>
+    <p:sldId id="265" r:id="rId17"/>
   </p:sldIdLst>
   <p:sldSz cx="12192000" cy="6858000"/>
   <p:notesSz cx="6858000" cy="9144000"/>
@@ -127,15 +130,18 @@
         <p14:section name="Architecture" id="{F83F906E-46BF-A644-A618-6799D7870C23}">
           <p14:sldIdLst>
             <p14:sldId id="258"/>
+            <p14:sldId id="259"/>
             <p14:sldId id="257"/>
-            <p14:sldId id="259"/>
+            <p14:sldId id="269"/>
             <p14:sldId id="260"/>
+            <p14:sldId id="270"/>
           </p14:sldIdLst>
         </p14:section>
         <p14:section name="Semantic parsing" id="{8BC63A69-A109-2144-85E4-45E89BC1884D}">
           <p14:sldIdLst>
             <p14:sldId id="261"/>
             <p14:sldId id="266"/>
+            <p14:sldId id="271"/>
             <p14:sldId id="262"/>
           </p14:sldIdLst>
         </p14:section>
@@ -3109,47 +3115,391 @@
           <a:p>
             <a:r>
               <a:rPr lang="en-US" dirty="0" smtClean="0"/>
-              <a:t>World schema</a:t>
+              <a:t>Scoring</a:t>
             </a:r>
             <a:endParaRPr lang="en-US" dirty="0"/>
           </a:p>
         </p:txBody>
       </p:sp>
-      <p:sp>
-        <p:nvSpPr>
-          <p:cNvPr id="3" name="Content Placeholder 2"/>
-          <p:cNvSpPr>
-            <a:spLocks noGrp="1"/>
-          </p:cNvSpPr>
-          <p:nvPr>
-            <p:ph idx="1"/>
-          </p:nvPr>
-        </p:nvSpPr>
-        <p:spPr/>
-        <p:txBody>
-          <a:bodyPr/>
-          <a:lstStyle/>
-          <a:p>
-            <a:r>
-              <a:rPr lang="en-US" dirty="0" smtClean="0"/>
-              <a:t>Objects have height &amp; weight</a:t>
-            </a:r>
-          </a:p>
-          <a:p>
-            <a:r>
-              <a:rPr lang="en-US" dirty="0" smtClean="0"/>
-              <a:t>Different comparison classes</a:t>
-            </a:r>
-          </a:p>
-          <a:p>
-            <a:endParaRPr lang="en-US" dirty="0"/>
-          </a:p>
-        </p:txBody>
-      </p:sp>
+      <mc:AlternateContent xmlns:mc="http://schemas.openxmlformats.org/markup-compatibility/2006">
+        <mc:Choice xmlns:a14="http://schemas.microsoft.com/office/drawing/2010/main" Requires="a14">
+          <p:sp>
+            <p:nvSpPr>
+              <p:cNvPr id="3" name="Content Placeholder 2"/>
+              <p:cNvSpPr>
+                <a:spLocks noGrp="1"/>
+              </p:cNvSpPr>
+              <p:nvPr>
+                <p:ph idx="1"/>
+              </p:nvPr>
+            </p:nvSpPr>
+            <p:spPr/>
+            <p:txBody>
+              <a:bodyPr>
+                <a:normAutofit/>
+              </a:bodyPr>
+              <a:lstStyle/>
+              <a:p>
+                <a:r>
+                  <a:rPr lang="en-US" dirty="0" smtClean="0"/>
+                  <a:t>Feature function </a:t>
+                </a:r>
+                <a14:m>
+                  <m:oMath xmlns:m="http://schemas.openxmlformats.org/officeDocument/2006/math">
+                    <m:r>
+                      <a:rPr lang="en-US" b="0" i="1" smtClean="0">
+                        <a:latin typeface="Cambria Math" charset="0"/>
+                      </a:rPr>
+                      <m:t>𝜙</m:t>
+                    </m:r>
+                    <m:d>
+                      <m:dPr>
+                        <m:ctrlPr>
+                          <a:rPr lang="en-US" b="0" i="1" smtClean="0">
+                            <a:latin typeface="Cambria Math" charset="0"/>
+                          </a:rPr>
+                        </m:ctrlPr>
+                      </m:dPr>
+                      <m:e>
+                        <m:r>
+                          <a:rPr lang="en-US" b="0" i="1" smtClean="0">
+                            <a:latin typeface="Cambria Math" charset="0"/>
+                          </a:rPr>
+                          <m:t>𝑇</m:t>
+                        </m:r>
+                      </m:e>
+                    </m:d>
+                  </m:oMath>
+                </a14:m>
+                <a:r>
+                  <a:rPr lang="en-US" dirty="0" smtClean="0"/>
+                  <a:t> counts rules used in the tree T</a:t>
+                </a:r>
+              </a:p>
+              <a:p>
+                <a:endParaRPr lang="en-US" dirty="0" smtClean="0"/>
+              </a:p>
+              <a:p>
+                <a:r>
+                  <a:rPr lang="en-US" dirty="0" smtClean="0"/>
+                  <a:t>Score of tree T is </a:t>
+                </a:r>
+                <a14:m>
+                  <m:oMath xmlns:m="http://schemas.openxmlformats.org/officeDocument/2006/math">
+                    <m:r>
+                      <m:rPr>
+                        <m:sty m:val="p"/>
+                      </m:rPr>
+                      <a:rPr lang="en-US">
+                        <a:latin typeface="Cambria Math" charset="0"/>
+                      </a:rPr>
+                      <m:t>s</m:t>
+                    </m:r>
+                    <m:d>
+                      <m:dPr>
+                        <m:ctrlPr>
+                          <a:rPr lang="en-US" b="0" i="0" smtClean="0">
+                            <a:latin typeface="Cambria Math" charset="0"/>
+                          </a:rPr>
+                        </m:ctrlPr>
+                      </m:dPr>
+                      <m:e>
+                        <m:r>
+                          <m:rPr>
+                            <m:sty m:val="p"/>
+                          </m:rPr>
+                          <a:rPr lang="en-US" b="0" i="0" smtClean="0">
+                            <a:latin typeface="Cambria Math" charset="0"/>
+                          </a:rPr>
+                          <m:t>T</m:t>
+                        </m:r>
+                      </m:e>
+                    </m:d>
+                    <m:r>
+                      <a:rPr lang="en-US" b="0" i="0" smtClean="0">
+                        <a:latin typeface="Cambria Math" charset="0"/>
+                      </a:rPr>
+                      <m:t>=</m:t>
+                    </m:r>
+                    <m:r>
+                      <a:rPr lang="en-US" b="0" i="1" smtClean="0">
+                        <a:latin typeface="Cambria Math" charset="0"/>
+                      </a:rPr>
+                      <m:t>𝜔</m:t>
+                    </m:r>
+                    <m:r>
+                      <a:rPr lang="en-US" b="0" i="1" smtClean="0">
+                        <a:latin typeface="Cambria Math" charset="0"/>
+                      </a:rPr>
+                      <m:t>⋅</m:t>
+                    </m:r>
+                    <m:r>
+                      <a:rPr lang="en-US" b="0" i="1" smtClean="0">
+                        <a:latin typeface="Cambria Math" charset="0"/>
+                      </a:rPr>
+                      <m:t>𝜙</m:t>
+                    </m:r>
+                    <m:r>
+                      <a:rPr lang="en-US" b="0" i="1" smtClean="0">
+                        <a:latin typeface="Cambria Math" charset="0"/>
+                      </a:rPr>
+                      <m:t>(</m:t>
+                    </m:r>
+                    <m:r>
+                      <a:rPr lang="en-US" b="0" i="1" smtClean="0">
+                        <a:latin typeface="Cambria Math" charset="0"/>
+                      </a:rPr>
+                      <m:t>𝑇</m:t>
+                    </m:r>
+                    <m:r>
+                      <a:rPr lang="en-US" b="0" i="1" smtClean="0">
+                        <a:latin typeface="Cambria Math" charset="0"/>
+                      </a:rPr>
+                      <m:t>)</m:t>
+                    </m:r>
+                  </m:oMath>
+                </a14:m>
+                <a:endParaRPr lang="en-US" dirty="0" smtClean="0"/>
+              </a:p>
+              <a:p>
+                <a:endParaRPr lang="en-US" dirty="0"/>
+              </a:p>
+              <a:p>
+                <a:r>
+                  <a:rPr lang="en-US" dirty="0" smtClean="0"/>
+                  <a:t>Used to weight truth values of different trees</a:t>
+                </a:r>
+              </a:p>
+              <a:p>
+                <a:endParaRPr lang="en-US" dirty="0" smtClean="0"/>
+              </a:p>
+              <a:p>
+                <a14:m>
+                  <m:oMath xmlns:m="http://schemas.openxmlformats.org/officeDocument/2006/math">
+                    <m:sSup>
+                      <m:sSupPr>
+                        <m:ctrlPr>
+                          <a:rPr lang="en-US" b="0" i="1" smtClean="0">
+                            <a:latin typeface="Cambria Math" charset="0"/>
+                          </a:rPr>
+                        </m:ctrlPr>
+                      </m:sSupPr>
+                      <m:e>
+                        <m:d>
+                          <m:dPr>
+                            <m:begChr m:val="["/>
+                            <m:endChr m:val="]"/>
+                            <m:ctrlPr>
+                              <a:rPr lang="en-US" b="0" i="1" smtClean="0">
+                                <a:latin typeface="Cambria Math" charset="0"/>
+                              </a:rPr>
+                            </m:ctrlPr>
+                          </m:dPr>
+                          <m:e>
+                            <m:d>
+                              <m:dPr>
+                                <m:begChr m:val="["/>
+                                <m:endChr m:val="]"/>
+                                <m:ctrlPr>
+                                  <a:rPr lang="en-US" b="0" i="1" smtClean="0">
+                                    <a:latin typeface="Cambria Math" charset="0"/>
+                                  </a:rPr>
+                                </m:ctrlPr>
+                              </m:dPr>
+                              <m:e>
+                                <m:r>
+                                  <a:rPr lang="en-US" b="0" i="1" smtClean="0">
+                                    <a:latin typeface="Cambria Math" charset="0"/>
+                                  </a:rPr>
+                                  <m:t>𝑢</m:t>
+                                </m:r>
+                              </m:e>
+                            </m:d>
+                          </m:e>
+                        </m:d>
+                      </m:e>
+                      <m:sup>
+                        <m:r>
+                          <a:rPr lang="en-US" b="0" i="1" smtClean="0">
+                            <a:latin typeface="Cambria Math" charset="0"/>
+                          </a:rPr>
+                          <m:t>𝑤</m:t>
+                        </m:r>
+                      </m:sup>
+                    </m:sSup>
+                    <m:r>
+                      <a:rPr lang="en-US" b="0" i="1" smtClean="0">
+                        <a:latin typeface="Cambria Math" charset="0"/>
+                      </a:rPr>
+                      <m:t>=</m:t>
+                    </m:r>
+                    <m:nary>
+                      <m:naryPr>
+                        <m:chr m:val="∑"/>
+                        <m:supHide m:val="on"/>
+                        <m:ctrlPr>
+                          <a:rPr lang="en-US" b="0" i="1" smtClean="0">
+                            <a:latin typeface="Cambria Math" charset="0"/>
+                          </a:rPr>
+                        </m:ctrlPr>
+                      </m:naryPr>
+                      <m:sub>
+                        <m:r>
+                          <a:rPr lang="en-US" b="0" i="1" smtClean="0">
+                            <a:latin typeface="Cambria Math" charset="0"/>
+                          </a:rPr>
+                          <m:t>𝑇</m:t>
+                        </m:r>
+                      </m:sub>
+                      <m:sup/>
+                      <m:e>
+                        <m:sSup>
+                          <m:sSupPr>
+                            <m:ctrlPr>
+                              <a:rPr lang="en-US" b="0" i="1" smtClean="0">
+                                <a:latin typeface="Cambria Math" charset="0"/>
+                              </a:rPr>
+                            </m:ctrlPr>
+                          </m:sSupPr>
+                          <m:e>
+                            <m:r>
+                              <a:rPr lang="en-US" b="0" i="1" smtClean="0">
+                                <a:latin typeface="Cambria Math" charset="0"/>
+                              </a:rPr>
+                              <m:t>𝑒</m:t>
+                            </m:r>
+                          </m:e>
+                          <m:sup>
+                            <m:r>
+                              <a:rPr lang="en-US" b="0" i="1" smtClean="0">
+                                <a:latin typeface="Cambria Math" charset="0"/>
+                              </a:rPr>
+                              <m:t>𝑠</m:t>
+                            </m:r>
+                            <m:r>
+                              <a:rPr lang="en-US" b="0" i="1" smtClean="0">
+                                <a:latin typeface="Cambria Math" charset="0"/>
+                              </a:rPr>
+                              <m:t>(</m:t>
+                            </m:r>
+                            <m:r>
+                              <a:rPr lang="en-US" b="0" i="1" smtClean="0">
+                                <a:latin typeface="Cambria Math" charset="0"/>
+                              </a:rPr>
+                              <m:t>𝑇</m:t>
+                            </m:r>
+                            <m:r>
+                              <a:rPr lang="en-US" b="0" i="1" smtClean="0">
+                                <a:latin typeface="Cambria Math" charset="0"/>
+                              </a:rPr>
+                              <m:t>)</m:t>
+                            </m:r>
+                          </m:sup>
+                        </m:sSup>
+                        <m:sSup>
+                          <m:sSupPr>
+                            <m:ctrlPr>
+                              <a:rPr lang="en-US" b="0" i="1" smtClean="0">
+                                <a:latin typeface="Cambria Math" charset="0"/>
+                              </a:rPr>
+                            </m:ctrlPr>
+                          </m:sSupPr>
+                          <m:e>
+                            <m:d>
+                              <m:dPr>
+                                <m:begChr m:val="["/>
+                                <m:endChr m:val="]"/>
+                                <m:ctrlPr>
+                                  <a:rPr lang="en-US" b="0" i="1" smtClean="0">
+                                    <a:latin typeface="Cambria Math" charset="0"/>
+                                  </a:rPr>
+                                </m:ctrlPr>
+                              </m:dPr>
+                              <m:e>
+                                <m:d>
+                                  <m:dPr>
+                                    <m:begChr m:val="["/>
+                                    <m:endChr m:val="]"/>
+                                    <m:ctrlPr>
+                                      <a:rPr lang="en-US" b="0" i="1" smtClean="0">
+                                        <a:latin typeface="Cambria Math" charset="0"/>
+                                      </a:rPr>
+                                    </m:ctrlPr>
+                                  </m:dPr>
+                                  <m:e>
+                                    <m:r>
+                                      <a:rPr lang="en-US" b="0" i="1" smtClean="0">
+                                        <a:latin typeface="Cambria Math" charset="0"/>
+                                      </a:rPr>
+                                      <m:t>𝑇</m:t>
+                                    </m:r>
+                                  </m:e>
+                                </m:d>
+                              </m:e>
+                            </m:d>
+                          </m:e>
+                          <m:sup>
+                            <m:r>
+                              <a:rPr lang="en-US" b="0" i="1" smtClean="0">
+                                <a:latin typeface="Cambria Math" charset="0"/>
+                              </a:rPr>
+                              <m:t>𝑤</m:t>
+                            </m:r>
+                          </m:sup>
+                        </m:sSup>
+                        <m:r>
+                          <a:rPr lang="en-US" b="0" i="1" smtClean="0">
+                            <a:latin typeface="Cambria Math" charset="0"/>
+                          </a:rPr>
+                          <m:t> </m:t>
+                        </m:r>
+                      </m:e>
+                    </m:nary>
+                  </m:oMath>
+                </a14:m>
+                <a:endParaRPr lang="en-US" dirty="0"/>
+              </a:p>
+            </p:txBody>
+          </p:sp>
+        </mc:Choice>
+        <mc:Fallback>
+          <p:sp>
+            <p:nvSpPr>
+              <p:cNvPr id="3" name="Content Placeholder 2"/>
+              <p:cNvSpPr>
+                <a:spLocks noGrp="1" noRot="1" noChangeAspect="1" noMove="1" noResize="1" noEditPoints="1" noAdjustHandles="1" noChangeArrowheads="1" noChangeShapeType="1" noTextEdit="1"/>
+              </p:cNvSpPr>
+              <p:nvPr>
+                <p:ph idx="1"/>
+              </p:nvPr>
+            </p:nvSpPr>
+            <p:spPr>
+              <a:blipFill rotWithShape="0">
+                <a:blip r:embed="rId2"/>
+                <a:stretch>
+                  <a:fillRect l="-1043" t="-2241"/>
+                </a:stretch>
+              </a:blipFill>
+            </p:spPr>
+            <p:txBody>
+              <a:bodyPr/>
+              <a:lstStyle/>
+              <a:p>
+                <a:r>
+                  <a:rPr lang="en-US">
+                    <a:noFill/>
+                  </a:rPr>
+                  <a:t> </a:t>
+                </a:r>
+              </a:p>
+            </p:txBody>
+          </p:sp>
+        </mc:Fallback>
+      </mc:AlternateContent>
     </p:spTree>
     <p:extLst>
       <p:ext uri="{BB962C8B-B14F-4D97-AF65-F5344CB8AC3E}">
-        <p14:creationId xmlns:p14="http://schemas.microsoft.com/office/powerpoint/2010/main" val="38195056"/>
+        <p14:creationId xmlns:p14="http://schemas.microsoft.com/office/powerpoint/2010/main" val="917912282"/>
       </p:ext>
     </p:extLst>
   </p:cSld>
@@ -3193,7 +3543,7 @@
           <a:p>
             <a:r>
               <a:rPr lang="en-US" dirty="0" smtClean="0"/>
-              <a:t>Lexical experiments (learning scales)</a:t>
+              <a:t>Semantic functions (Leon’s slide)</a:t>
             </a:r>
             <a:endParaRPr lang="en-US" dirty="0"/>
           </a:p>
@@ -3214,14 +3564,14 @@
           <a:bodyPr/>
           <a:lstStyle/>
           <a:p>
-            <a:endParaRPr lang="en-US"/>
+            <a:endParaRPr lang="en-US" dirty="0"/>
           </a:p>
         </p:txBody>
       </p:sp>
     </p:spTree>
     <p:extLst>
       <p:ext uri="{BB962C8B-B14F-4D97-AF65-F5344CB8AC3E}">
-        <p14:creationId xmlns:p14="http://schemas.microsoft.com/office/powerpoint/2010/main" val="544191566"/>
+        <p14:creationId xmlns:p14="http://schemas.microsoft.com/office/powerpoint/2010/main" val="187102010"/>
       </p:ext>
     </p:extLst>
   </p:cSld>
@@ -3265,7 +3615,7 @@
           <a:p>
             <a:r>
               <a:rPr lang="en-US" dirty="0" smtClean="0"/>
-              <a:t>Lexical experiments (generalizing)</a:t>
+              <a:t>Data source</a:t>
             </a:r>
             <a:endParaRPr lang="en-US" dirty="0"/>
           </a:p>
@@ -3286,14 +3636,48 @@
           <a:bodyPr/>
           <a:lstStyle/>
           <a:p>
-            <a:endParaRPr lang="en-US"/>
+            <a:r>
+              <a:rPr lang="en-US" dirty="0" smtClean="0"/>
+              <a:t>Ground truth model – fixed semantics</a:t>
+            </a:r>
+          </a:p>
+          <a:p>
+            <a:r>
+              <a:rPr lang="en-US" dirty="0" smtClean="0"/>
+              <a:t>Generate samples from ground truth</a:t>
+            </a:r>
+          </a:p>
+          <a:p>
+            <a:r>
+              <a:rPr lang="en-US" dirty="0" smtClean="0"/>
+              <a:t>(not so important) Triples of utterance, world, context</a:t>
+            </a:r>
+          </a:p>
+          <a:p>
+            <a:r>
+              <a:rPr lang="en-US" dirty="0" err="1" smtClean="0"/>
+              <a:t>mapData</a:t>
+            </a:r>
+            <a:r>
+              <a:rPr lang="en-US" dirty="0" smtClean="0"/>
+              <a:t> in </a:t>
+            </a:r>
+            <a:r>
+              <a:rPr lang="en-US" dirty="0" err="1" smtClean="0"/>
+              <a:t>variational</a:t>
+            </a:r>
+            <a:r>
+              <a:rPr lang="en-US" dirty="0" smtClean="0"/>
+              <a:t> inference</a:t>
+            </a:r>
+            <a:endParaRPr lang="en-US" dirty="0"/>
           </a:p>
         </p:txBody>
       </p:sp>
     </p:spTree>
     <p:extLst>
       <p:ext uri="{BB962C8B-B14F-4D97-AF65-F5344CB8AC3E}">
-        <p14:creationId xmlns:p14="http://schemas.microsoft.com/office/powerpoint/2010/main" val="243653428"/>
+        <p14:creationId xmlns:p14="http://schemas.microsoft.com/office/powerpoint/2010/main" val="479382636"/>
       </p:ext>
     </p:extLst>
   </p:cSld>
@@ -3337,7 +3721,7 @@
           <a:p>
             <a:r>
               <a:rPr lang="en-US" dirty="0" smtClean="0"/>
-              <a:t>Learning grammar weights</a:t>
+              <a:t>World schema</a:t>
             </a:r>
             <a:endParaRPr lang="en-US" dirty="0"/>
           </a:p>
@@ -3358,7 +3742,272 @@
           <a:bodyPr/>
           <a:lstStyle/>
           <a:p>
-            <a:endParaRPr lang="en-US"/>
+            <a:r>
+              <a:rPr lang="en-US" dirty="0" smtClean="0"/>
+              <a:t>Objects have height &amp; weight</a:t>
+            </a:r>
+          </a:p>
+          <a:p>
+            <a:endParaRPr lang="en-US" dirty="0" smtClean="0"/>
+          </a:p>
+          <a:p>
+            <a:r>
+              <a:rPr lang="en-US" dirty="0" smtClean="0"/>
+              <a:t>Different comparison classes</a:t>
+            </a:r>
+          </a:p>
+          <a:p>
+            <a:pPr lvl="1"/>
+            <a:r>
+              <a:rPr lang="en-US" dirty="0" smtClean="0"/>
+              <a:t>People, buildings</a:t>
+            </a:r>
+          </a:p>
+          <a:p>
+            <a:pPr lvl="1"/>
+            <a:endParaRPr lang="en-US" dirty="0"/>
+          </a:p>
+        </p:txBody>
+      </p:sp>
+    </p:spTree>
+    <p:extLst>
+      <p:ext uri="{BB962C8B-B14F-4D97-AF65-F5344CB8AC3E}">
+        <p14:creationId xmlns:p14="http://schemas.microsoft.com/office/powerpoint/2010/main" val="38195056"/>
+      </p:ext>
+    </p:extLst>
+  </p:cSld>
+  <p:clrMapOvr>
+    <a:masterClrMapping/>
+  </p:clrMapOvr>
+</p:sld>
+</file>
+
+<file path=ppt/slides/slide14.xml><?xml version="1.0" encoding="utf-8"?>
+<p:sld xmlns:a="http://schemas.openxmlformats.org/drawingml/2006/main" xmlns:r="http://schemas.openxmlformats.org/officeDocument/2006/relationships" xmlns:p="http://schemas.openxmlformats.org/presentationml/2006/main">
+  <p:cSld>
+    <p:spTree>
+      <p:nvGrpSpPr>
+        <p:cNvPr id="1" name=""/>
+        <p:cNvGrpSpPr/>
+        <p:nvPr/>
+      </p:nvGrpSpPr>
+      <p:grpSpPr>
+        <a:xfrm>
+          <a:off x="0" y="0"/>
+          <a:ext cx="0" cy="0"/>
+          <a:chOff x="0" y="0"/>
+          <a:chExt cx="0" cy="0"/>
+        </a:xfrm>
+      </p:grpSpPr>
+      <p:sp>
+        <p:nvSpPr>
+          <p:cNvPr id="2" name="Title 1"/>
+          <p:cNvSpPr>
+            <a:spLocks noGrp="1"/>
+          </p:cNvSpPr>
+          <p:nvPr>
+            <p:ph type="title"/>
+          </p:nvPr>
+        </p:nvSpPr>
+        <p:spPr/>
+        <p:txBody>
+          <a:bodyPr/>
+          <a:lstStyle/>
+          <a:p>
+            <a:r>
+              <a:rPr lang="en-US" dirty="0" smtClean="0"/>
+              <a:t>Lexical experiments (learning scales)</a:t>
+            </a:r>
+            <a:endParaRPr lang="en-US" dirty="0"/>
+          </a:p>
+        </p:txBody>
+      </p:sp>
+      <p:sp>
+        <p:nvSpPr>
+          <p:cNvPr id="3" name="Content Placeholder 2"/>
+          <p:cNvSpPr>
+            <a:spLocks noGrp="1"/>
+          </p:cNvSpPr>
+          <p:nvPr>
+            <p:ph idx="1"/>
+          </p:nvPr>
+        </p:nvSpPr>
+        <p:spPr/>
+        <p:txBody>
+          <a:bodyPr/>
+          <a:lstStyle/>
+          <a:p>
+            <a:r>
+              <a:rPr lang="en-US" dirty="0" smtClean="0"/>
+              <a:t>Motivation: Can we learn the scale?</a:t>
+            </a:r>
+          </a:p>
+          <a:p>
+            <a:r>
+              <a:rPr lang="en-US" dirty="0" smtClean="0"/>
+              <a:t>Explain experiment</a:t>
+            </a:r>
+          </a:p>
+          <a:p>
+            <a:r>
+              <a:rPr lang="en-US" dirty="0" smtClean="0"/>
+              <a:t>Show ground truth distribution and learned distribution</a:t>
+            </a:r>
+            <a:endParaRPr lang="en-US" dirty="0"/>
+          </a:p>
+        </p:txBody>
+      </p:sp>
+    </p:spTree>
+    <p:extLst>
+      <p:ext uri="{BB962C8B-B14F-4D97-AF65-F5344CB8AC3E}">
+        <p14:creationId xmlns:p14="http://schemas.microsoft.com/office/powerpoint/2010/main" val="544191566"/>
+      </p:ext>
+    </p:extLst>
+  </p:cSld>
+  <p:clrMapOvr>
+    <a:masterClrMapping/>
+  </p:clrMapOvr>
+</p:sld>
+</file>
+
+<file path=ppt/slides/slide15.xml><?xml version="1.0" encoding="utf-8"?>
+<p:sld xmlns:a="http://schemas.openxmlformats.org/drawingml/2006/main" xmlns:r="http://schemas.openxmlformats.org/officeDocument/2006/relationships" xmlns:p="http://schemas.openxmlformats.org/presentationml/2006/main">
+  <p:cSld>
+    <p:spTree>
+      <p:nvGrpSpPr>
+        <p:cNvPr id="1" name=""/>
+        <p:cNvGrpSpPr/>
+        <p:nvPr/>
+      </p:nvGrpSpPr>
+      <p:grpSpPr>
+        <a:xfrm>
+          <a:off x="0" y="0"/>
+          <a:ext cx="0" cy="0"/>
+          <a:chOff x="0" y="0"/>
+          <a:chExt cx="0" cy="0"/>
+        </a:xfrm>
+      </p:grpSpPr>
+      <p:sp>
+        <p:nvSpPr>
+          <p:cNvPr id="2" name="Title 1"/>
+          <p:cNvSpPr>
+            <a:spLocks noGrp="1"/>
+          </p:cNvSpPr>
+          <p:nvPr>
+            <p:ph type="title"/>
+          </p:nvPr>
+        </p:nvSpPr>
+        <p:spPr/>
+        <p:txBody>
+          <a:bodyPr/>
+          <a:lstStyle/>
+          <a:p>
+            <a:r>
+              <a:rPr lang="en-US" dirty="0" smtClean="0"/>
+              <a:t>Lexical experiments (generalizing)</a:t>
+            </a:r>
+            <a:endParaRPr lang="en-US" dirty="0"/>
+          </a:p>
+        </p:txBody>
+      </p:sp>
+      <p:sp>
+        <p:nvSpPr>
+          <p:cNvPr id="3" name="Content Placeholder 2"/>
+          <p:cNvSpPr>
+            <a:spLocks noGrp="1"/>
+          </p:cNvSpPr>
+          <p:nvPr>
+            <p:ph idx="1"/>
+          </p:nvPr>
+        </p:nvSpPr>
+        <p:spPr/>
+        <p:txBody>
+          <a:bodyPr/>
+          <a:lstStyle/>
+          <a:p>
+            <a:endParaRPr lang="en-US"/>
+          </a:p>
+        </p:txBody>
+      </p:sp>
+    </p:spTree>
+    <p:extLst>
+      <p:ext uri="{BB962C8B-B14F-4D97-AF65-F5344CB8AC3E}">
+        <p14:creationId xmlns:p14="http://schemas.microsoft.com/office/powerpoint/2010/main" val="243653428"/>
+      </p:ext>
+    </p:extLst>
+  </p:cSld>
+  <p:clrMapOvr>
+    <a:masterClrMapping/>
+  </p:clrMapOvr>
+</p:sld>
+</file>
+
+<file path=ppt/slides/slide16.xml><?xml version="1.0" encoding="utf-8"?>
+<p:sld xmlns:a="http://schemas.openxmlformats.org/drawingml/2006/main" xmlns:r="http://schemas.openxmlformats.org/officeDocument/2006/relationships" xmlns:p="http://schemas.openxmlformats.org/presentationml/2006/main">
+  <p:cSld>
+    <p:spTree>
+      <p:nvGrpSpPr>
+        <p:cNvPr id="1" name=""/>
+        <p:cNvGrpSpPr/>
+        <p:nvPr/>
+      </p:nvGrpSpPr>
+      <p:grpSpPr>
+        <a:xfrm>
+          <a:off x="0" y="0"/>
+          <a:ext cx="0" cy="0"/>
+          <a:chOff x="0" y="0"/>
+          <a:chExt cx="0" cy="0"/>
+        </a:xfrm>
+      </p:grpSpPr>
+      <p:sp>
+        <p:nvSpPr>
+          <p:cNvPr id="2" name="Title 1"/>
+          <p:cNvSpPr>
+            <a:spLocks noGrp="1"/>
+          </p:cNvSpPr>
+          <p:nvPr>
+            <p:ph type="title"/>
+          </p:nvPr>
+        </p:nvSpPr>
+        <p:spPr/>
+        <p:txBody>
+          <a:bodyPr/>
+          <a:lstStyle/>
+          <a:p>
+            <a:r>
+              <a:rPr lang="en-US" dirty="0" smtClean="0"/>
+              <a:t>Learning semantic composition</a:t>
+            </a:r>
+            <a:endParaRPr lang="en-US" dirty="0"/>
+          </a:p>
+        </p:txBody>
+      </p:sp>
+      <p:sp>
+        <p:nvSpPr>
+          <p:cNvPr id="3" name="Content Placeholder 2"/>
+          <p:cNvSpPr>
+            <a:spLocks noGrp="1"/>
+          </p:cNvSpPr>
+          <p:nvPr>
+            <p:ph idx="1"/>
+          </p:nvPr>
+        </p:nvSpPr>
+        <p:spPr/>
+        <p:txBody>
+          <a:bodyPr/>
+          <a:lstStyle/>
+          <a:p>
+            <a:r>
+              <a:rPr lang="en-US" dirty="0" smtClean="0"/>
+              <a:t>Logical operators are implemented and experimented</a:t>
+            </a:r>
+          </a:p>
+          <a:p>
+            <a:r>
+              <a:rPr lang="en-US" dirty="0" smtClean="0"/>
+              <a:t>Modular to support other kinds of compositional rules </a:t>
+            </a:r>
+            <a:endParaRPr lang="en-US" dirty="0"/>
           </a:p>
         </p:txBody>
       </p:sp>
@@ -3431,12 +4080,30 @@
           <a:lstStyle/>
           <a:p>
             <a:r>
+              <a:rPr lang="en-US" dirty="0" smtClean="0"/>
+              <a:t>Semantic parser</a:t>
+            </a:r>
+          </a:p>
+          <a:p>
+            <a:endParaRPr lang="en-US" dirty="0"/>
+          </a:p>
+          <a:p>
+            <a:r>
+              <a:rPr lang="en-US" dirty="0" smtClean="0"/>
+              <a:t>RSA</a:t>
+            </a:r>
+          </a:p>
+          <a:p>
+            <a:endParaRPr lang="en-US" dirty="0"/>
+          </a:p>
+          <a:p>
+            <a:r>
               <a:rPr lang="en-US" dirty="0" err="1" smtClean="0"/>
               <a:t>Variational</a:t>
             </a:r>
             <a:r>
               <a:rPr lang="en-US" dirty="0" smtClean="0"/>
-              <a:t> inference at the top, then RSA, then semantic parser</a:t>
+              <a:t> Inference</a:t>
             </a:r>
             <a:endParaRPr lang="en-US" dirty="0"/>
           </a:p>
@@ -3489,7 +4156,7 @@
           <a:p>
             <a:r>
               <a:rPr lang="en-US" dirty="0" smtClean="0"/>
-              <a:t>RSA</a:t>
+              <a:t>Semantic parser interface</a:t>
             </a:r>
             <a:endParaRPr lang="en-US" dirty="0"/>
           </a:p>
@@ -3512,16 +4179,43 @@
           <a:p>
             <a:r>
               <a:rPr lang="en-US" dirty="0" smtClean="0"/>
-              <a:t>Show standard RSA model with listener, speaker, literal listener</a:t>
+              <a:t>Takes parameters to govern parsing</a:t>
             </a:r>
             <a:endParaRPr lang="en-US" dirty="0"/>
+          </a:p>
+          <a:p>
+            <a:endParaRPr lang="en-US" dirty="0" smtClean="0"/>
+          </a:p>
+          <a:p>
+            <a:r>
+              <a:rPr lang="en-US" dirty="0" smtClean="0"/>
+              <a:t>Takes utterance</a:t>
+            </a:r>
+          </a:p>
+          <a:p>
+            <a:endParaRPr lang="en-US" dirty="0"/>
+          </a:p>
+          <a:p>
+            <a:r>
+              <a:rPr lang="en-US" dirty="0" smtClean="0"/>
+              <a:t>Returns meaning function from worlds to truth values</a:t>
+            </a:r>
+          </a:p>
+          <a:p>
+            <a:endParaRPr lang="en-US" dirty="0"/>
+          </a:p>
+          <a:p>
+            <a:r>
+              <a:rPr lang="en-US" dirty="0" smtClean="0"/>
+              <a:t>Truth value is real number</a:t>
+            </a:r>
           </a:p>
         </p:txBody>
       </p:sp>
     </p:spTree>
     <p:extLst>
       <p:ext uri="{BB962C8B-B14F-4D97-AF65-F5344CB8AC3E}">
-        <p14:creationId xmlns:p14="http://schemas.microsoft.com/office/powerpoint/2010/main" val="1228214860"/>
+        <p14:creationId xmlns:p14="http://schemas.microsoft.com/office/powerpoint/2010/main" val="515934178"/>
       </p:ext>
     </p:extLst>
   </p:cSld>
@@ -3565,7 +4259,7 @@
           <a:p>
             <a:r>
               <a:rPr lang="en-US" dirty="0" smtClean="0"/>
-              <a:t>Semantic parser interface</a:t>
+              <a:t>RSA</a:t>
             </a:r>
             <a:endParaRPr lang="en-US" dirty="0"/>
           </a:p>
@@ -3588,15 +4282,30 @@
           <a:p>
             <a:r>
               <a:rPr lang="en-US" dirty="0" smtClean="0"/>
-              <a:t>Takes parameters from </a:t>
-            </a:r>
-            <a:r>
-              <a:rPr lang="en-US" dirty="0" err="1" smtClean="0"/>
-              <a:t>variational</a:t>
-            </a:r>
+              <a:t>Standard RSA setup</a:t>
+            </a:r>
+          </a:p>
+          <a:p>
+            <a:endParaRPr lang="en-US" dirty="0" smtClean="0"/>
+          </a:p>
+          <a:p>
             <a:r>
               <a:rPr lang="en-US" dirty="0" smtClean="0"/>
-              <a:t>, returns function from worlds to truth values, used in RSA</a:t>
+              <a:t>Literal listener calls semantic parser</a:t>
+            </a:r>
+          </a:p>
+          <a:p>
+            <a:pPr lvl="1"/>
+            <a:r>
+              <a:rPr lang="en-US" dirty="0" smtClean="0"/>
+              <a:t>Pass utterance to parser</a:t>
+            </a:r>
+          </a:p>
+          <a:p>
+            <a:pPr lvl="1"/>
+            <a:r>
+              <a:rPr lang="en-US" dirty="0" smtClean="0"/>
+              <a:t>Pass world to resulting meaning function</a:t>
             </a:r>
             <a:endParaRPr lang="en-US" dirty="0"/>
           </a:p>
@@ -3605,7 +4314,7 @@
     </p:spTree>
     <p:extLst>
       <p:ext uri="{BB962C8B-B14F-4D97-AF65-F5344CB8AC3E}">
-        <p14:creationId xmlns:p14="http://schemas.microsoft.com/office/powerpoint/2010/main" val="515934178"/>
+        <p14:creationId xmlns:p14="http://schemas.microsoft.com/office/powerpoint/2010/main" val="1228214860"/>
       </p:ext>
     </p:extLst>
   </p:cSld>
@@ -3648,12 +4357,8 @@
           <a:lstStyle/>
           <a:p>
             <a:r>
-              <a:rPr lang="en-US" dirty="0" err="1" smtClean="0"/>
-              <a:t>Variational</a:t>
-            </a:r>
-            <a:r>
               <a:rPr lang="en-US" dirty="0" smtClean="0"/>
-              <a:t> interface</a:t>
+              <a:t>RSA</a:t>
             </a:r>
             <a:endParaRPr lang="en-US" dirty="0"/>
           </a:p>
@@ -3661,39 +4366,222 @@
       </p:sp>
       <p:sp>
         <p:nvSpPr>
-          <p:cNvPr id="3" name="Content Placeholder 2"/>
-          <p:cNvSpPr>
-            <a:spLocks noGrp="1"/>
-          </p:cNvSpPr>
-          <p:nvPr>
-            <p:ph idx="1"/>
-          </p:nvPr>
-        </p:nvSpPr>
-        <p:spPr/>
-        <p:txBody>
-          <a:bodyPr/>
-          <a:lstStyle/>
-          <a:p>
-            <a:r>
-              <a:rPr lang="en-US" dirty="0" smtClean="0"/>
-              <a:t>Show </a:t>
-            </a:r>
-            <a:r>
-              <a:rPr lang="en-US" dirty="0" err="1" smtClean="0"/>
-              <a:t>variational</a:t>
-            </a:r>
-            <a:r>
-              <a:rPr lang="en-US" dirty="0" smtClean="0"/>
-              <a:t> interacting with pragmatic listener</a:t>
-            </a:r>
-            <a:endParaRPr lang="en-US" dirty="0"/>
+          <p:cNvPr id="6" name="TextBox 5"/>
+          <p:cNvSpPr txBox="1"/>
+          <p:nvPr/>
+        </p:nvSpPr>
+        <p:spPr>
+          <a:xfrm>
+            <a:off x="3482787" y="2260382"/>
+            <a:ext cx="6535271" cy="3416320"/>
+          </a:xfrm>
+          <a:prstGeom prst="rect">
+            <a:avLst/>
+          </a:prstGeom>
+          <a:noFill/>
+        </p:spPr>
+        <p:txBody>
+          <a:bodyPr wrap="square" rtlCol="0">
+            <a:spAutoFit/>
+          </a:bodyPr>
+          <a:lstStyle/>
+          <a:p>
+            <a:r>
+              <a:rPr lang="en-US" sz="2400" dirty="0" err="1" smtClean="0"/>
+              <a:t>var</a:t>
+            </a:r>
+            <a:r>
+              <a:rPr lang="en-US" sz="2400" dirty="0" smtClean="0"/>
+              <a:t> </a:t>
+            </a:r>
+            <a:r>
+              <a:rPr lang="en-US" sz="2400" dirty="0" smtClean="0">
+                <a:solidFill>
+                  <a:srgbClr val="FF0000"/>
+                </a:solidFill>
+              </a:rPr>
+              <a:t>parser</a:t>
+            </a:r>
+            <a:r>
+              <a:rPr lang="en-US" sz="2400" dirty="0" smtClean="0"/>
+              <a:t> = </a:t>
+            </a:r>
+            <a:r>
+              <a:rPr lang="en-US" sz="2400" dirty="0" err="1" smtClean="0"/>
+              <a:t>createParser</a:t>
+            </a:r>
+            <a:r>
+              <a:rPr lang="en-US" sz="2400" dirty="0" smtClean="0"/>
+              <a:t>(</a:t>
+            </a:r>
+            <a:r>
+              <a:rPr lang="en-US" sz="2400" dirty="0" err="1" smtClean="0"/>
+              <a:t>params</a:t>
+            </a:r>
+            <a:r>
+              <a:rPr lang="en-US" sz="2400" dirty="0" smtClean="0"/>
+              <a:t>);</a:t>
+            </a:r>
+          </a:p>
+          <a:p>
+            <a:r>
+              <a:rPr lang="en-US" sz="2400" dirty="0" err="1" smtClean="0"/>
+              <a:t>var</a:t>
+            </a:r>
+            <a:r>
+              <a:rPr lang="en-US" sz="2400" dirty="0" smtClean="0"/>
+              <a:t> </a:t>
+            </a:r>
+            <a:r>
+              <a:rPr lang="en-US" sz="2400" dirty="0" err="1" smtClean="0"/>
+              <a:t>literalListener</a:t>
+            </a:r>
+            <a:r>
+              <a:rPr lang="en-US" sz="2400" dirty="0" smtClean="0"/>
+              <a:t> = function (utterance) {        </a:t>
+            </a:r>
+          </a:p>
+          <a:p>
+            <a:r>
+              <a:rPr lang="en-US" sz="2400" dirty="0" smtClean="0"/>
+              <a:t>    Infer({ method: 'enumerate' }, function () {            </a:t>
+            </a:r>
+          </a:p>
+          <a:p>
+            <a:r>
+              <a:rPr lang="en-US" sz="2400" dirty="0" smtClean="0"/>
+              <a:t>        </a:t>
+            </a:r>
+            <a:r>
+              <a:rPr lang="en-US" sz="2400" dirty="0" err="1" smtClean="0"/>
+              <a:t>var</a:t>
+            </a:r>
+            <a:r>
+              <a:rPr lang="en-US" sz="2400" dirty="0" smtClean="0"/>
+              <a:t> </a:t>
+            </a:r>
+            <a:r>
+              <a:rPr lang="en-US" sz="2400" dirty="0" err="1" smtClean="0">
+                <a:solidFill>
+                  <a:srgbClr val="0070C0"/>
+                </a:solidFill>
+              </a:rPr>
+              <a:t>truthFn</a:t>
+            </a:r>
+            <a:r>
+              <a:rPr lang="en-US" sz="2400" dirty="0" smtClean="0">
+                <a:solidFill>
+                  <a:srgbClr val="0070C0"/>
+                </a:solidFill>
+              </a:rPr>
+              <a:t> </a:t>
+            </a:r>
+            <a:r>
+              <a:rPr lang="en-US" sz="2400" dirty="0" smtClean="0"/>
+              <a:t>= </a:t>
+            </a:r>
+            <a:r>
+              <a:rPr lang="en-US" sz="2400" dirty="0" smtClean="0">
+                <a:solidFill>
+                  <a:srgbClr val="FF0000"/>
+                </a:solidFill>
+              </a:rPr>
+              <a:t>parser</a:t>
+            </a:r>
+            <a:r>
+              <a:rPr lang="en-US" sz="2400" dirty="0" smtClean="0"/>
+              <a:t>(utterance);</a:t>
+            </a:r>
+          </a:p>
+          <a:p>
+            <a:r>
+              <a:rPr lang="en-US" sz="2400" dirty="0"/>
+              <a:t> </a:t>
+            </a:r>
+            <a:r>
+              <a:rPr lang="en-US" sz="2400" dirty="0" smtClean="0"/>
+              <a:t>       </a:t>
+            </a:r>
+            <a:r>
+              <a:rPr lang="en-US" sz="2400" dirty="0" err="1" smtClean="0"/>
+              <a:t>var</a:t>
+            </a:r>
+            <a:r>
+              <a:rPr lang="en-US" sz="2400" dirty="0" smtClean="0"/>
+              <a:t> world = </a:t>
+            </a:r>
+            <a:r>
+              <a:rPr lang="en-US" sz="2400" dirty="0" err="1" smtClean="0"/>
+              <a:t>worldPrior</a:t>
+            </a:r>
+            <a:r>
+              <a:rPr lang="en-US" sz="2400" dirty="0" smtClean="0"/>
+              <a:t>();</a:t>
+            </a:r>
+          </a:p>
+          <a:p>
+            <a:r>
+              <a:rPr lang="en-US" sz="2400" dirty="0"/>
+              <a:t> </a:t>
+            </a:r>
+            <a:r>
+              <a:rPr lang="en-US" sz="2400" dirty="0" smtClean="0"/>
+              <a:t>       factor(</a:t>
+            </a:r>
+            <a:r>
+              <a:rPr lang="en-US" sz="2400" dirty="0" err="1" smtClean="0"/>
+              <a:t>Math.log</a:t>
+            </a:r>
+            <a:r>
+              <a:rPr lang="en-US" sz="2400" dirty="0" smtClean="0"/>
+              <a:t>(</a:t>
+            </a:r>
+            <a:r>
+              <a:rPr lang="en-US" sz="2400" dirty="0" err="1" smtClean="0">
+                <a:solidFill>
+                  <a:srgbClr val="0070C0"/>
+                </a:solidFill>
+              </a:rPr>
+              <a:t>truthFn</a:t>
+            </a:r>
+            <a:r>
+              <a:rPr lang="en-US" sz="2400" dirty="0" smtClean="0"/>
+              <a:t>(world)));</a:t>
+            </a:r>
+          </a:p>
+          <a:p>
+            <a:r>
+              <a:rPr lang="en-US" sz="2400" dirty="0"/>
+              <a:t> </a:t>
+            </a:r>
+            <a:r>
+              <a:rPr lang="en-US" sz="2400" dirty="0" smtClean="0"/>
+              <a:t>       return world;</a:t>
+            </a:r>
+          </a:p>
+          <a:p>
+            <a:r>
+              <a:rPr lang="en-US" sz="2400" dirty="0"/>
+              <a:t> </a:t>
+            </a:r>
+            <a:r>
+              <a:rPr lang="en-US" sz="2400" dirty="0" smtClean="0"/>
+              <a:t>   })   </a:t>
+            </a:r>
+          </a:p>
+          <a:p>
+            <a:r>
+              <a:rPr lang="en-US" sz="2400" dirty="0" smtClean="0"/>
+              <a:t>})</a:t>
+            </a:r>
+            <a:endParaRPr lang="en-US" sz="2400" dirty="0"/>
           </a:p>
         </p:txBody>
       </p:sp>
     </p:spTree>
     <p:extLst>
       <p:ext uri="{BB962C8B-B14F-4D97-AF65-F5344CB8AC3E}">
-        <p14:creationId xmlns:p14="http://schemas.microsoft.com/office/powerpoint/2010/main" val="238419957"/>
+        <p14:creationId xmlns:p14="http://schemas.microsoft.com/office/powerpoint/2010/main" val="250962427"/>
       </p:ext>
     </p:extLst>
   </p:cSld>
@@ -3736,8 +4624,12 @@
           <a:lstStyle/>
           <a:p>
             <a:r>
+              <a:rPr lang="en-US" dirty="0" err="1" smtClean="0"/>
+              <a:t>Variational</a:t>
+            </a:r>
+            <a:r>
               <a:rPr lang="en-US" dirty="0" smtClean="0"/>
-              <a:t>Semantic parser architecture</a:t>
+              <a:t> Inference</a:t>
             </a:r>
             <a:endParaRPr lang="en-US" dirty="0"/>
           </a:p>
@@ -3760,33 +4652,30 @@
           <a:p>
             <a:r>
               <a:rPr lang="en-US" dirty="0" smtClean="0"/>
-              <a:t>Probabilistic semantics</a:t>
-            </a:r>
+              <a:t>Goal: optimize parser parameters</a:t>
+            </a:r>
+          </a:p>
+          <a:p>
+            <a:endParaRPr lang="en-US" dirty="0" smtClean="0"/>
           </a:p>
           <a:p>
             <a:r>
               <a:rPr lang="en-US" dirty="0" smtClean="0"/>
-              <a:t>Chart parsing – compacted versus </a:t>
-            </a:r>
+              <a:t>Training data contains worlds and utterances</a:t>
+            </a:r>
+          </a:p>
+          <a:p>
+            <a:endParaRPr lang="en-US" dirty="0"/>
+          </a:p>
+          <a:p>
             <a:r>
               <a:rPr lang="en-US" dirty="0" err="1" smtClean="0"/>
-              <a:t>uncompacted</a:t>
-            </a:r>
-            <a:endParaRPr lang="en-US" dirty="0" smtClean="0"/>
-          </a:p>
-          <a:p>
+              <a:t>mapData</a:t>
+            </a:r>
             <a:r>
               <a:rPr lang="en-US" dirty="0" smtClean="0"/>
-              <a:t>PCFG – learns weights, each cell has a set of trees with cumulative scores</a:t>
-            </a:r>
-          </a:p>
-          <a:p>
-            <a:r>
-              <a:rPr lang="en-US" dirty="0" smtClean="0"/>
-              <a:t>Log-linear scoring with features for each rule</a:t>
-            </a:r>
-          </a:p>
-          <a:p>
+              <a:t> calls pragmatic listener</a:t>
+            </a:r>
             <a:endParaRPr lang="en-US" dirty="0"/>
           </a:p>
         </p:txBody>
@@ -3794,7 +4683,7 @@
     </p:spTree>
     <p:extLst>
       <p:ext uri="{BB962C8B-B14F-4D97-AF65-F5344CB8AC3E}">
-        <p14:creationId xmlns:p14="http://schemas.microsoft.com/office/powerpoint/2010/main" val="1867923418"/>
+        <p14:creationId xmlns:p14="http://schemas.microsoft.com/office/powerpoint/2010/main" val="238419957"/>
       </p:ext>
     </p:extLst>
   </p:cSld>
@@ -3837,8 +4726,12 @@
           <a:lstStyle/>
           <a:p>
             <a:r>
+              <a:rPr lang="en-US" dirty="0" err="1" smtClean="0"/>
+              <a:t>Variational</a:t>
+            </a:r>
+            <a:r>
               <a:rPr lang="en-US" dirty="0" smtClean="0"/>
-              <a:t>Grammar specification</a:t>
+              <a:t> Inference</a:t>
             </a:r>
             <a:endParaRPr lang="en-US" dirty="0"/>
           </a:p>
@@ -3846,27 +4739,223 @@
       </p:sp>
       <p:sp>
         <p:nvSpPr>
-          <p:cNvPr id="3" name="Content Placeholder 2"/>
-          <p:cNvSpPr>
-            <a:spLocks noGrp="1"/>
-          </p:cNvSpPr>
-          <p:nvPr>
-            <p:ph idx="1"/>
-          </p:nvPr>
-        </p:nvSpPr>
-        <p:spPr/>
-        <p:txBody>
-          <a:bodyPr/>
-          <a:lstStyle/>
-          <a:p>
-            <a:endParaRPr lang="en-US"/>
+          <p:cNvPr id="4" name="TextBox 3"/>
+          <p:cNvSpPr txBox="1"/>
+          <p:nvPr/>
+        </p:nvSpPr>
+        <p:spPr>
+          <a:xfrm>
+            <a:off x="3240741" y="2266623"/>
+            <a:ext cx="5997388" cy="3416320"/>
+          </a:xfrm>
+          <a:prstGeom prst="rect">
+            <a:avLst/>
+          </a:prstGeom>
+          <a:noFill/>
+        </p:spPr>
+        <p:txBody>
+          <a:bodyPr wrap="square" rtlCol="0">
+            <a:spAutoFit/>
+          </a:bodyPr>
+          <a:lstStyle/>
+          <a:p>
+            <a:r>
+              <a:rPr lang="en-US" sz="2400" dirty="0" smtClean="0"/>
+              <a:t>Optimize(function () {</a:t>
+            </a:r>
+          </a:p>
+          <a:p>
+            <a:r>
+              <a:rPr lang="en-US" sz="2400" dirty="0"/>
+              <a:t> </a:t>
+            </a:r>
+            <a:r>
+              <a:rPr lang="en-US" sz="2400" dirty="0" smtClean="0"/>
+              <a:t>   </a:t>
+            </a:r>
+            <a:r>
+              <a:rPr lang="en-US" sz="2400" dirty="0" err="1" smtClean="0"/>
+              <a:t>var</a:t>
+            </a:r>
+            <a:r>
+              <a:rPr lang="en-US" sz="2400" dirty="0" smtClean="0"/>
+              <a:t> </a:t>
+            </a:r>
+            <a:r>
+              <a:rPr lang="en-US" sz="2400" dirty="0" err="1" smtClean="0">
+                <a:solidFill>
+                  <a:srgbClr val="0070C0"/>
+                </a:solidFill>
+              </a:rPr>
+              <a:t>params</a:t>
+            </a:r>
+            <a:r>
+              <a:rPr lang="en-US" sz="2400" dirty="0" smtClean="0">
+                <a:solidFill>
+                  <a:srgbClr val="0070C0"/>
+                </a:solidFill>
+              </a:rPr>
+              <a:t> </a:t>
+            </a:r>
+            <a:r>
+              <a:rPr lang="en-US" sz="2400" dirty="0" smtClean="0"/>
+              <a:t>= </a:t>
+            </a:r>
+            <a:r>
+              <a:rPr lang="is-IS" sz="2400" dirty="0" smtClean="0"/>
+              <a:t>… // Calls modelParam</a:t>
+            </a:r>
+          </a:p>
+          <a:p>
+            <a:r>
+              <a:rPr lang="en-US" sz="2400" dirty="0" smtClean="0"/>
+              <a:t>    </a:t>
+            </a:r>
+            <a:r>
+              <a:rPr lang="en-US" sz="2400" dirty="0" err="1" smtClean="0"/>
+              <a:t>var</a:t>
+            </a:r>
+            <a:r>
+              <a:rPr lang="en-US" sz="2400" dirty="0" smtClean="0"/>
+              <a:t> </a:t>
+            </a:r>
+            <a:r>
+              <a:rPr lang="en-US" sz="2400" dirty="0" smtClean="0">
+                <a:solidFill>
+                  <a:srgbClr val="FF0000"/>
+                </a:solidFill>
+              </a:rPr>
+              <a:t>listener</a:t>
+            </a:r>
+            <a:r>
+              <a:rPr lang="en-US" sz="2400" dirty="0" smtClean="0"/>
+              <a:t> = </a:t>
+            </a:r>
+            <a:r>
+              <a:rPr lang="en-US" sz="2400" dirty="0" err="1" smtClean="0"/>
+              <a:t>createListener</a:t>
+            </a:r>
+            <a:r>
+              <a:rPr lang="en-US" sz="2400" dirty="0" smtClean="0"/>
+              <a:t>(</a:t>
+            </a:r>
+            <a:r>
+              <a:rPr lang="en-US" sz="2400" dirty="0" err="1" smtClean="0">
+                <a:solidFill>
+                  <a:srgbClr val="0070C0"/>
+                </a:solidFill>
+              </a:rPr>
+              <a:t>params</a:t>
+            </a:r>
+            <a:r>
+              <a:rPr lang="en-US" sz="2400" dirty="0" smtClean="0"/>
+              <a:t>);</a:t>
+            </a:r>
+          </a:p>
+          <a:p>
+            <a:r>
+              <a:rPr lang="en-US" sz="2400" dirty="0"/>
+              <a:t> </a:t>
+            </a:r>
+            <a:r>
+              <a:rPr lang="en-US" sz="2400" dirty="0" smtClean="0"/>
+              <a:t>   </a:t>
+            </a:r>
+            <a:r>
+              <a:rPr lang="en-US" sz="2400" dirty="0" err="1" smtClean="0"/>
+              <a:t>mapData</a:t>
+            </a:r>
+            <a:r>
+              <a:rPr lang="en-US" sz="2400" dirty="0" smtClean="0"/>
+              <a:t>({ data: data }, function (d) {</a:t>
+            </a:r>
+          </a:p>
+          <a:p>
+            <a:r>
+              <a:rPr lang="en-US" sz="2400" dirty="0"/>
+              <a:t> </a:t>
+            </a:r>
+            <a:r>
+              <a:rPr lang="en-US" sz="2400" dirty="0" smtClean="0"/>
+              <a:t>       </a:t>
+            </a:r>
+            <a:r>
+              <a:rPr lang="en-US" sz="2400" dirty="0" err="1" smtClean="0"/>
+              <a:t>var</a:t>
+            </a:r>
+            <a:r>
+              <a:rPr lang="en-US" sz="2400" dirty="0" smtClean="0"/>
+              <a:t> distribution = </a:t>
+            </a:r>
+            <a:r>
+              <a:rPr lang="en-US" sz="2400" dirty="0" smtClean="0">
+                <a:solidFill>
+                  <a:srgbClr val="FF0000"/>
+                </a:solidFill>
+              </a:rPr>
+              <a:t>listener</a:t>
+            </a:r>
+            <a:r>
+              <a:rPr lang="en-US" sz="2400" dirty="0" smtClean="0"/>
+              <a:t>(</a:t>
+            </a:r>
+            <a:r>
+              <a:rPr lang="en-US" sz="2400" dirty="0" err="1" smtClean="0"/>
+              <a:t>d.utterance</a:t>
+            </a:r>
+            <a:r>
+              <a:rPr lang="en-US" sz="2400" dirty="0" smtClean="0"/>
+              <a:t>);</a:t>
+            </a:r>
+          </a:p>
+          <a:p>
+            <a:r>
+              <a:rPr lang="en-US" sz="2400" dirty="0"/>
+              <a:t> </a:t>
+            </a:r>
+            <a:r>
+              <a:rPr lang="en-US" sz="2400" dirty="0" smtClean="0"/>
+              <a:t>       observe(distribution, </a:t>
+            </a:r>
+            <a:r>
+              <a:rPr lang="en-US" sz="2400" dirty="0" err="1" smtClean="0"/>
+              <a:t>d.world</a:t>
+            </a:r>
+            <a:r>
+              <a:rPr lang="en-US" sz="2400" dirty="0" smtClean="0"/>
+              <a:t>);</a:t>
+            </a:r>
+          </a:p>
+          <a:p>
+            <a:r>
+              <a:rPr lang="en-US" sz="2400" dirty="0"/>
+              <a:t> </a:t>
+            </a:r>
+            <a:r>
+              <a:rPr lang="en-US" sz="2400" dirty="0" smtClean="0"/>
+              <a:t>   })</a:t>
+            </a:r>
+          </a:p>
+          <a:p>
+            <a:r>
+              <a:rPr lang="en-US" sz="2400" dirty="0" smtClean="0"/>
+              <a:t>}, { </a:t>
+            </a:r>
+            <a:r>
+              <a:rPr lang="is-IS" sz="2400" dirty="0" smtClean="0"/>
+              <a:t>… })</a:t>
+            </a:r>
+            <a:endParaRPr lang="en-US" sz="2400" dirty="0" smtClean="0"/>
+          </a:p>
+          <a:p>
+            <a:endParaRPr lang="en-US" sz="2400" dirty="0"/>
           </a:p>
         </p:txBody>
       </p:sp>
     </p:spTree>
     <p:extLst>
       <p:ext uri="{BB962C8B-B14F-4D97-AF65-F5344CB8AC3E}">
-        <p14:creationId xmlns:p14="http://schemas.microsoft.com/office/powerpoint/2010/main" val="1954574685"/>
+        <p14:creationId xmlns:p14="http://schemas.microsoft.com/office/powerpoint/2010/main" val="1749391006"/>
       </p:ext>
     </p:extLst>
   </p:cSld>
@@ -3910,7 +4999,7 @@
           <a:p>
             <a:r>
               <a:rPr lang="en-US" dirty="0" smtClean="0"/>
-              <a:t>Semantic functions (Leon’s slide)</a:t>
+              <a:t>Semantic parser architecture</a:t>
             </a:r>
             <a:endParaRPr lang="en-US" dirty="0"/>
           </a:p>
@@ -3928,8 +5017,92 @@
         </p:nvSpPr>
         <p:spPr/>
         <p:txBody>
-          <a:bodyPr/>
-          <a:lstStyle/>
+          <a:bodyPr>
+            <a:normAutofit fontScale="70000" lnSpcReduction="20000"/>
+          </a:bodyPr>
+          <a:lstStyle/>
+          <a:p>
+            <a:r>
+              <a:rPr lang="en-US" dirty="0" err="1" smtClean="0"/>
+              <a:t>WebPPL</a:t>
+            </a:r>
+            <a:r>
+              <a:rPr lang="en-US" dirty="0" smtClean="0"/>
+              <a:t> package </a:t>
+            </a:r>
+            <a:r>
+              <a:rPr lang="en-US" i="1" dirty="0" err="1" smtClean="0"/>
+              <a:t>semppl</a:t>
+            </a:r>
+            <a:endParaRPr lang="en-US" i="1" dirty="0" smtClean="0"/>
+          </a:p>
+          <a:p>
+            <a:endParaRPr lang="en-US" i="1" dirty="0" smtClean="0"/>
+          </a:p>
+          <a:p>
+            <a:r>
+              <a:rPr lang="en-US" dirty="0" smtClean="0"/>
+              <a:t>Takes a grammar and </a:t>
+            </a:r>
+            <a:r>
+              <a:rPr lang="en-US" dirty="0" err="1" smtClean="0"/>
+              <a:t>params</a:t>
+            </a:r>
+            <a:endParaRPr lang="en-US" dirty="0" smtClean="0"/>
+          </a:p>
+          <a:p>
+            <a:endParaRPr lang="en-US" dirty="0" smtClean="0"/>
+          </a:p>
+          <a:p>
+            <a:r>
+              <a:rPr lang="en-US" dirty="0" smtClean="0"/>
+              <a:t>Chart parsing - start with words, build up to sentence</a:t>
+            </a:r>
+          </a:p>
+          <a:p>
+            <a:endParaRPr lang="en-US" dirty="0" smtClean="0"/>
+          </a:p>
+          <a:p>
+            <a:r>
+              <a:rPr lang="en-US" dirty="0" smtClean="0"/>
+              <a:t>Chart cell has:</a:t>
+            </a:r>
+          </a:p>
+          <a:p>
+            <a:pPr lvl="1"/>
+            <a:r>
+              <a:rPr lang="en-US" dirty="0" smtClean="0"/>
+              <a:t>Set of intermediate parse trees</a:t>
+            </a:r>
+          </a:p>
+          <a:p>
+            <a:pPr lvl="1"/>
+            <a:r>
+              <a:rPr lang="en-US" dirty="0" smtClean="0"/>
+              <a:t>Score for each parse tree</a:t>
+            </a:r>
+          </a:p>
+          <a:p>
+            <a:endParaRPr lang="en-US" dirty="0"/>
+          </a:p>
+          <a:p>
+            <a:r>
+              <a:rPr lang="en-US" dirty="0" smtClean="0"/>
+              <a:t>Results in distribution over parses</a:t>
+            </a:r>
+          </a:p>
+          <a:p>
+            <a:r>
+              <a:rPr lang="en-US" dirty="0" smtClean="0"/>
+              <a:t>PCFG – learns weights, each cell has a set of trees with cumulative scores</a:t>
+            </a:r>
+          </a:p>
+          <a:p>
+            <a:r>
+              <a:rPr lang="en-US" dirty="0" smtClean="0"/>
+              <a:t>Log-linear scoring with features for each rule</a:t>
+            </a:r>
+          </a:p>
           <a:p>
             <a:endParaRPr lang="en-US" dirty="0"/>
           </a:p>
@@ -3938,7 +5111,7 @@
     </p:spTree>
     <p:extLst>
       <p:ext uri="{BB962C8B-B14F-4D97-AF65-F5344CB8AC3E}">
-        <p14:creationId xmlns:p14="http://schemas.microsoft.com/office/powerpoint/2010/main" val="187102010"/>
+        <p14:creationId xmlns:p14="http://schemas.microsoft.com/office/powerpoint/2010/main" val="1867923418"/>
       </p:ext>
     </p:extLst>
   </p:cSld>
@@ -3982,69 +5155,164 @@
           <a:p>
             <a:r>
               <a:rPr lang="en-US" dirty="0" smtClean="0"/>
-              <a:t>Data source</a:t>
+              <a:t>Grammar specification</a:t>
             </a:r>
             <a:endParaRPr lang="en-US" dirty="0"/>
           </a:p>
         </p:txBody>
       </p:sp>
-      <p:sp>
-        <p:nvSpPr>
-          <p:cNvPr id="3" name="Content Placeholder 2"/>
-          <p:cNvSpPr>
-            <a:spLocks noGrp="1"/>
-          </p:cNvSpPr>
-          <p:nvPr>
-            <p:ph idx="1"/>
-          </p:nvPr>
-        </p:nvSpPr>
-        <p:spPr/>
-        <p:txBody>
-          <a:bodyPr/>
-          <a:lstStyle/>
-          <a:p>
-            <a:r>
-              <a:rPr lang="en-US" dirty="0" smtClean="0"/>
-              <a:t>Ground truth model – fixed semantics</a:t>
-            </a:r>
-          </a:p>
-          <a:p>
-            <a:r>
-              <a:rPr lang="en-US" dirty="0" smtClean="0"/>
-              <a:t>Generate samples from ground truth</a:t>
-            </a:r>
-          </a:p>
-          <a:p>
-            <a:r>
-              <a:rPr lang="en-US" dirty="0" smtClean="0"/>
-              <a:t>Triples of utterance, world, context</a:t>
-            </a:r>
-          </a:p>
-          <a:p>
-            <a:r>
-              <a:rPr lang="en-US" dirty="0" err="1" smtClean="0"/>
-              <a:t>mapData</a:t>
-            </a:r>
-            <a:r>
-              <a:rPr lang="en-US" dirty="0" smtClean="0"/>
-              <a:t> in </a:t>
-            </a:r>
-            <a:r>
-              <a:rPr lang="en-US" dirty="0" err="1" smtClean="0"/>
-              <a:t>variational</a:t>
-            </a:r>
-            <a:r>
-              <a:rPr lang="en-US" dirty="0" smtClean="0"/>
-              <a:t> inference</a:t>
-            </a:r>
-            <a:endParaRPr lang="en-US" dirty="0"/>
-          </a:p>
-        </p:txBody>
-      </p:sp>
+      <mc:AlternateContent xmlns:mc="http://schemas.openxmlformats.org/markup-compatibility/2006">
+        <mc:Choice xmlns:a14="http://schemas.microsoft.com/office/drawing/2010/main" Requires="a14">
+          <p:sp>
+            <p:nvSpPr>
+              <p:cNvPr id="3" name="Content Placeholder 2"/>
+              <p:cNvSpPr>
+                <a:spLocks noGrp="1"/>
+              </p:cNvSpPr>
+              <p:nvPr>
+                <p:ph idx="1"/>
+              </p:nvPr>
+            </p:nvSpPr>
+            <p:spPr/>
+            <p:txBody>
+              <a:bodyPr>
+                <a:normAutofit/>
+              </a:bodyPr>
+              <a:lstStyle/>
+              <a:p>
+                <a:r>
+                  <a:rPr lang="en-US" dirty="0" smtClean="0"/>
+                  <a:t>PCFG (probabilistic context free grammar)</a:t>
+                </a:r>
+              </a:p>
+              <a:p>
+                <a:endParaRPr lang="en-US" dirty="0" smtClean="0"/>
+              </a:p>
+              <a:p>
+                <a:r>
+                  <a:rPr lang="en-US" dirty="0" smtClean="0"/>
+                  <a:t>Each rule:</a:t>
+                </a:r>
+              </a:p>
+              <a:p>
+                <a:pPr lvl="1"/>
+                <a:r>
+                  <a:rPr lang="en-US" dirty="0" smtClean="0"/>
+                  <a:t>LHS</a:t>
+                </a:r>
+              </a:p>
+              <a:p>
+                <a:pPr lvl="1"/>
+                <a:r>
+                  <a:rPr lang="en-US" dirty="0" smtClean="0"/>
+                  <a:t>RHS</a:t>
+                </a:r>
+              </a:p>
+              <a:p>
+                <a:pPr lvl="1"/>
+                <a:r>
+                  <a:rPr lang="en-US" dirty="0" smtClean="0"/>
+                  <a:t>Semantic function</a:t>
+                </a:r>
+              </a:p>
+              <a:p>
+                <a:r>
+                  <a:rPr lang="en-US" dirty="0" smtClean="0"/>
+                  <a:t>Parser assigns weight </a:t>
+                </a:r>
+                <a14:m>
+                  <m:oMath xmlns:m="http://schemas.openxmlformats.org/officeDocument/2006/math">
+                    <m:sSub>
+                      <m:sSubPr>
+                        <m:ctrlPr>
+                          <a:rPr lang="en-US" b="0" i="1" smtClean="0">
+                            <a:latin typeface="Cambria Math" charset="0"/>
+                          </a:rPr>
+                        </m:ctrlPr>
+                      </m:sSubPr>
+                      <m:e>
+                        <m:r>
+                          <a:rPr lang="en-US" b="0" i="1" smtClean="0">
+                            <a:latin typeface="Cambria Math" charset="0"/>
+                          </a:rPr>
+                          <m:t>𝜔</m:t>
+                        </m:r>
+                      </m:e>
+                      <m:sub>
+                        <m:r>
+                          <a:rPr lang="en-US" b="0" i="1" smtClean="0">
+                            <a:latin typeface="Cambria Math" charset="0"/>
+                          </a:rPr>
+                          <m:t>𝑟</m:t>
+                        </m:r>
+                      </m:sub>
+                    </m:sSub>
+                  </m:oMath>
+                </a14:m>
+                <a:r>
+                  <a:rPr lang="en-US" i="1" dirty="0" smtClean="0"/>
+                  <a:t> </a:t>
+                </a:r>
+                <a:r>
+                  <a:rPr lang="en-US" dirty="0" smtClean="0"/>
+                  <a:t>for each rule </a:t>
+                </a:r>
+                <a14:m>
+                  <m:oMath xmlns:m="http://schemas.openxmlformats.org/officeDocument/2006/math">
+                    <m:r>
+                      <a:rPr lang="en-US" b="0" i="1" smtClean="0">
+                        <a:latin typeface="Cambria Math" charset="0"/>
+                      </a:rPr>
+                      <m:t>𝑟</m:t>
+                    </m:r>
+                  </m:oMath>
+                </a14:m>
+                <a:endParaRPr lang="en-US" dirty="0" smtClean="0"/>
+              </a:p>
+              <a:p>
+                <a:endParaRPr lang="en-US" dirty="0" smtClean="0"/>
+              </a:p>
+            </p:txBody>
+          </p:sp>
+        </mc:Choice>
+        <mc:Fallback>
+          <p:sp>
+            <p:nvSpPr>
+              <p:cNvPr id="3" name="Content Placeholder 2"/>
+              <p:cNvSpPr>
+                <a:spLocks noGrp="1" noRot="1" noChangeAspect="1" noMove="1" noResize="1" noEditPoints="1" noAdjustHandles="1" noChangeArrowheads="1" noChangeShapeType="1" noTextEdit="1"/>
+              </p:cNvSpPr>
+              <p:nvPr>
+                <p:ph idx="1"/>
+              </p:nvPr>
+            </p:nvSpPr>
+            <p:spPr>
+              <a:blipFill rotWithShape="0">
+                <a:blip r:embed="rId2"/>
+                <a:stretch>
+                  <a:fillRect l="-1043" t="-2241"/>
+                </a:stretch>
+              </a:blipFill>
+            </p:spPr>
+            <p:txBody>
+              <a:bodyPr/>
+              <a:lstStyle/>
+              <a:p>
+                <a:r>
+                  <a:rPr lang="en-US">
+                    <a:noFill/>
+                  </a:rPr>
+                  <a:t> </a:t>
+                </a:r>
+              </a:p>
+            </p:txBody>
+          </p:sp>
+        </mc:Fallback>
+      </mc:AlternateContent>
     </p:spTree>
     <p:extLst>
       <p:ext uri="{BB962C8B-B14F-4D97-AF65-F5344CB8AC3E}">
-        <p14:creationId xmlns:p14="http://schemas.microsoft.com/office/powerpoint/2010/main" val="479382636"/>
+        <p14:creationId xmlns:p14="http://schemas.microsoft.com/office/powerpoint/2010/main" val="1954574685"/>
       </p:ext>
     </p:extLst>
   </p:cSld>

--- a/LabMeeting.pptx
+++ b/LabMeeting.pptx
@@ -15,12 +15,23 @@
     <p:sldId id="261" r:id="rId9"/>
     <p:sldId id="266" r:id="rId10"/>
     <p:sldId id="271" r:id="rId11"/>
-    <p:sldId id="262" r:id="rId12"/>
-    <p:sldId id="267" r:id="rId13"/>
-    <p:sldId id="268" r:id="rId14"/>
+    <p:sldId id="272" r:id="rId12"/>
+    <p:sldId id="273" r:id="rId13"/>
+    <p:sldId id="267" r:id="rId14"/>
     <p:sldId id="263" r:id="rId15"/>
-    <p:sldId id="264" r:id="rId16"/>
-    <p:sldId id="265" r:id="rId17"/>
+    <p:sldId id="274" r:id="rId16"/>
+    <p:sldId id="264" r:id="rId17"/>
+    <p:sldId id="275" r:id="rId18"/>
+    <p:sldId id="276" r:id="rId19"/>
+    <p:sldId id="277" r:id="rId20"/>
+    <p:sldId id="278" r:id="rId21"/>
+    <p:sldId id="279" r:id="rId22"/>
+    <p:sldId id="284" r:id="rId23"/>
+    <p:sldId id="265" r:id="rId24"/>
+    <p:sldId id="280" r:id="rId25"/>
+    <p:sldId id="281" r:id="rId26"/>
+    <p:sldId id="282" r:id="rId27"/>
+    <p:sldId id="283" r:id="rId28"/>
   </p:sldIdLst>
   <p:sldSz cx="12192000" cy="6858000"/>
   <p:notesSz cx="6858000" cy="9144000"/>
@@ -142,22 +153,5964 @@
             <p14:sldId id="261"/>
             <p14:sldId id="266"/>
             <p14:sldId id="271"/>
-            <p14:sldId id="262"/>
+            <p14:sldId id="272"/>
+            <p14:sldId id="273"/>
           </p14:sldIdLst>
         </p14:section>
         <p14:section name="Experiments" id="{5ABF7E66-CE7C-6D45-93AF-308901C4F353}">
           <p14:sldIdLst>
             <p14:sldId id="267"/>
-            <p14:sldId id="268"/>
             <p14:sldId id="263"/>
+            <p14:sldId id="274"/>
             <p14:sldId id="264"/>
+            <p14:sldId id="275"/>
+            <p14:sldId id="276"/>
+            <p14:sldId id="277"/>
+            <p14:sldId id="278"/>
+            <p14:sldId id="279"/>
+            <p14:sldId id="284"/>
             <p14:sldId id="265"/>
+            <p14:sldId id="280"/>
+            <p14:sldId id="281"/>
+            <p14:sldId id="282"/>
+            <p14:sldId id="283"/>
           </p14:sldIdLst>
         </p14:section>
       </p14:sectionLst>
     </p:ext>
+    <p:ext uri="{EFAFB233-063F-42B5-8137-9DF3F51BA10A}">
+      <p15:sldGuideLst xmlns:p15="http://schemas.microsoft.com/office/powerpoint/2012/main"/>
+    </p:ext>
   </p:extLst>
 </p:presentation>
+</file>
+
+<file path=ppt/charts/chart1.xml><?xml version="1.0" encoding="utf-8"?>
+<c:chartSpace xmlns:c="http://schemas.openxmlformats.org/drawingml/2006/chart" xmlns:a="http://schemas.openxmlformats.org/drawingml/2006/main" xmlns:r="http://schemas.openxmlformats.org/officeDocument/2006/relationships">
+  <c:date1904 val="0"/>
+  <c:lang val="en-US"/>
+  <c:roundedCorners val="0"/>
+  <mc:AlternateContent xmlns:mc="http://schemas.openxmlformats.org/markup-compatibility/2006">
+    <mc:Choice xmlns:c14="http://schemas.microsoft.com/office/drawing/2007/8/2/chart" Requires="c14">
+      <c14:style val="102"/>
+    </mc:Choice>
+    <mc:Fallback>
+      <c:style val="2"/>
+    </mc:Fallback>
+  </mc:AlternateContent>
+  <c:chart>
+    <c:title>
+      <c:tx>
+        <c:rich>
+          <a:bodyPr rot="0" spcFirstLastPara="1" vertOverflow="ellipsis" vert="horz" wrap="square" anchor="ctr" anchorCtr="1"/>
+          <a:lstStyle/>
+          <a:p>
+            <a:pPr>
+              <a:defRPr sz="2400" b="0" i="0" u="none" strike="noStrike" kern="1200" spc="0" baseline="0">
+                <a:solidFill>
+                  <a:schemeClr val="tx1">
+                    <a:lumMod val="65000"/>
+                    <a:lumOff val="35000"/>
+                  </a:schemeClr>
+                </a:solidFill>
+                <a:latin typeface="+mn-lt"/>
+                <a:ea typeface="+mn-ea"/>
+                <a:cs typeface="+mn-cs"/>
+              </a:defRPr>
+            </a:pPr>
+            <a:r>
+              <a:rPr lang="en-US" sz="2400" smtClean="0"/>
+              <a:t>John is tall</a:t>
+            </a:r>
+            <a:endParaRPr lang="en-US" sz="2400"/>
+          </a:p>
+        </c:rich>
+      </c:tx>
+      <c:layout/>
+      <c:overlay val="0"/>
+      <c:spPr>
+        <a:noFill/>
+        <a:ln>
+          <a:noFill/>
+        </a:ln>
+        <a:effectLst/>
+      </c:spPr>
+      <c:txPr>
+        <a:bodyPr rot="0" spcFirstLastPara="1" vertOverflow="ellipsis" vert="horz" wrap="square" anchor="ctr" anchorCtr="1"/>
+        <a:lstStyle/>
+        <a:p>
+          <a:pPr>
+            <a:defRPr sz="2400" b="0" i="0" u="none" strike="noStrike" kern="1200" spc="0" baseline="0">
+              <a:solidFill>
+                <a:schemeClr val="tx1">
+                  <a:lumMod val="65000"/>
+                  <a:lumOff val="35000"/>
+                </a:schemeClr>
+              </a:solidFill>
+              <a:latin typeface="+mn-lt"/>
+              <a:ea typeface="+mn-ea"/>
+              <a:cs typeface="+mn-cs"/>
+            </a:defRPr>
+          </a:pPr>
+          <a:endParaRPr lang="en-US"/>
+        </a:p>
+      </c:txPr>
+    </c:title>
+    <c:autoTitleDeleted val="0"/>
+    <c:plotArea>
+      <c:layout/>
+      <c:barChart>
+        <c:barDir val="col"/>
+        <c:grouping val="clustered"/>
+        <c:varyColors val="0"/>
+        <c:ser>
+          <c:idx val="0"/>
+          <c:order val="0"/>
+          <c:tx>
+            <c:strRef>
+              <c:f>Sheet1!$B$1</c:f>
+              <c:strCache>
+                <c:ptCount val="1"/>
+                <c:pt idx="0">
+                  <c:v>w=100</c:v>
+                </c:pt>
+              </c:strCache>
+            </c:strRef>
+          </c:tx>
+          <c:spPr>
+            <a:solidFill>
+              <a:schemeClr val="accent1"/>
+            </a:solidFill>
+            <a:ln>
+              <a:noFill/>
+            </a:ln>
+            <a:effectLst/>
+          </c:spPr>
+          <c:invertIfNegative val="0"/>
+          <c:cat>
+            <c:strRef>
+              <c:f>Sheet1!$A$2:$A$5</c:f>
+              <c:strCache>
+                <c:ptCount val="3"/>
+                <c:pt idx="0">
+                  <c:v>h=4</c:v>
+                </c:pt>
+                <c:pt idx="1">
+                  <c:v>h=6</c:v>
+                </c:pt>
+                <c:pt idx="2">
+                  <c:v>h=8</c:v>
+                </c:pt>
+              </c:strCache>
+            </c:strRef>
+          </c:cat>
+          <c:val>
+            <c:numRef>
+              <c:f>Sheet1!$B$2:$B$5</c:f>
+              <c:numCache>
+                <c:formatCode>General</c:formatCode>
+                <c:ptCount val="4"/>
+                <c:pt idx="0">
+                  <c:v>0.0298958586052253</c:v>
+                </c:pt>
+                <c:pt idx="1">
+                  <c:v>0.115503608851857</c:v>
+                </c:pt>
+                <c:pt idx="2">
+                  <c:v>0.231369717164093</c:v>
+                </c:pt>
+              </c:numCache>
+            </c:numRef>
+          </c:val>
+        </c:ser>
+        <c:ser>
+          <c:idx val="1"/>
+          <c:order val="1"/>
+          <c:tx>
+            <c:strRef>
+              <c:f>Sheet1!$C$1</c:f>
+              <c:strCache>
+                <c:ptCount val="1"/>
+                <c:pt idx="0">
+                  <c:v>w=150</c:v>
+                </c:pt>
+              </c:strCache>
+            </c:strRef>
+          </c:tx>
+          <c:spPr>
+            <a:solidFill>
+              <a:schemeClr val="accent2"/>
+            </a:solidFill>
+            <a:ln>
+              <a:noFill/>
+            </a:ln>
+            <a:effectLst/>
+          </c:spPr>
+          <c:invertIfNegative val="0"/>
+          <c:cat>
+            <c:strRef>
+              <c:f>Sheet1!$A$2:$A$5</c:f>
+              <c:strCache>
+                <c:ptCount val="3"/>
+                <c:pt idx="0">
+                  <c:v>h=4</c:v>
+                </c:pt>
+                <c:pt idx="1">
+                  <c:v>h=6</c:v>
+                </c:pt>
+                <c:pt idx="2">
+                  <c:v>h=8</c:v>
+                </c:pt>
+              </c:strCache>
+            </c:strRef>
+          </c:cat>
+          <c:val>
+            <c:numRef>
+              <c:f>Sheet1!$C$2:$C$5</c:f>
+              <c:numCache>
+                <c:formatCode>General</c:formatCode>
+                <c:ptCount val="4"/>
+                <c:pt idx="0">
+                  <c:v>0.0284648578347622</c:v>
+                </c:pt>
+                <c:pt idx="1">
+                  <c:v>0.109695057207554</c:v>
+                </c:pt>
+                <c:pt idx="2">
+                  <c:v>0.189969319511491</c:v>
+                </c:pt>
+              </c:numCache>
+            </c:numRef>
+          </c:val>
+        </c:ser>
+        <c:ser>
+          <c:idx val="2"/>
+          <c:order val="2"/>
+          <c:tx>
+            <c:strRef>
+              <c:f>Sheet1!$D$1</c:f>
+              <c:strCache>
+                <c:ptCount val="1"/>
+                <c:pt idx="0">
+                  <c:v>w=200</c:v>
+                </c:pt>
+              </c:strCache>
+            </c:strRef>
+          </c:tx>
+          <c:spPr>
+            <a:solidFill>
+              <a:schemeClr val="accent3"/>
+            </a:solidFill>
+            <a:ln>
+              <a:noFill/>
+            </a:ln>
+            <a:effectLst/>
+          </c:spPr>
+          <c:invertIfNegative val="0"/>
+          <c:cat>
+            <c:strRef>
+              <c:f>Sheet1!$A$2:$A$5</c:f>
+              <c:strCache>
+                <c:ptCount val="3"/>
+                <c:pt idx="0">
+                  <c:v>h=4</c:v>
+                </c:pt>
+                <c:pt idx="1">
+                  <c:v>h=6</c:v>
+                </c:pt>
+                <c:pt idx="2">
+                  <c:v>h=8</c:v>
+                </c:pt>
+              </c:strCache>
+            </c:strRef>
+          </c:cat>
+          <c:val>
+            <c:numRef>
+              <c:f>Sheet1!$D$2:$D$5</c:f>
+              <c:numCache>
+                <c:formatCode>General</c:formatCode>
+                <c:ptCount val="4"/>
+                <c:pt idx="0">
+                  <c:v>0.0158895671754989</c:v>
+                </c:pt>
+                <c:pt idx="1">
+                  <c:v>0.103959261405846</c:v>
+                </c:pt>
+                <c:pt idx="2">
+                  <c:v>0.175252752243669</c:v>
+                </c:pt>
+              </c:numCache>
+            </c:numRef>
+          </c:val>
+        </c:ser>
+        <c:dLbls>
+          <c:showLegendKey val="0"/>
+          <c:showVal val="0"/>
+          <c:showCatName val="0"/>
+          <c:showSerName val="0"/>
+          <c:showPercent val="0"/>
+          <c:showBubbleSize val="0"/>
+        </c:dLbls>
+        <c:gapWidth val="219"/>
+        <c:overlap val="-27"/>
+        <c:axId val="635720496"/>
+        <c:axId val="640691072"/>
+      </c:barChart>
+      <c:catAx>
+        <c:axId val="635720496"/>
+        <c:scaling>
+          <c:orientation val="minMax"/>
+        </c:scaling>
+        <c:delete val="0"/>
+        <c:axPos val="b"/>
+        <c:numFmt formatCode="General" sourceLinked="1"/>
+        <c:majorTickMark val="none"/>
+        <c:minorTickMark val="none"/>
+        <c:tickLblPos val="nextTo"/>
+        <c:spPr>
+          <a:noFill/>
+          <a:ln w="9525" cap="flat" cmpd="sng" algn="ctr">
+            <a:solidFill>
+              <a:schemeClr val="tx1">
+                <a:lumMod val="15000"/>
+                <a:lumOff val="85000"/>
+              </a:schemeClr>
+            </a:solidFill>
+            <a:round/>
+          </a:ln>
+          <a:effectLst/>
+        </c:spPr>
+        <c:txPr>
+          <a:bodyPr rot="-60000000" spcFirstLastPara="1" vertOverflow="ellipsis" vert="horz" wrap="square" anchor="ctr" anchorCtr="1"/>
+          <a:lstStyle/>
+          <a:p>
+            <a:pPr>
+              <a:defRPr sz="2000" b="0" i="0" u="none" strike="noStrike" kern="1200" baseline="0">
+                <a:solidFill>
+                  <a:schemeClr val="tx1">
+                    <a:lumMod val="65000"/>
+                    <a:lumOff val="35000"/>
+                  </a:schemeClr>
+                </a:solidFill>
+                <a:latin typeface="+mn-lt"/>
+                <a:ea typeface="+mn-ea"/>
+                <a:cs typeface="+mn-cs"/>
+              </a:defRPr>
+            </a:pPr>
+            <a:endParaRPr lang="en-US"/>
+          </a:p>
+        </c:txPr>
+        <c:crossAx val="640691072"/>
+        <c:crosses val="autoZero"/>
+        <c:auto val="1"/>
+        <c:lblAlgn val="ctr"/>
+        <c:lblOffset val="100"/>
+        <c:noMultiLvlLbl val="0"/>
+      </c:catAx>
+      <c:valAx>
+        <c:axId val="640691072"/>
+        <c:scaling>
+          <c:orientation val="minMax"/>
+        </c:scaling>
+        <c:delete val="0"/>
+        <c:axPos val="l"/>
+        <c:majorGridlines>
+          <c:spPr>
+            <a:ln w="9525" cap="flat" cmpd="sng" algn="ctr">
+              <a:solidFill>
+                <a:schemeClr val="tx1">
+                  <a:lumMod val="15000"/>
+                  <a:lumOff val="85000"/>
+                </a:schemeClr>
+              </a:solidFill>
+              <a:round/>
+            </a:ln>
+            <a:effectLst/>
+          </c:spPr>
+        </c:majorGridlines>
+        <c:numFmt formatCode="General" sourceLinked="0"/>
+        <c:majorTickMark val="none"/>
+        <c:minorTickMark val="none"/>
+        <c:tickLblPos val="nextTo"/>
+        <c:spPr>
+          <a:noFill/>
+          <a:ln>
+            <a:noFill/>
+          </a:ln>
+          <a:effectLst/>
+        </c:spPr>
+        <c:txPr>
+          <a:bodyPr rot="-60000000" spcFirstLastPara="1" vertOverflow="ellipsis" vert="horz" wrap="square" anchor="ctr" anchorCtr="1"/>
+          <a:lstStyle/>
+          <a:p>
+            <a:pPr>
+              <a:defRPr sz="1197" b="0" i="0" u="none" strike="noStrike" kern="1200" baseline="0">
+                <a:solidFill>
+                  <a:schemeClr val="tx1">
+                    <a:lumMod val="65000"/>
+                    <a:lumOff val="35000"/>
+                  </a:schemeClr>
+                </a:solidFill>
+                <a:latin typeface="+mn-lt"/>
+                <a:ea typeface="+mn-ea"/>
+                <a:cs typeface="+mn-cs"/>
+              </a:defRPr>
+            </a:pPr>
+            <a:endParaRPr lang="en-US"/>
+          </a:p>
+        </c:txPr>
+        <c:crossAx val="635720496"/>
+        <c:crosses val="autoZero"/>
+        <c:crossBetween val="between"/>
+      </c:valAx>
+      <c:spPr>
+        <a:noFill/>
+        <a:ln>
+          <a:noFill/>
+        </a:ln>
+        <a:effectLst/>
+      </c:spPr>
+    </c:plotArea>
+    <c:legend>
+      <c:legendPos val="b"/>
+      <c:layout/>
+      <c:overlay val="0"/>
+      <c:spPr>
+        <a:noFill/>
+        <a:ln>
+          <a:noFill/>
+        </a:ln>
+        <a:effectLst/>
+      </c:spPr>
+      <c:txPr>
+        <a:bodyPr rot="0" spcFirstLastPara="1" vertOverflow="ellipsis" vert="horz" wrap="square" anchor="ctr" anchorCtr="1"/>
+        <a:lstStyle/>
+        <a:p>
+          <a:pPr>
+            <a:defRPr sz="2000" b="0" i="0" u="none" strike="noStrike" kern="1200" baseline="0">
+              <a:solidFill>
+                <a:schemeClr val="tx1">
+                  <a:lumMod val="65000"/>
+                  <a:lumOff val="35000"/>
+                </a:schemeClr>
+              </a:solidFill>
+              <a:latin typeface="+mn-lt"/>
+              <a:ea typeface="+mn-ea"/>
+              <a:cs typeface="+mn-cs"/>
+            </a:defRPr>
+          </a:pPr>
+          <a:endParaRPr lang="en-US"/>
+        </a:p>
+      </c:txPr>
+    </c:legend>
+    <c:plotVisOnly val="1"/>
+    <c:dispBlanksAs val="gap"/>
+    <c:showDLblsOverMax val="0"/>
+  </c:chart>
+  <c:spPr>
+    <a:noFill/>
+    <a:ln>
+      <a:noFill/>
+    </a:ln>
+    <a:effectLst/>
+  </c:spPr>
+  <c:txPr>
+    <a:bodyPr/>
+    <a:lstStyle/>
+    <a:p>
+      <a:pPr>
+        <a:defRPr/>
+      </a:pPr>
+      <a:endParaRPr lang="en-US"/>
+    </a:p>
+  </c:txPr>
+  <c:externalData r:id="rId3">
+    <c:autoUpdate val="0"/>
+  </c:externalData>
+</c:chartSpace>
+</file>
+
+<file path=ppt/charts/chart2.xml><?xml version="1.0" encoding="utf-8"?>
+<c:chartSpace xmlns:c="http://schemas.openxmlformats.org/drawingml/2006/chart" xmlns:a="http://schemas.openxmlformats.org/drawingml/2006/main" xmlns:r="http://schemas.openxmlformats.org/officeDocument/2006/relationships">
+  <c:date1904 val="0"/>
+  <c:lang val="en-US"/>
+  <c:roundedCorners val="0"/>
+  <mc:AlternateContent xmlns:mc="http://schemas.openxmlformats.org/markup-compatibility/2006">
+    <mc:Choice xmlns:c14="http://schemas.microsoft.com/office/drawing/2007/8/2/chart" Requires="c14">
+      <c14:style val="102"/>
+    </mc:Choice>
+    <mc:Fallback>
+      <c:style val="2"/>
+    </mc:Fallback>
+  </mc:AlternateContent>
+  <c:chart>
+    <c:title>
+      <c:tx>
+        <c:rich>
+          <a:bodyPr rot="0" spcFirstLastPara="1" vertOverflow="ellipsis" vert="horz" wrap="square" anchor="ctr" anchorCtr="1"/>
+          <a:lstStyle/>
+          <a:p>
+            <a:pPr>
+              <a:defRPr sz="2400" b="0" i="0" u="none" strike="noStrike" kern="1200" spc="0" baseline="0">
+                <a:solidFill>
+                  <a:schemeClr val="tx1">
+                    <a:lumMod val="65000"/>
+                    <a:lumOff val="35000"/>
+                  </a:schemeClr>
+                </a:solidFill>
+                <a:latin typeface="+mn-lt"/>
+                <a:ea typeface="+mn-ea"/>
+                <a:cs typeface="+mn-cs"/>
+              </a:defRPr>
+            </a:pPr>
+            <a:r>
+              <a:rPr lang="en-US" sz="2400" dirty="0" smtClean="0"/>
+              <a:t>John is heavy</a:t>
+            </a:r>
+            <a:endParaRPr lang="en-US" sz="2400" dirty="0"/>
+          </a:p>
+        </c:rich>
+      </c:tx>
+      <c:layout/>
+      <c:overlay val="0"/>
+      <c:spPr>
+        <a:noFill/>
+        <a:ln>
+          <a:noFill/>
+        </a:ln>
+        <a:effectLst/>
+      </c:spPr>
+      <c:txPr>
+        <a:bodyPr rot="0" spcFirstLastPara="1" vertOverflow="ellipsis" vert="horz" wrap="square" anchor="ctr" anchorCtr="1"/>
+        <a:lstStyle/>
+        <a:p>
+          <a:pPr>
+            <a:defRPr sz="2400" b="0" i="0" u="none" strike="noStrike" kern="1200" spc="0" baseline="0">
+              <a:solidFill>
+                <a:schemeClr val="tx1">
+                  <a:lumMod val="65000"/>
+                  <a:lumOff val="35000"/>
+                </a:schemeClr>
+              </a:solidFill>
+              <a:latin typeface="+mn-lt"/>
+              <a:ea typeface="+mn-ea"/>
+              <a:cs typeface="+mn-cs"/>
+            </a:defRPr>
+          </a:pPr>
+          <a:endParaRPr lang="en-US"/>
+        </a:p>
+      </c:txPr>
+    </c:title>
+    <c:autoTitleDeleted val="0"/>
+    <c:plotArea>
+      <c:layout/>
+      <c:barChart>
+        <c:barDir val="col"/>
+        <c:grouping val="clustered"/>
+        <c:varyColors val="0"/>
+        <c:ser>
+          <c:idx val="0"/>
+          <c:order val="0"/>
+          <c:tx>
+            <c:strRef>
+              <c:f>Sheet1!$B$1</c:f>
+              <c:strCache>
+                <c:ptCount val="1"/>
+                <c:pt idx="0">
+                  <c:v>w=100</c:v>
+                </c:pt>
+              </c:strCache>
+            </c:strRef>
+          </c:tx>
+          <c:spPr>
+            <a:solidFill>
+              <a:schemeClr val="accent1"/>
+            </a:solidFill>
+            <a:ln>
+              <a:noFill/>
+            </a:ln>
+            <a:effectLst/>
+          </c:spPr>
+          <c:invertIfNegative val="0"/>
+          <c:cat>
+            <c:strRef>
+              <c:f>Sheet1!$A$2:$A$5</c:f>
+              <c:strCache>
+                <c:ptCount val="3"/>
+                <c:pt idx="0">
+                  <c:v>h=4</c:v>
+                </c:pt>
+                <c:pt idx="1">
+                  <c:v>h=6</c:v>
+                </c:pt>
+                <c:pt idx="2">
+                  <c:v>h=8</c:v>
+                </c:pt>
+              </c:strCache>
+            </c:strRef>
+          </c:cat>
+          <c:val>
+            <c:numRef>
+              <c:f>Sheet1!$B$2:$B$5</c:f>
+              <c:numCache>
+                <c:formatCode>General</c:formatCode>
+                <c:ptCount val="4"/>
+                <c:pt idx="0">
+                  <c:v>0.0128474744989172</c:v>
+                </c:pt>
+                <c:pt idx="1">
+                  <c:v>0.0166566360093624</c:v>
+                </c:pt>
+                <c:pt idx="2">
+                  <c:v>0.0197429181573314</c:v>
+                </c:pt>
+              </c:numCache>
+            </c:numRef>
+          </c:val>
+        </c:ser>
+        <c:ser>
+          <c:idx val="1"/>
+          <c:order val="1"/>
+          <c:tx>
+            <c:strRef>
+              <c:f>Sheet1!$C$1</c:f>
+              <c:strCache>
+                <c:ptCount val="1"/>
+                <c:pt idx="0">
+                  <c:v>w=150</c:v>
+                </c:pt>
+              </c:strCache>
+            </c:strRef>
+          </c:tx>
+          <c:spPr>
+            <a:solidFill>
+              <a:schemeClr val="accent2"/>
+            </a:solidFill>
+            <a:ln>
+              <a:noFill/>
+            </a:ln>
+            <a:effectLst/>
+          </c:spPr>
+          <c:invertIfNegative val="0"/>
+          <c:cat>
+            <c:strRef>
+              <c:f>Sheet1!$A$2:$A$5</c:f>
+              <c:strCache>
+                <c:ptCount val="3"/>
+                <c:pt idx="0">
+                  <c:v>h=4</c:v>
+                </c:pt>
+                <c:pt idx="1">
+                  <c:v>h=6</c:v>
+                </c:pt>
+                <c:pt idx="2">
+                  <c:v>h=8</c:v>
+                </c:pt>
+              </c:strCache>
+            </c:strRef>
+          </c:cat>
+          <c:val>
+            <c:numRef>
+              <c:f>Sheet1!$C$2:$C$5</c:f>
+              <c:numCache>
+                <c:formatCode>General</c:formatCode>
+                <c:ptCount val="4"/>
+                <c:pt idx="0">
+                  <c:v>0.0717243634142686</c:v>
+                </c:pt>
+                <c:pt idx="1">
+                  <c:v>0.0976194111016061</c:v>
+                </c:pt>
+                <c:pt idx="2">
+                  <c:v>0.11696897487862</c:v>
+                </c:pt>
+              </c:numCache>
+            </c:numRef>
+          </c:val>
+        </c:ser>
+        <c:ser>
+          <c:idx val="2"/>
+          <c:order val="2"/>
+          <c:tx>
+            <c:strRef>
+              <c:f>Sheet1!$D$1</c:f>
+              <c:strCache>
+                <c:ptCount val="1"/>
+                <c:pt idx="0">
+                  <c:v>w=200</c:v>
+                </c:pt>
+              </c:strCache>
+            </c:strRef>
+          </c:tx>
+          <c:spPr>
+            <a:solidFill>
+              <a:schemeClr val="accent3"/>
+            </a:solidFill>
+            <a:ln>
+              <a:noFill/>
+            </a:ln>
+            <a:effectLst/>
+          </c:spPr>
+          <c:invertIfNegative val="0"/>
+          <c:cat>
+            <c:strRef>
+              <c:f>Sheet1!$A$2:$A$5</c:f>
+              <c:strCache>
+                <c:ptCount val="3"/>
+                <c:pt idx="0">
+                  <c:v>h=4</c:v>
+                </c:pt>
+                <c:pt idx="1">
+                  <c:v>h=6</c:v>
+                </c:pt>
+                <c:pt idx="2">
+                  <c:v>h=8</c:v>
+                </c:pt>
+              </c:strCache>
+            </c:strRef>
+          </c:cat>
+          <c:val>
+            <c:numRef>
+              <c:f>Sheet1!$D$2:$D$5</c:f>
+              <c:numCache>
+                <c:formatCode>General</c:formatCode>
+                <c:ptCount val="4"/>
+                <c:pt idx="0">
+                  <c:v>0.203817366914273</c:v>
+                </c:pt>
+                <c:pt idx="1">
+                  <c:v>0.230464878307251</c:v>
+                </c:pt>
+                <c:pt idx="2">
+                  <c:v>0.230157976718367</c:v>
+                </c:pt>
+              </c:numCache>
+            </c:numRef>
+          </c:val>
+        </c:ser>
+        <c:dLbls>
+          <c:showLegendKey val="0"/>
+          <c:showVal val="0"/>
+          <c:showCatName val="0"/>
+          <c:showSerName val="0"/>
+          <c:showPercent val="0"/>
+          <c:showBubbleSize val="0"/>
+        </c:dLbls>
+        <c:gapWidth val="219"/>
+        <c:overlap val="-27"/>
+        <c:axId val="643983280"/>
+        <c:axId val="643925968"/>
+      </c:barChart>
+      <c:catAx>
+        <c:axId val="643983280"/>
+        <c:scaling>
+          <c:orientation val="minMax"/>
+        </c:scaling>
+        <c:delete val="0"/>
+        <c:axPos val="b"/>
+        <c:numFmt formatCode="General" sourceLinked="1"/>
+        <c:majorTickMark val="none"/>
+        <c:minorTickMark val="none"/>
+        <c:tickLblPos val="nextTo"/>
+        <c:spPr>
+          <a:noFill/>
+          <a:ln w="9525" cap="flat" cmpd="sng" algn="ctr">
+            <a:solidFill>
+              <a:schemeClr val="tx1">
+                <a:lumMod val="15000"/>
+                <a:lumOff val="85000"/>
+              </a:schemeClr>
+            </a:solidFill>
+            <a:round/>
+          </a:ln>
+          <a:effectLst/>
+        </c:spPr>
+        <c:txPr>
+          <a:bodyPr rot="-60000000" spcFirstLastPara="1" vertOverflow="ellipsis" vert="horz" wrap="square" anchor="ctr" anchorCtr="1"/>
+          <a:lstStyle/>
+          <a:p>
+            <a:pPr>
+              <a:defRPr sz="2000" b="0" i="0" u="none" strike="noStrike" kern="1200" baseline="0">
+                <a:solidFill>
+                  <a:schemeClr val="tx1">
+                    <a:lumMod val="65000"/>
+                    <a:lumOff val="35000"/>
+                  </a:schemeClr>
+                </a:solidFill>
+                <a:latin typeface="+mn-lt"/>
+                <a:ea typeface="+mn-ea"/>
+                <a:cs typeface="+mn-cs"/>
+              </a:defRPr>
+            </a:pPr>
+            <a:endParaRPr lang="en-US"/>
+          </a:p>
+        </c:txPr>
+        <c:crossAx val="643925968"/>
+        <c:crosses val="autoZero"/>
+        <c:auto val="1"/>
+        <c:lblAlgn val="ctr"/>
+        <c:lblOffset val="100"/>
+        <c:noMultiLvlLbl val="0"/>
+      </c:catAx>
+      <c:valAx>
+        <c:axId val="643925968"/>
+        <c:scaling>
+          <c:orientation val="minMax"/>
+        </c:scaling>
+        <c:delete val="0"/>
+        <c:axPos val="l"/>
+        <c:majorGridlines>
+          <c:spPr>
+            <a:ln w="9525" cap="flat" cmpd="sng" algn="ctr">
+              <a:solidFill>
+                <a:schemeClr val="tx1">
+                  <a:lumMod val="15000"/>
+                  <a:lumOff val="85000"/>
+                </a:schemeClr>
+              </a:solidFill>
+              <a:round/>
+            </a:ln>
+            <a:effectLst/>
+          </c:spPr>
+        </c:majorGridlines>
+        <c:majorTickMark val="none"/>
+        <c:minorTickMark val="none"/>
+        <c:tickLblPos val="nextTo"/>
+        <c:spPr>
+          <a:noFill/>
+          <a:ln>
+            <a:noFill/>
+          </a:ln>
+          <a:effectLst/>
+        </c:spPr>
+        <c:txPr>
+          <a:bodyPr rot="-60000000" spcFirstLastPara="1" vertOverflow="ellipsis" vert="horz" wrap="square" anchor="ctr" anchorCtr="1"/>
+          <a:lstStyle/>
+          <a:p>
+            <a:pPr>
+              <a:defRPr sz="1197" b="0" i="0" u="none" strike="noStrike" kern="1200" baseline="0">
+                <a:solidFill>
+                  <a:schemeClr val="tx1">
+                    <a:lumMod val="65000"/>
+                    <a:lumOff val="35000"/>
+                  </a:schemeClr>
+                </a:solidFill>
+                <a:latin typeface="+mn-lt"/>
+                <a:ea typeface="+mn-ea"/>
+                <a:cs typeface="+mn-cs"/>
+              </a:defRPr>
+            </a:pPr>
+            <a:endParaRPr lang="en-US"/>
+          </a:p>
+        </c:txPr>
+        <c:crossAx val="643983280"/>
+        <c:crosses val="autoZero"/>
+        <c:crossBetween val="between"/>
+      </c:valAx>
+      <c:spPr>
+        <a:noFill/>
+        <a:ln>
+          <a:noFill/>
+        </a:ln>
+        <a:effectLst/>
+      </c:spPr>
+    </c:plotArea>
+    <c:legend>
+      <c:legendPos val="b"/>
+      <c:layout/>
+      <c:overlay val="0"/>
+      <c:spPr>
+        <a:noFill/>
+        <a:ln>
+          <a:noFill/>
+        </a:ln>
+        <a:effectLst/>
+      </c:spPr>
+      <c:txPr>
+        <a:bodyPr rot="0" spcFirstLastPara="1" vertOverflow="ellipsis" vert="horz" wrap="square" anchor="ctr" anchorCtr="1"/>
+        <a:lstStyle/>
+        <a:p>
+          <a:pPr>
+            <a:defRPr sz="2000" b="0" i="0" u="none" strike="noStrike" kern="1200" baseline="0">
+              <a:solidFill>
+                <a:schemeClr val="tx1">
+                  <a:lumMod val="65000"/>
+                  <a:lumOff val="35000"/>
+                </a:schemeClr>
+              </a:solidFill>
+              <a:latin typeface="+mn-lt"/>
+              <a:ea typeface="+mn-ea"/>
+              <a:cs typeface="+mn-cs"/>
+            </a:defRPr>
+          </a:pPr>
+          <a:endParaRPr lang="en-US"/>
+        </a:p>
+      </c:txPr>
+    </c:legend>
+    <c:plotVisOnly val="1"/>
+    <c:dispBlanksAs val="gap"/>
+    <c:showDLblsOverMax val="0"/>
+  </c:chart>
+  <c:spPr>
+    <a:noFill/>
+    <a:ln>
+      <a:noFill/>
+    </a:ln>
+    <a:effectLst/>
+  </c:spPr>
+  <c:txPr>
+    <a:bodyPr/>
+    <a:lstStyle/>
+    <a:p>
+      <a:pPr>
+        <a:defRPr/>
+      </a:pPr>
+      <a:endParaRPr lang="en-US"/>
+    </a:p>
+  </c:txPr>
+  <c:externalData r:id="rId3">
+    <c:autoUpdate val="0"/>
+  </c:externalData>
+</c:chartSpace>
+</file>
+
+<file path=ppt/charts/chart3.xml><?xml version="1.0" encoding="utf-8"?>
+<c:chartSpace xmlns:c="http://schemas.openxmlformats.org/drawingml/2006/chart" xmlns:a="http://schemas.openxmlformats.org/drawingml/2006/main" xmlns:r="http://schemas.openxmlformats.org/officeDocument/2006/relationships">
+  <c:date1904 val="0"/>
+  <c:lang val="en-US"/>
+  <c:roundedCorners val="0"/>
+  <mc:AlternateContent xmlns:mc="http://schemas.openxmlformats.org/markup-compatibility/2006">
+    <mc:Choice xmlns:c14="http://schemas.microsoft.com/office/drawing/2007/8/2/chart" Requires="c14">
+      <c14:style val="102"/>
+    </mc:Choice>
+    <mc:Fallback>
+      <c:style val="2"/>
+    </mc:Fallback>
+  </mc:AlternateContent>
+  <c:chart>
+    <c:title>
+      <c:tx>
+        <c:rich>
+          <a:bodyPr rot="0" spcFirstLastPara="1" vertOverflow="ellipsis" vert="horz" wrap="square" anchor="ctr" anchorCtr="1"/>
+          <a:lstStyle/>
+          <a:p>
+            <a:pPr>
+              <a:defRPr sz="2400" b="0" i="0" u="none" strike="noStrike" kern="1200" spc="0" baseline="0">
+                <a:solidFill>
+                  <a:schemeClr val="tx1">
+                    <a:lumMod val="65000"/>
+                    <a:lumOff val="35000"/>
+                  </a:schemeClr>
+                </a:solidFill>
+                <a:latin typeface="+mn-lt"/>
+                <a:ea typeface="+mn-ea"/>
+                <a:cs typeface="+mn-cs"/>
+              </a:defRPr>
+            </a:pPr>
+            <a:r>
+              <a:rPr lang="en-US" sz="2400" smtClean="0"/>
+              <a:t>Gates is tall</a:t>
+            </a:r>
+            <a:endParaRPr lang="en-US" sz="2400" dirty="0"/>
+          </a:p>
+        </c:rich>
+      </c:tx>
+      <c:layout/>
+      <c:overlay val="0"/>
+      <c:spPr>
+        <a:noFill/>
+        <a:ln>
+          <a:noFill/>
+        </a:ln>
+        <a:effectLst/>
+      </c:spPr>
+      <c:txPr>
+        <a:bodyPr rot="0" spcFirstLastPara="1" vertOverflow="ellipsis" vert="horz" wrap="square" anchor="ctr" anchorCtr="1"/>
+        <a:lstStyle/>
+        <a:p>
+          <a:pPr>
+            <a:defRPr sz="2400" b="0" i="0" u="none" strike="noStrike" kern="1200" spc="0" baseline="0">
+              <a:solidFill>
+                <a:schemeClr val="tx1">
+                  <a:lumMod val="65000"/>
+                  <a:lumOff val="35000"/>
+                </a:schemeClr>
+              </a:solidFill>
+              <a:latin typeface="+mn-lt"/>
+              <a:ea typeface="+mn-ea"/>
+              <a:cs typeface="+mn-cs"/>
+            </a:defRPr>
+          </a:pPr>
+          <a:endParaRPr lang="en-US"/>
+        </a:p>
+      </c:txPr>
+    </c:title>
+    <c:autoTitleDeleted val="0"/>
+    <c:plotArea>
+      <c:layout/>
+      <c:barChart>
+        <c:barDir val="col"/>
+        <c:grouping val="clustered"/>
+        <c:varyColors val="0"/>
+        <c:ser>
+          <c:idx val="0"/>
+          <c:order val="0"/>
+          <c:tx>
+            <c:strRef>
+              <c:f>Sheet1!$B$1</c:f>
+              <c:strCache>
+                <c:ptCount val="1"/>
+                <c:pt idx="0">
+                  <c:v>w=300</c:v>
+                </c:pt>
+              </c:strCache>
+            </c:strRef>
+          </c:tx>
+          <c:spPr>
+            <a:solidFill>
+              <a:schemeClr val="accent1"/>
+            </a:solidFill>
+            <a:ln>
+              <a:noFill/>
+            </a:ln>
+            <a:effectLst/>
+          </c:spPr>
+          <c:invertIfNegative val="0"/>
+          <c:cat>
+            <c:strRef>
+              <c:f>Sheet1!$A$2:$A$5</c:f>
+              <c:strCache>
+                <c:ptCount val="3"/>
+                <c:pt idx="0">
+                  <c:v>h=40</c:v>
+                </c:pt>
+                <c:pt idx="1">
+                  <c:v>h=60</c:v>
+                </c:pt>
+                <c:pt idx="2">
+                  <c:v>h=80</c:v>
+                </c:pt>
+              </c:strCache>
+            </c:strRef>
+          </c:cat>
+          <c:val>
+            <c:numRef>
+              <c:f>Sheet1!$B$2:$B$5</c:f>
+              <c:numCache>
+                <c:formatCode>General</c:formatCode>
+                <c:ptCount val="4"/>
+                <c:pt idx="0">
+                  <c:v>0.101241229808332</c:v>
+                </c:pt>
+                <c:pt idx="1">
+                  <c:v>0.116008961511127</c:v>
+                </c:pt>
+                <c:pt idx="2">
+                  <c:v>0.117605855806912</c:v>
+                </c:pt>
+              </c:numCache>
+            </c:numRef>
+          </c:val>
+        </c:ser>
+        <c:ser>
+          <c:idx val="1"/>
+          <c:order val="1"/>
+          <c:tx>
+            <c:strRef>
+              <c:f>Sheet1!$C$1</c:f>
+              <c:strCache>
+                <c:ptCount val="1"/>
+                <c:pt idx="0">
+                  <c:v>w=450</c:v>
+                </c:pt>
+              </c:strCache>
+            </c:strRef>
+          </c:tx>
+          <c:spPr>
+            <a:solidFill>
+              <a:schemeClr val="accent2"/>
+            </a:solidFill>
+            <a:ln>
+              <a:noFill/>
+            </a:ln>
+            <a:effectLst/>
+          </c:spPr>
+          <c:invertIfNegative val="0"/>
+          <c:cat>
+            <c:strRef>
+              <c:f>Sheet1!$A$2:$A$5</c:f>
+              <c:strCache>
+                <c:ptCount val="3"/>
+                <c:pt idx="0">
+                  <c:v>h=40</c:v>
+                </c:pt>
+                <c:pt idx="1">
+                  <c:v>h=60</c:v>
+                </c:pt>
+                <c:pt idx="2">
+                  <c:v>h=80</c:v>
+                </c:pt>
+              </c:strCache>
+            </c:strRef>
+          </c:cat>
+          <c:val>
+            <c:numRef>
+              <c:f>Sheet1!$C$2:$C$5</c:f>
+              <c:numCache>
+                <c:formatCode>General</c:formatCode>
+                <c:ptCount val="4"/>
+                <c:pt idx="0">
+                  <c:v>0.119674229780933</c:v>
+                </c:pt>
+                <c:pt idx="1">
+                  <c:v>0.101048463931939</c:v>
+                </c:pt>
+                <c:pt idx="2">
+                  <c:v>0.10616458340017</c:v>
+                </c:pt>
+              </c:numCache>
+            </c:numRef>
+          </c:val>
+        </c:ser>
+        <c:ser>
+          <c:idx val="2"/>
+          <c:order val="2"/>
+          <c:tx>
+            <c:strRef>
+              <c:f>Sheet1!$D$1</c:f>
+              <c:strCache>
+                <c:ptCount val="1"/>
+                <c:pt idx="0">
+                  <c:v>w=600</c:v>
+                </c:pt>
+              </c:strCache>
+            </c:strRef>
+          </c:tx>
+          <c:spPr>
+            <a:solidFill>
+              <a:schemeClr val="accent3"/>
+            </a:solidFill>
+            <a:ln>
+              <a:noFill/>
+            </a:ln>
+            <a:effectLst/>
+          </c:spPr>
+          <c:invertIfNegative val="0"/>
+          <c:cat>
+            <c:strRef>
+              <c:f>Sheet1!$A$2:$A$5</c:f>
+              <c:strCache>
+                <c:ptCount val="3"/>
+                <c:pt idx="0">
+                  <c:v>h=40</c:v>
+                </c:pt>
+                <c:pt idx="1">
+                  <c:v>h=60</c:v>
+                </c:pt>
+                <c:pt idx="2">
+                  <c:v>h=80</c:v>
+                </c:pt>
+              </c:strCache>
+            </c:strRef>
+          </c:cat>
+          <c:val>
+            <c:numRef>
+              <c:f>Sheet1!$D$2:$D$5</c:f>
+              <c:numCache>
+                <c:formatCode>General</c:formatCode>
+                <c:ptCount val="4"/>
+                <c:pt idx="0">
+                  <c:v>0.134495254850356</c:v>
+                </c:pt>
+                <c:pt idx="1">
+                  <c:v>0.102721658785976</c:v>
+                </c:pt>
+                <c:pt idx="2">
+                  <c:v>0.10103976212425</c:v>
+                </c:pt>
+              </c:numCache>
+            </c:numRef>
+          </c:val>
+        </c:ser>
+        <c:dLbls>
+          <c:showLegendKey val="0"/>
+          <c:showVal val="0"/>
+          <c:showCatName val="0"/>
+          <c:showSerName val="0"/>
+          <c:showPercent val="0"/>
+          <c:showBubbleSize val="0"/>
+        </c:dLbls>
+        <c:gapWidth val="219"/>
+        <c:overlap val="-27"/>
+        <c:axId val="645147376"/>
+        <c:axId val="645239680"/>
+      </c:barChart>
+      <c:catAx>
+        <c:axId val="645147376"/>
+        <c:scaling>
+          <c:orientation val="minMax"/>
+        </c:scaling>
+        <c:delete val="0"/>
+        <c:axPos val="b"/>
+        <c:numFmt formatCode="General" sourceLinked="1"/>
+        <c:majorTickMark val="none"/>
+        <c:minorTickMark val="none"/>
+        <c:tickLblPos val="nextTo"/>
+        <c:spPr>
+          <a:noFill/>
+          <a:ln w="9525" cap="flat" cmpd="sng" algn="ctr">
+            <a:solidFill>
+              <a:schemeClr val="tx1">
+                <a:lumMod val="15000"/>
+                <a:lumOff val="85000"/>
+              </a:schemeClr>
+            </a:solidFill>
+            <a:round/>
+          </a:ln>
+          <a:effectLst/>
+        </c:spPr>
+        <c:txPr>
+          <a:bodyPr rot="-60000000" spcFirstLastPara="1" vertOverflow="ellipsis" vert="horz" wrap="square" anchor="ctr" anchorCtr="1"/>
+          <a:lstStyle/>
+          <a:p>
+            <a:pPr>
+              <a:defRPr sz="2000" b="0" i="0" u="none" strike="noStrike" kern="1200" baseline="0">
+                <a:solidFill>
+                  <a:schemeClr val="tx1">
+                    <a:lumMod val="65000"/>
+                    <a:lumOff val="35000"/>
+                  </a:schemeClr>
+                </a:solidFill>
+                <a:latin typeface="+mn-lt"/>
+                <a:ea typeface="+mn-ea"/>
+                <a:cs typeface="+mn-cs"/>
+              </a:defRPr>
+            </a:pPr>
+            <a:endParaRPr lang="en-US"/>
+          </a:p>
+        </c:txPr>
+        <c:crossAx val="645239680"/>
+        <c:crosses val="autoZero"/>
+        <c:auto val="1"/>
+        <c:lblAlgn val="ctr"/>
+        <c:lblOffset val="100"/>
+        <c:noMultiLvlLbl val="0"/>
+      </c:catAx>
+      <c:valAx>
+        <c:axId val="645239680"/>
+        <c:scaling>
+          <c:orientation val="minMax"/>
+        </c:scaling>
+        <c:delete val="0"/>
+        <c:axPos val="l"/>
+        <c:majorGridlines>
+          <c:spPr>
+            <a:ln w="9525" cap="flat" cmpd="sng" algn="ctr">
+              <a:solidFill>
+                <a:schemeClr val="tx1">
+                  <a:lumMod val="15000"/>
+                  <a:lumOff val="85000"/>
+                </a:schemeClr>
+              </a:solidFill>
+              <a:round/>
+            </a:ln>
+            <a:effectLst/>
+          </c:spPr>
+        </c:majorGridlines>
+        <c:majorTickMark val="none"/>
+        <c:minorTickMark val="none"/>
+        <c:tickLblPos val="nextTo"/>
+        <c:spPr>
+          <a:noFill/>
+          <a:ln>
+            <a:noFill/>
+          </a:ln>
+          <a:effectLst/>
+        </c:spPr>
+        <c:txPr>
+          <a:bodyPr rot="-60000000" spcFirstLastPara="1" vertOverflow="ellipsis" vert="horz" wrap="square" anchor="ctr" anchorCtr="1"/>
+          <a:lstStyle/>
+          <a:p>
+            <a:pPr>
+              <a:defRPr sz="1197" b="0" i="0" u="none" strike="noStrike" kern="1200" baseline="0">
+                <a:solidFill>
+                  <a:schemeClr val="tx1">
+                    <a:lumMod val="65000"/>
+                    <a:lumOff val="35000"/>
+                  </a:schemeClr>
+                </a:solidFill>
+                <a:latin typeface="+mn-lt"/>
+                <a:ea typeface="+mn-ea"/>
+                <a:cs typeface="+mn-cs"/>
+              </a:defRPr>
+            </a:pPr>
+            <a:endParaRPr lang="en-US"/>
+          </a:p>
+        </c:txPr>
+        <c:crossAx val="645147376"/>
+        <c:crosses val="autoZero"/>
+        <c:crossBetween val="between"/>
+      </c:valAx>
+      <c:spPr>
+        <a:noFill/>
+        <a:ln>
+          <a:noFill/>
+        </a:ln>
+        <a:effectLst/>
+      </c:spPr>
+    </c:plotArea>
+    <c:legend>
+      <c:legendPos val="b"/>
+      <c:layout/>
+      <c:overlay val="0"/>
+      <c:spPr>
+        <a:noFill/>
+        <a:ln>
+          <a:noFill/>
+        </a:ln>
+        <a:effectLst/>
+      </c:spPr>
+      <c:txPr>
+        <a:bodyPr rot="0" spcFirstLastPara="1" vertOverflow="ellipsis" vert="horz" wrap="square" anchor="ctr" anchorCtr="1"/>
+        <a:lstStyle/>
+        <a:p>
+          <a:pPr>
+            <a:defRPr sz="2000" b="0" i="0" u="none" strike="noStrike" kern="1200" baseline="0">
+              <a:solidFill>
+                <a:schemeClr val="tx1">
+                  <a:lumMod val="65000"/>
+                  <a:lumOff val="35000"/>
+                </a:schemeClr>
+              </a:solidFill>
+              <a:latin typeface="+mn-lt"/>
+              <a:ea typeface="+mn-ea"/>
+              <a:cs typeface="+mn-cs"/>
+            </a:defRPr>
+          </a:pPr>
+          <a:endParaRPr lang="en-US"/>
+        </a:p>
+      </c:txPr>
+    </c:legend>
+    <c:plotVisOnly val="1"/>
+    <c:dispBlanksAs val="gap"/>
+    <c:showDLblsOverMax val="0"/>
+  </c:chart>
+  <c:spPr>
+    <a:noFill/>
+    <a:ln>
+      <a:noFill/>
+    </a:ln>
+    <a:effectLst/>
+  </c:spPr>
+  <c:txPr>
+    <a:bodyPr/>
+    <a:lstStyle/>
+    <a:p>
+      <a:pPr>
+        <a:defRPr/>
+      </a:pPr>
+      <a:endParaRPr lang="en-US"/>
+    </a:p>
+  </c:txPr>
+  <c:externalData r:id="rId3">
+    <c:autoUpdate val="0"/>
+  </c:externalData>
+</c:chartSpace>
+</file>
+
+<file path=ppt/charts/chart4.xml><?xml version="1.0" encoding="utf-8"?>
+<c:chartSpace xmlns:c="http://schemas.openxmlformats.org/drawingml/2006/chart" xmlns:a="http://schemas.openxmlformats.org/drawingml/2006/main" xmlns:r="http://schemas.openxmlformats.org/officeDocument/2006/relationships">
+  <c:date1904 val="0"/>
+  <c:lang val="en-US"/>
+  <c:roundedCorners val="0"/>
+  <mc:AlternateContent xmlns:mc="http://schemas.openxmlformats.org/markup-compatibility/2006">
+    <mc:Choice xmlns:c14="http://schemas.microsoft.com/office/drawing/2007/8/2/chart" Requires="c14">
+      <c14:style val="102"/>
+    </mc:Choice>
+    <mc:Fallback>
+      <c:style val="2"/>
+    </mc:Fallback>
+  </mc:AlternateContent>
+  <c:chart>
+    <c:title>
+      <c:tx>
+        <c:rich>
+          <a:bodyPr rot="0" spcFirstLastPara="1" vertOverflow="ellipsis" vert="horz" wrap="square" anchor="ctr" anchorCtr="1"/>
+          <a:lstStyle/>
+          <a:p>
+            <a:pPr>
+              <a:defRPr sz="2400" b="0" i="0" u="none" strike="noStrike" kern="1200" spc="0" baseline="0">
+                <a:solidFill>
+                  <a:schemeClr val="tx1">
+                    <a:lumMod val="65000"/>
+                    <a:lumOff val="35000"/>
+                  </a:schemeClr>
+                </a:solidFill>
+                <a:latin typeface="+mn-lt"/>
+                <a:ea typeface="+mn-ea"/>
+                <a:cs typeface="+mn-cs"/>
+              </a:defRPr>
+            </a:pPr>
+            <a:r>
+              <a:rPr lang="en-US" sz="2400" dirty="0" smtClean="0"/>
+              <a:t>Gates is heavy</a:t>
+            </a:r>
+            <a:endParaRPr lang="en-US" sz="2400" dirty="0"/>
+          </a:p>
+        </c:rich>
+      </c:tx>
+      <c:layout/>
+      <c:overlay val="0"/>
+      <c:spPr>
+        <a:noFill/>
+        <a:ln>
+          <a:noFill/>
+        </a:ln>
+        <a:effectLst/>
+      </c:spPr>
+      <c:txPr>
+        <a:bodyPr rot="0" spcFirstLastPara="1" vertOverflow="ellipsis" vert="horz" wrap="square" anchor="ctr" anchorCtr="1"/>
+        <a:lstStyle/>
+        <a:p>
+          <a:pPr>
+            <a:defRPr sz="2400" b="0" i="0" u="none" strike="noStrike" kern="1200" spc="0" baseline="0">
+              <a:solidFill>
+                <a:schemeClr val="tx1">
+                  <a:lumMod val="65000"/>
+                  <a:lumOff val="35000"/>
+                </a:schemeClr>
+              </a:solidFill>
+              <a:latin typeface="+mn-lt"/>
+              <a:ea typeface="+mn-ea"/>
+              <a:cs typeface="+mn-cs"/>
+            </a:defRPr>
+          </a:pPr>
+          <a:endParaRPr lang="en-US"/>
+        </a:p>
+      </c:txPr>
+    </c:title>
+    <c:autoTitleDeleted val="0"/>
+    <c:plotArea>
+      <c:layout/>
+      <c:barChart>
+        <c:barDir val="col"/>
+        <c:grouping val="clustered"/>
+        <c:varyColors val="0"/>
+        <c:ser>
+          <c:idx val="0"/>
+          <c:order val="0"/>
+          <c:tx>
+            <c:strRef>
+              <c:f>Sheet1!$B$1</c:f>
+              <c:strCache>
+                <c:ptCount val="1"/>
+                <c:pt idx="0">
+                  <c:v>w=300</c:v>
+                </c:pt>
+              </c:strCache>
+            </c:strRef>
+          </c:tx>
+          <c:spPr>
+            <a:solidFill>
+              <a:schemeClr val="accent1"/>
+            </a:solidFill>
+            <a:ln>
+              <a:noFill/>
+            </a:ln>
+            <a:effectLst/>
+          </c:spPr>
+          <c:invertIfNegative val="0"/>
+          <c:cat>
+            <c:strRef>
+              <c:f>Sheet1!$A$2:$A$5</c:f>
+              <c:strCache>
+                <c:ptCount val="3"/>
+                <c:pt idx="0">
+                  <c:v>h=40</c:v>
+                </c:pt>
+                <c:pt idx="1">
+                  <c:v>h=60</c:v>
+                </c:pt>
+                <c:pt idx="2">
+                  <c:v>h=80</c:v>
+                </c:pt>
+              </c:strCache>
+            </c:strRef>
+          </c:cat>
+          <c:val>
+            <c:numRef>
+              <c:f>Sheet1!$B$2:$B$5</c:f>
+              <c:numCache>
+                <c:formatCode>General</c:formatCode>
+                <c:ptCount val="4"/>
+                <c:pt idx="0">
+                  <c:v>0.122863792499804</c:v>
+                </c:pt>
+                <c:pt idx="1">
+                  <c:v>0.0592953135149581</c:v>
+                </c:pt>
+                <c:pt idx="2">
+                  <c:v>0.0524277443727478</c:v>
+                </c:pt>
+              </c:numCache>
+            </c:numRef>
+          </c:val>
+        </c:ser>
+        <c:ser>
+          <c:idx val="1"/>
+          <c:order val="1"/>
+          <c:tx>
+            <c:strRef>
+              <c:f>Sheet1!$C$1</c:f>
+              <c:strCache>
+                <c:ptCount val="1"/>
+                <c:pt idx="0">
+                  <c:v>w=450</c:v>
+                </c:pt>
+              </c:strCache>
+            </c:strRef>
+          </c:tx>
+          <c:spPr>
+            <a:solidFill>
+              <a:schemeClr val="accent2"/>
+            </a:solidFill>
+            <a:ln>
+              <a:noFill/>
+            </a:ln>
+            <a:effectLst/>
+          </c:spPr>
+          <c:invertIfNegative val="0"/>
+          <c:cat>
+            <c:strRef>
+              <c:f>Sheet1!$A$2:$A$5</c:f>
+              <c:strCache>
+                <c:ptCount val="3"/>
+                <c:pt idx="0">
+                  <c:v>h=40</c:v>
+                </c:pt>
+                <c:pt idx="1">
+                  <c:v>h=60</c:v>
+                </c:pt>
+                <c:pt idx="2">
+                  <c:v>h=80</c:v>
+                </c:pt>
+              </c:strCache>
+            </c:strRef>
+          </c:cat>
+          <c:val>
+            <c:numRef>
+              <c:f>Sheet1!$C$2:$C$5</c:f>
+              <c:numCache>
+                <c:formatCode>General</c:formatCode>
+                <c:ptCount val="4"/>
+                <c:pt idx="0">
+                  <c:v>0.139521523185933</c:v>
+                </c:pt>
+                <c:pt idx="1">
+                  <c:v>0.123636426188508</c:v>
+                </c:pt>
+                <c:pt idx="2">
+                  <c:v>0.10163157499832</c:v>
+                </c:pt>
+              </c:numCache>
+            </c:numRef>
+          </c:val>
+        </c:ser>
+        <c:ser>
+          <c:idx val="2"/>
+          <c:order val="2"/>
+          <c:tx>
+            <c:strRef>
+              <c:f>Sheet1!$D$1</c:f>
+              <c:strCache>
+                <c:ptCount val="1"/>
+                <c:pt idx="0">
+                  <c:v>w=600</c:v>
+                </c:pt>
+              </c:strCache>
+            </c:strRef>
+          </c:tx>
+          <c:spPr>
+            <a:solidFill>
+              <a:schemeClr val="accent3"/>
+            </a:solidFill>
+            <a:ln>
+              <a:noFill/>
+            </a:ln>
+            <a:effectLst/>
+          </c:spPr>
+          <c:invertIfNegative val="0"/>
+          <c:cat>
+            <c:strRef>
+              <c:f>Sheet1!$A$2:$A$5</c:f>
+              <c:strCache>
+                <c:ptCount val="3"/>
+                <c:pt idx="0">
+                  <c:v>h=40</c:v>
+                </c:pt>
+                <c:pt idx="1">
+                  <c:v>h=60</c:v>
+                </c:pt>
+                <c:pt idx="2">
+                  <c:v>h=80</c:v>
+                </c:pt>
+              </c:strCache>
+            </c:strRef>
+          </c:cat>
+          <c:val>
+            <c:numRef>
+              <c:f>Sheet1!$D$2:$D$5</c:f>
+              <c:numCache>
+                <c:formatCode>General</c:formatCode>
+                <c:ptCount val="4"/>
+                <c:pt idx="0">
+                  <c:v>0.15183138531042</c:v>
+                </c:pt>
+                <c:pt idx="1">
+                  <c:v>0.125121133706866</c:v>
+                </c:pt>
+                <c:pt idx="2">
+                  <c:v>0.12367110622244</c:v>
+                </c:pt>
+              </c:numCache>
+            </c:numRef>
+          </c:val>
+        </c:ser>
+        <c:dLbls>
+          <c:showLegendKey val="0"/>
+          <c:showVal val="0"/>
+          <c:showCatName val="0"/>
+          <c:showSerName val="0"/>
+          <c:showPercent val="0"/>
+          <c:showBubbleSize val="0"/>
+        </c:dLbls>
+        <c:gapWidth val="219"/>
+        <c:overlap val="-27"/>
+        <c:axId val="642443216"/>
+        <c:axId val="622744000"/>
+      </c:barChart>
+      <c:catAx>
+        <c:axId val="642443216"/>
+        <c:scaling>
+          <c:orientation val="minMax"/>
+        </c:scaling>
+        <c:delete val="0"/>
+        <c:axPos val="b"/>
+        <c:numFmt formatCode="General" sourceLinked="1"/>
+        <c:majorTickMark val="none"/>
+        <c:minorTickMark val="none"/>
+        <c:tickLblPos val="nextTo"/>
+        <c:spPr>
+          <a:noFill/>
+          <a:ln w="9525" cap="flat" cmpd="sng" algn="ctr">
+            <a:solidFill>
+              <a:schemeClr val="tx1">
+                <a:lumMod val="15000"/>
+                <a:lumOff val="85000"/>
+              </a:schemeClr>
+            </a:solidFill>
+            <a:round/>
+          </a:ln>
+          <a:effectLst/>
+        </c:spPr>
+        <c:txPr>
+          <a:bodyPr rot="-60000000" spcFirstLastPara="1" vertOverflow="ellipsis" vert="horz" wrap="square" anchor="ctr" anchorCtr="1"/>
+          <a:lstStyle/>
+          <a:p>
+            <a:pPr>
+              <a:defRPr sz="2000" b="0" i="0" u="none" strike="noStrike" kern="1200" baseline="0">
+                <a:solidFill>
+                  <a:schemeClr val="tx1">
+                    <a:lumMod val="65000"/>
+                    <a:lumOff val="35000"/>
+                  </a:schemeClr>
+                </a:solidFill>
+                <a:latin typeface="+mn-lt"/>
+                <a:ea typeface="+mn-ea"/>
+                <a:cs typeface="+mn-cs"/>
+              </a:defRPr>
+            </a:pPr>
+            <a:endParaRPr lang="en-US"/>
+          </a:p>
+        </c:txPr>
+        <c:crossAx val="622744000"/>
+        <c:crosses val="autoZero"/>
+        <c:auto val="1"/>
+        <c:lblAlgn val="ctr"/>
+        <c:lblOffset val="100"/>
+        <c:noMultiLvlLbl val="0"/>
+      </c:catAx>
+      <c:valAx>
+        <c:axId val="622744000"/>
+        <c:scaling>
+          <c:orientation val="minMax"/>
+        </c:scaling>
+        <c:delete val="0"/>
+        <c:axPos val="l"/>
+        <c:majorGridlines>
+          <c:spPr>
+            <a:ln w="9525" cap="flat" cmpd="sng" algn="ctr">
+              <a:solidFill>
+                <a:schemeClr val="tx1">
+                  <a:lumMod val="15000"/>
+                  <a:lumOff val="85000"/>
+                </a:schemeClr>
+              </a:solidFill>
+              <a:round/>
+            </a:ln>
+            <a:effectLst/>
+          </c:spPr>
+        </c:majorGridlines>
+        <c:majorTickMark val="none"/>
+        <c:minorTickMark val="none"/>
+        <c:tickLblPos val="nextTo"/>
+        <c:spPr>
+          <a:noFill/>
+          <a:ln>
+            <a:noFill/>
+          </a:ln>
+          <a:effectLst/>
+        </c:spPr>
+        <c:txPr>
+          <a:bodyPr rot="-60000000" spcFirstLastPara="1" vertOverflow="ellipsis" vert="horz" wrap="square" anchor="ctr" anchorCtr="1"/>
+          <a:lstStyle/>
+          <a:p>
+            <a:pPr>
+              <a:defRPr sz="1197" b="0" i="0" u="none" strike="noStrike" kern="1200" baseline="0">
+                <a:solidFill>
+                  <a:schemeClr val="tx1">
+                    <a:lumMod val="65000"/>
+                    <a:lumOff val="35000"/>
+                  </a:schemeClr>
+                </a:solidFill>
+                <a:latin typeface="+mn-lt"/>
+                <a:ea typeface="+mn-ea"/>
+                <a:cs typeface="+mn-cs"/>
+              </a:defRPr>
+            </a:pPr>
+            <a:endParaRPr lang="en-US"/>
+          </a:p>
+        </c:txPr>
+        <c:crossAx val="642443216"/>
+        <c:crosses val="autoZero"/>
+        <c:crossBetween val="between"/>
+      </c:valAx>
+      <c:spPr>
+        <a:noFill/>
+        <a:ln>
+          <a:noFill/>
+        </a:ln>
+        <a:effectLst/>
+      </c:spPr>
+    </c:plotArea>
+    <c:legend>
+      <c:legendPos val="b"/>
+      <c:layout/>
+      <c:overlay val="0"/>
+      <c:spPr>
+        <a:noFill/>
+        <a:ln>
+          <a:noFill/>
+        </a:ln>
+        <a:effectLst/>
+      </c:spPr>
+      <c:txPr>
+        <a:bodyPr rot="0" spcFirstLastPara="1" vertOverflow="ellipsis" vert="horz" wrap="square" anchor="ctr" anchorCtr="1"/>
+        <a:lstStyle/>
+        <a:p>
+          <a:pPr>
+            <a:defRPr sz="2000" b="0" i="0" u="none" strike="noStrike" kern="1200" baseline="0">
+              <a:solidFill>
+                <a:schemeClr val="tx1">
+                  <a:lumMod val="65000"/>
+                  <a:lumOff val="35000"/>
+                </a:schemeClr>
+              </a:solidFill>
+              <a:latin typeface="+mn-lt"/>
+              <a:ea typeface="+mn-ea"/>
+              <a:cs typeface="+mn-cs"/>
+            </a:defRPr>
+          </a:pPr>
+          <a:endParaRPr lang="en-US"/>
+        </a:p>
+      </c:txPr>
+    </c:legend>
+    <c:plotVisOnly val="1"/>
+    <c:dispBlanksAs val="gap"/>
+    <c:showDLblsOverMax val="0"/>
+  </c:chart>
+  <c:spPr>
+    <a:noFill/>
+    <a:ln>
+      <a:noFill/>
+    </a:ln>
+    <a:effectLst/>
+  </c:spPr>
+  <c:txPr>
+    <a:bodyPr/>
+    <a:lstStyle/>
+    <a:p>
+      <a:pPr>
+        <a:defRPr/>
+      </a:pPr>
+      <a:endParaRPr lang="en-US"/>
+    </a:p>
+  </c:txPr>
+  <c:externalData r:id="rId3">
+    <c:autoUpdate val="0"/>
+  </c:externalData>
+</c:chartSpace>
+</file>
+
+<file path=ppt/charts/chart5.xml><?xml version="1.0" encoding="utf-8"?>
+<c:chartSpace xmlns:c="http://schemas.openxmlformats.org/drawingml/2006/chart" xmlns:a="http://schemas.openxmlformats.org/drawingml/2006/main" xmlns:r="http://schemas.openxmlformats.org/officeDocument/2006/relationships">
+  <c:date1904 val="0"/>
+  <c:lang val="en-US"/>
+  <c:roundedCorners val="0"/>
+  <mc:AlternateContent xmlns:mc="http://schemas.openxmlformats.org/markup-compatibility/2006">
+    <mc:Choice xmlns:c14="http://schemas.microsoft.com/office/drawing/2007/8/2/chart" Requires="c14">
+      <c14:style val="102"/>
+    </mc:Choice>
+    <mc:Fallback>
+      <c:style val="2"/>
+    </mc:Fallback>
+  </mc:AlternateContent>
+  <c:chart>
+    <c:title>
+      <c:tx>
+        <c:rich>
+          <a:bodyPr rot="0" spcFirstLastPara="1" vertOverflow="ellipsis" vert="horz" wrap="square" anchor="ctr" anchorCtr="1"/>
+          <a:lstStyle/>
+          <a:p>
+            <a:pPr>
+              <a:defRPr sz="2400" b="0" i="0" u="none" strike="noStrike" kern="1200" spc="0" baseline="0">
+                <a:solidFill>
+                  <a:schemeClr val="tx1">
+                    <a:lumMod val="65000"/>
+                    <a:lumOff val="35000"/>
+                  </a:schemeClr>
+                </a:solidFill>
+                <a:latin typeface="+mn-lt"/>
+                <a:ea typeface="+mn-ea"/>
+                <a:cs typeface="+mn-cs"/>
+              </a:defRPr>
+            </a:pPr>
+            <a:r>
+              <a:rPr lang="en-US" sz="2400" dirty="0" smtClean="0"/>
+              <a:t>Gates</a:t>
+            </a:r>
+            <a:r>
+              <a:rPr lang="en-US" sz="2400" baseline="0" dirty="0" smtClean="0"/>
+              <a:t> is tall</a:t>
+            </a:r>
+            <a:endParaRPr lang="en-US" sz="2400" dirty="0"/>
+          </a:p>
+        </c:rich>
+      </c:tx>
+      <c:layout/>
+      <c:overlay val="0"/>
+      <c:spPr>
+        <a:noFill/>
+        <a:ln>
+          <a:noFill/>
+        </a:ln>
+        <a:effectLst/>
+      </c:spPr>
+      <c:txPr>
+        <a:bodyPr rot="0" spcFirstLastPara="1" vertOverflow="ellipsis" vert="horz" wrap="square" anchor="ctr" anchorCtr="1"/>
+        <a:lstStyle/>
+        <a:p>
+          <a:pPr>
+            <a:defRPr sz="2400" b="0" i="0" u="none" strike="noStrike" kern="1200" spc="0" baseline="0">
+              <a:solidFill>
+                <a:schemeClr val="tx1">
+                  <a:lumMod val="65000"/>
+                  <a:lumOff val="35000"/>
+                </a:schemeClr>
+              </a:solidFill>
+              <a:latin typeface="+mn-lt"/>
+              <a:ea typeface="+mn-ea"/>
+              <a:cs typeface="+mn-cs"/>
+            </a:defRPr>
+          </a:pPr>
+          <a:endParaRPr lang="en-US"/>
+        </a:p>
+      </c:txPr>
+    </c:title>
+    <c:autoTitleDeleted val="0"/>
+    <c:plotArea>
+      <c:layout/>
+      <c:barChart>
+        <c:barDir val="col"/>
+        <c:grouping val="clustered"/>
+        <c:varyColors val="0"/>
+        <c:ser>
+          <c:idx val="0"/>
+          <c:order val="0"/>
+          <c:tx>
+            <c:strRef>
+              <c:f>Sheet1!$B$1</c:f>
+              <c:strCache>
+                <c:ptCount val="1"/>
+                <c:pt idx="0">
+                  <c:v>w=300</c:v>
+                </c:pt>
+              </c:strCache>
+            </c:strRef>
+          </c:tx>
+          <c:spPr>
+            <a:solidFill>
+              <a:schemeClr val="accent1"/>
+            </a:solidFill>
+            <a:ln>
+              <a:noFill/>
+            </a:ln>
+            <a:effectLst/>
+          </c:spPr>
+          <c:invertIfNegative val="0"/>
+          <c:cat>
+            <c:strRef>
+              <c:f>Sheet1!$A$2:$A$5</c:f>
+              <c:strCache>
+                <c:ptCount val="3"/>
+                <c:pt idx="0">
+                  <c:v>h=40</c:v>
+                </c:pt>
+                <c:pt idx="1">
+                  <c:v>h=60</c:v>
+                </c:pt>
+                <c:pt idx="2">
+                  <c:v>h=80</c:v>
+                </c:pt>
+              </c:strCache>
+            </c:strRef>
+          </c:cat>
+          <c:val>
+            <c:numRef>
+              <c:f>Sheet1!$B$2:$B$5</c:f>
+              <c:numCache>
+                <c:formatCode>General</c:formatCode>
+                <c:ptCount val="4"/>
+                <c:pt idx="0">
+                  <c:v>0.0654262735323258</c:v>
+                </c:pt>
+                <c:pt idx="1">
+                  <c:v>0.145945886697835</c:v>
+                </c:pt>
+                <c:pt idx="2">
+                  <c:v>0.162680226231959</c:v>
+                </c:pt>
+              </c:numCache>
+            </c:numRef>
+          </c:val>
+        </c:ser>
+        <c:ser>
+          <c:idx val="1"/>
+          <c:order val="1"/>
+          <c:tx>
+            <c:strRef>
+              <c:f>Sheet1!$C$1</c:f>
+              <c:strCache>
+                <c:ptCount val="1"/>
+                <c:pt idx="0">
+                  <c:v>w=450</c:v>
+                </c:pt>
+              </c:strCache>
+            </c:strRef>
+          </c:tx>
+          <c:spPr>
+            <a:solidFill>
+              <a:schemeClr val="accent2"/>
+            </a:solidFill>
+            <a:ln>
+              <a:noFill/>
+            </a:ln>
+            <a:effectLst/>
+          </c:spPr>
+          <c:invertIfNegative val="0"/>
+          <c:cat>
+            <c:strRef>
+              <c:f>Sheet1!$A$2:$A$5</c:f>
+              <c:strCache>
+                <c:ptCount val="3"/>
+                <c:pt idx="0">
+                  <c:v>h=40</c:v>
+                </c:pt>
+                <c:pt idx="1">
+                  <c:v>h=60</c:v>
+                </c:pt>
+                <c:pt idx="2">
+                  <c:v>h=80</c:v>
+                </c:pt>
+              </c:strCache>
+            </c:strRef>
+          </c:cat>
+          <c:val>
+            <c:numRef>
+              <c:f>Sheet1!$C$2:$C$5</c:f>
+              <c:numCache>
+                <c:formatCode>General</c:formatCode>
+                <c:ptCount val="4"/>
+                <c:pt idx="0">
+                  <c:v>0.0652375620249845</c:v>
+                </c:pt>
+                <c:pt idx="1">
+                  <c:v>0.119517938651815</c:v>
+                </c:pt>
+                <c:pt idx="2">
+                  <c:v>0.161048553219015</c:v>
+                </c:pt>
+              </c:numCache>
+            </c:numRef>
+          </c:val>
+        </c:ser>
+        <c:ser>
+          <c:idx val="2"/>
+          <c:order val="2"/>
+          <c:tx>
+            <c:strRef>
+              <c:f>Sheet1!$D$1</c:f>
+              <c:strCache>
+                <c:ptCount val="1"/>
+                <c:pt idx="0">
+                  <c:v>w=600</c:v>
+                </c:pt>
+              </c:strCache>
+            </c:strRef>
+          </c:tx>
+          <c:spPr>
+            <a:solidFill>
+              <a:schemeClr val="accent3"/>
+            </a:solidFill>
+            <a:ln>
+              <a:noFill/>
+            </a:ln>
+            <a:effectLst/>
+          </c:spPr>
+          <c:invertIfNegative val="0"/>
+          <c:cat>
+            <c:strRef>
+              <c:f>Sheet1!$A$2:$A$5</c:f>
+              <c:strCache>
+                <c:ptCount val="3"/>
+                <c:pt idx="0">
+                  <c:v>h=40</c:v>
+                </c:pt>
+                <c:pt idx="1">
+                  <c:v>h=60</c:v>
+                </c:pt>
+                <c:pt idx="2">
+                  <c:v>h=80</c:v>
+                </c:pt>
+              </c:strCache>
+            </c:strRef>
+          </c:cat>
+          <c:val>
+            <c:numRef>
+              <c:f>Sheet1!$D$2:$D$5</c:f>
+              <c:numCache>
+                <c:formatCode>General</c:formatCode>
+                <c:ptCount val="4"/>
+                <c:pt idx="0">
+                  <c:v>0.0547447370353504</c:v>
+                </c:pt>
+                <c:pt idx="1">
+                  <c:v>0.106567220531226</c:v>
+                </c:pt>
+                <c:pt idx="2">
+                  <c:v>0.118831602075486</c:v>
+                </c:pt>
+              </c:numCache>
+            </c:numRef>
+          </c:val>
+        </c:ser>
+        <c:dLbls>
+          <c:showLegendKey val="0"/>
+          <c:showVal val="0"/>
+          <c:showCatName val="0"/>
+          <c:showSerName val="0"/>
+          <c:showPercent val="0"/>
+          <c:showBubbleSize val="0"/>
+        </c:dLbls>
+        <c:gapWidth val="219"/>
+        <c:overlap val="-27"/>
+        <c:axId val="626604304"/>
+        <c:axId val="653978848"/>
+      </c:barChart>
+      <c:catAx>
+        <c:axId val="626604304"/>
+        <c:scaling>
+          <c:orientation val="minMax"/>
+        </c:scaling>
+        <c:delete val="0"/>
+        <c:axPos val="b"/>
+        <c:numFmt formatCode="General" sourceLinked="1"/>
+        <c:majorTickMark val="none"/>
+        <c:minorTickMark val="none"/>
+        <c:tickLblPos val="nextTo"/>
+        <c:spPr>
+          <a:noFill/>
+          <a:ln w="9525" cap="flat" cmpd="sng" algn="ctr">
+            <a:solidFill>
+              <a:schemeClr val="tx1">
+                <a:lumMod val="15000"/>
+                <a:lumOff val="85000"/>
+              </a:schemeClr>
+            </a:solidFill>
+            <a:round/>
+          </a:ln>
+          <a:effectLst/>
+        </c:spPr>
+        <c:txPr>
+          <a:bodyPr rot="-60000000" spcFirstLastPara="1" vertOverflow="ellipsis" vert="horz" wrap="square" anchor="ctr" anchorCtr="1"/>
+          <a:lstStyle/>
+          <a:p>
+            <a:pPr>
+              <a:defRPr sz="2000" b="0" i="0" u="none" strike="noStrike" kern="1200" baseline="0">
+                <a:solidFill>
+                  <a:schemeClr val="tx1">
+                    <a:lumMod val="65000"/>
+                    <a:lumOff val="35000"/>
+                  </a:schemeClr>
+                </a:solidFill>
+                <a:latin typeface="+mn-lt"/>
+                <a:ea typeface="+mn-ea"/>
+                <a:cs typeface="+mn-cs"/>
+              </a:defRPr>
+            </a:pPr>
+            <a:endParaRPr lang="en-US"/>
+          </a:p>
+        </c:txPr>
+        <c:crossAx val="653978848"/>
+        <c:crosses val="autoZero"/>
+        <c:auto val="1"/>
+        <c:lblAlgn val="ctr"/>
+        <c:lblOffset val="100"/>
+        <c:noMultiLvlLbl val="0"/>
+      </c:catAx>
+      <c:valAx>
+        <c:axId val="653978848"/>
+        <c:scaling>
+          <c:orientation val="minMax"/>
+        </c:scaling>
+        <c:delete val="0"/>
+        <c:axPos val="l"/>
+        <c:majorGridlines>
+          <c:spPr>
+            <a:ln w="9525" cap="flat" cmpd="sng" algn="ctr">
+              <a:solidFill>
+                <a:schemeClr val="tx1">
+                  <a:lumMod val="15000"/>
+                  <a:lumOff val="85000"/>
+                </a:schemeClr>
+              </a:solidFill>
+              <a:round/>
+            </a:ln>
+            <a:effectLst/>
+          </c:spPr>
+        </c:majorGridlines>
+        <c:majorTickMark val="none"/>
+        <c:minorTickMark val="none"/>
+        <c:tickLblPos val="nextTo"/>
+        <c:spPr>
+          <a:noFill/>
+          <a:ln>
+            <a:noFill/>
+          </a:ln>
+          <a:effectLst/>
+        </c:spPr>
+        <c:txPr>
+          <a:bodyPr rot="-60000000" spcFirstLastPara="1" vertOverflow="ellipsis" vert="horz" wrap="square" anchor="ctr" anchorCtr="1"/>
+          <a:lstStyle/>
+          <a:p>
+            <a:pPr>
+              <a:defRPr sz="1197" b="0" i="0" u="none" strike="noStrike" kern="1200" baseline="0">
+                <a:solidFill>
+                  <a:schemeClr val="tx1">
+                    <a:lumMod val="65000"/>
+                    <a:lumOff val="35000"/>
+                  </a:schemeClr>
+                </a:solidFill>
+                <a:latin typeface="+mn-lt"/>
+                <a:ea typeface="+mn-ea"/>
+                <a:cs typeface="+mn-cs"/>
+              </a:defRPr>
+            </a:pPr>
+            <a:endParaRPr lang="en-US"/>
+          </a:p>
+        </c:txPr>
+        <c:crossAx val="626604304"/>
+        <c:crosses val="autoZero"/>
+        <c:crossBetween val="between"/>
+      </c:valAx>
+      <c:spPr>
+        <a:noFill/>
+        <a:ln>
+          <a:noFill/>
+        </a:ln>
+        <a:effectLst/>
+      </c:spPr>
+    </c:plotArea>
+    <c:legend>
+      <c:legendPos val="b"/>
+      <c:layout/>
+      <c:overlay val="0"/>
+      <c:spPr>
+        <a:noFill/>
+        <a:ln>
+          <a:noFill/>
+        </a:ln>
+        <a:effectLst/>
+      </c:spPr>
+      <c:txPr>
+        <a:bodyPr rot="0" spcFirstLastPara="1" vertOverflow="ellipsis" vert="horz" wrap="square" anchor="ctr" anchorCtr="1"/>
+        <a:lstStyle/>
+        <a:p>
+          <a:pPr>
+            <a:defRPr sz="2000" b="0" i="0" u="none" strike="noStrike" kern="1200" baseline="0">
+              <a:solidFill>
+                <a:schemeClr val="tx1">
+                  <a:lumMod val="65000"/>
+                  <a:lumOff val="35000"/>
+                </a:schemeClr>
+              </a:solidFill>
+              <a:latin typeface="+mn-lt"/>
+              <a:ea typeface="+mn-ea"/>
+              <a:cs typeface="+mn-cs"/>
+            </a:defRPr>
+          </a:pPr>
+          <a:endParaRPr lang="en-US"/>
+        </a:p>
+      </c:txPr>
+    </c:legend>
+    <c:plotVisOnly val="1"/>
+    <c:dispBlanksAs val="gap"/>
+    <c:showDLblsOverMax val="0"/>
+  </c:chart>
+  <c:spPr>
+    <a:noFill/>
+    <a:ln>
+      <a:noFill/>
+    </a:ln>
+    <a:effectLst/>
+  </c:spPr>
+  <c:txPr>
+    <a:bodyPr/>
+    <a:lstStyle/>
+    <a:p>
+      <a:pPr>
+        <a:defRPr/>
+      </a:pPr>
+      <a:endParaRPr lang="en-US"/>
+    </a:p>
+  </c:txPr>
+  <c:externalData r:id="rId3">
+    <c:autoUpdate val="0"/>
+  </c:externalData>
+</c:chartSpace>
+</file>
+
+<file path=ppt/charts/chart6.xml><?xml version="1.0" encoding="utf-8"?>
+<c:chartSpace xmlns:c="http://schemas.openxmlformats.org/drawingml/2006/chart" xmlns:a="http://schemas.openxmlformats.org/drawingml/2006/main" xmlns:r="http://schemas.openxmlformats.org/officeDocument/2006/relationships">
+  <c:date1904 val="0"/>
+  <c:lang val="en-US"/>
+  <c:roundedCorners val="0"/>
+  <mc:AlternateContent xmlns:mc="http://schemas.openxmlformats.org/markup-compatibility/2006">
+    <mc:Choice xmlns:c14="http://schemas.microsoft.com/office/drawing/2007/8/2/chart" Requires="c14">
+      <c14:style val="102"/>
+    </mc:Choice>
+    <mc:Fallback>
+      <c:style val="2"/>
+    </mc:Fallback>
+  </mc:AlternateContent>
+  <c:chart>
+    <c:title>
+      <c:tx>
+        <c:rich>
+          <a:bodyPr rot="0" spcFirstLastPara="1" vertOverflow="ellipsis" vert="horz" wrap="square" anchor="ctr" anchorCtr="1"/>
+          <a:lstStyle/>
+          <a:p>
+            <a:pPr>
+              <a:defRPr sz="1862" b="0" i="0" u="none" strike="noStrike" kern="1200" spc="0" baseline="0">
+                <a:solidFill>
+                  <a:schemeClr val="tx1">
+                    <a:lumMod val="65000"/>
+                    <a:lumOff val="35000"/>
+                  </a:schemeClr>
+                </a:solidFill>
+                <a:latin typeface="+mn-lt"/>
+                <a:ea typeface="+mn-ea"/>
+                <a:cs typeface="+mn-cs"/>
+              </a:defRPr>
+            </a:pPr>
+            <a:r>
+              <a:rPr lang="en-US" sz="2400" dirty="0" smtClean="0"/>
+              <a:t>Gates is heavy</a:t>
+            </a:r>
+            <a:endParaRPr lang="en-US" sz="2400" dirty="0"/>
+          </a:p>
+        </c:rich>
+      </c:tx>
+      <c:layout/>
+      <c:overlay val="0"/>
+      <c:spPr>
+        <a:noFill/>
+        <a:ln>
+          <a:noFill/>
+        </a:ln>
+        <a:effectLst/>
+      </c:spPr>
+      <c:txPr>
+        <a:bodyPr rot="0" spcFirstLastPara="1" vertOverflow="ellipsis" vert="horz" wrap="square" anchor="ctr" anchorCtr="1"/>
+        <a:lstStyle/>
+        <a:p>
+          <a:pPr>
+            <a:defRPr sz="1862" b="0" i="0" u="none" strike="noStrike" kern="1200" spc="0" baseline="0">
+              <a:solidFill>
+                <a:schemeClr val="tx1">
+                  <a:lumMod val="65000"/>
+                  <a:lumOff val="35000"/>
+                </a:schemeClr>
+              </a:solidFill>
+              <a:latin typeface="+mn-lt"/>
+              <a:ea typeface="+mn-ea"/>
+              <a:cs typeface="+mn-cs"/>
+            </a:defRPr>
+          </a:pPr>
+          <a:endParaRPr lang="en-US"/>
+        </a:p>
+      </c:txPr>
+    </c:title>
+    <c:autoTitleDeleted val="0"/>
+    <c:plotArea>
+      <c:layout/>
+      <c:barChart>
+        <c:barDir val="col"/>
+        <c:grouping val="clustered"/>
+        <c:varyColors val="0"/>
+        <c:ser>
+          <c:idx val="0"/>
+          <c:order val="0"/>
+          <c:tx>
+            <c:strRef>
+              <c:f>Sheet1!$B$1</c:f>
+              <c:strCache>
+                <c:ptCount val="1"/>
+                <c:pt idx="0">
+                  <c:v>w=300</c:v>
+                </c:pt>
+              </c:strCache>
+            </c:strRef>
+          </c:tx>
+          <c:spPr>
+            <a:solidFill>
+              <a:schemeClr val="accent1"/>
+            </a:solidFill>
+            <a:ln>
+              <a:noFill/>
+            </a:ln>
+            <a:effectLst/>
+          </c:spPr>
+          <c:invertIfNegative val="0"/>
+          <c:cat>
+            <c:strRef>
+              <c:f>Sheet1!$A$2:$A$5</c:f>
+              <c:strCache>
+                <c:ptCount val="3"/>
+                <c:pt idx="0">
+                  <c:v>h=40</c:v>
+                </c:pt>
+                <c:pt idx="1">
+                  <c:v>h=60</c:v>
+                </c:pt>
+                <c:pt idx="2">
+                  <c:v>h=80</c:v>
+                </c:pt>
+              </c:strCache>
+            </c:strRef>
+          </c:cat>
+          <c:val>
+            <c:numRef>
+              <c:f>Sheet1!$B$2:$B$5</c:f>
+              <c:numCache>
+                <c:formatCode>General</c:formatCode>
+                <c:ptCount val="4"/>
+                <c:pt idx="0">
+                  <c:v>0.0283807262501166</c:v>
+                </c:pt>
+                <c:pt idx="1">
+                  <c:v>0.0201502346746294</c:v>
+                </c:pt>
+                <c:pt idx="2">
+                  <c:v>0.0322361832523426</c:v>
+                </c:pt>
+              </c:numCache>
+            </c:numRef>
+          </c:val>
+        </c:ser>
+        <c:ser>
+          <c:idx val="1"/>
+          <c:order val="1"/>
+          <c:tx>
+            <c:strRef>
+              <c:f>Sheet1!$C$1</c:f>
+              <c:strCache>
+                <c:ptCount val="1"/>
+                <c:pt idx="0">
+                  <c:v>w=450</c:v>
+                </c:pt>
+              </c:strCache>
+            </c:strRef>
+          </c:tx>
+          <c:spPr>
+            <a:solidFill>
+              <a:schemeClr val="accent2"/>
+            </a:solidFill>
+            <a:ln>
+              <a:noFill/>
+            </a:ln>
+            <a:effectLst/>
+          </c:spPr>
+          <c:invertIfNegative val="0"/>
+          <c:cat>
+            <c:strRef>
+              <c:f>Sheet1!$A$2:$A$5</c:f>
+              <c:strCache>
+                <c:ptCount val="3"/>
+                <c:pt idx="0">
+                  <c:v>h=40</c:v>
+                </c:pt>
+                <c:pt idx="1">
+                  <c:v>h=60</c:v>
+                </c:pt>
+                <c:pt idx="2">
+                  <c:v>h=80</c:v>
+                </c:pt>
+              </c:strCache>
+            </c:strRef>
+          </c:cat>
+          <c:val>
+            <c:numRef>
+              <c:f>Sheet1!$C$2:$C$5</c:f>
+              <c:numCache>
+                <c:formatCode>General</c:formatCode>
+                <c:ptCount val="4"/>
+                <c:pt idx="0">
+                  <c:v>0.141350586804994</c:v>
+                </c:pt>
+                <c:pt idx="1">
+                  <c:v>0.14780065789629</c:v>
+                </c:pt>
+                <c:pt idx="2">
+                  <c:v>0.0451160800411423</c:v>
+                </c:pt>
+              </c:numCache>
+            </c:numRef>
+          </c:val>
+        </c:ser>
+        <c:ser>
+          <c:idx val="2"/>
+          <c:order val="2"/>
+          <c:tx>
+            <c:strRef>
+              <c:f>Sheet1!$D$1</c:f>
+              <c:strCache>
+                <c:ptCount val="1"/>
+                <c:pt idx="0">
+                  <c:v>w=600</c:v>
+                </c:pt>
+              </c:strCache>
+            </c:strRef>
+          </c:tx>
+          <c:spPr>
+            <a:solidFill>
+              <a:schemeClr val="accent3"/>
+            </a:solidFill>
+            <a:ln>
+              <a:noFill/>
+            </a:ln>
+            <a:effectLst/>
+          </c:spPr>
+          <c:invertIfNegative val="0"/>
+          <c:cat>
+            <c:strRef>
+              <c:f>Sheet1!$A$2:$A$5</c:f>
+              <c:strCache>
+                <c:ptCount val="3"/>
+                <c:pt idx="0">
+                  <c:v>h=40</c:v>
+                </c:pt>
+                <c:pt idx="1">
+                  <c:v>h=60</c:v>
+                </c:pt>
+                <c:pt idx="2">
+                  <c:v>h=80</c:v>
+                </c:pt>
+              </c:strCache>
+            </c:strRef>
+          </c:cat>
+          <c:val>
+            <c:numRef>
+              <c:f>Sheet1!$D$2:$D$5</c:f>
+              <c:numCache>
+                <c:formatCode>General</c:formatCode>
+                <c:ptCount val="4"/>
+                <c:pt idx="0">
+                  <c:v>0.198614556879706</c:v>
+                </c:pt>
+                <c:pt idx="1">
+                  <c:v>0.193708453579245</c:v>
+                </c:pt>
+                <c:pt idx="2">
+                  <c:v>0.192642520621532</c:v>
+                </c:pt>
+              </c:numCache>
+            </c:numRef>
+          </c:val>
+        </c:ser>
+        <c:dLbls>
+          <c:showLegendKey val="0"/>
+          <c:showVal val="0"/>
+          <c:showCatName val="0"/>
+          <c:showSerName val="0"/>
+          <c:showPercent val="0"/>
+          <c:showBubbleSize val="0"/>
+        </c:dLbls>
+        <c:gapWidth val="219"/>
+        <c:overlap val="-27"/>
+        <c:axId val="652445472"/>
+        <c:axId val="652475168"/>
+      </c:barChart>
+      <c:catAx>
+        <c:axId val="652445472"/>
+        <c:scaling>
+          <c:orientation val="minMax"/>
+        </c:scaling>
+        <c:delete val="0"/>
+        <c:axPos val="b"/>
+        <c:numFmt formatCode="General" sourceLinked="1"/>
+        <c:majorTickMark val="none"/>
+        <c:minorTickMark val="none"/>
+        <c:tickLblPos val="nextTo"/>
+        <c:spPr>
+          <a:noFill/>
+          <a:ln w="9525" cap="flat" cmpd="sng" algn="ctr">
+            <a:solidFill>
+              <a:schemeClr val="tx1">
+                <a:lumMod val="15000"/>
+                <a:lumOff val="85000"/>
+              </a:schemeClr>
+            </a:solidFill>
+            <a:round/>
+          </a:ln>
+          <a:effectLst/>
+        </c:spPr>
+        <c:txPr>
+          <a:bodyPr rot="-60000000" spcFirstLastPara="1" vertOverflow="ellipsis" vert="horz" wrap="square" anchor="ctr" anchorCtr="1"/>
+          <a:lstStyle/>
+          <a:p>
+            <a:pPr>
+              <a:defRPr sz="2000" b="0" i="0" u="none" strike="noStrike" kern="1200" baseline="0">
+                <a:solidFill>
+                  <a:schemeClr val="tx1">
+                    <a:lumMod val="65000"/>
+                    <a:lumOff val="35000"/>
+                  </a:schemeClr>
+                </a:solidFill>
+                <a:latin typeface="+mn-lt"/>
+                <a:ea typeface="+mn-ea"/>
+                <a:cs typeface="+mn-cs"/>
+              </a:defRPr>
+            </a:pPr>
+            <a:endParaRPr lang="en-US"/>
+          </a:p>
+        </c:txPr>
+        <c:crossAx val="652475168"/>
+        <c:crosses val="autoZero"/>
+        <c:auto val="1"/>
+        <c:lblAlgn val="ctr"/>
+        <c:lblOffset val="100"/>
+        <c:noMultiLvlLbl val="0"/>
+      </c:catAx>
+      <c:valAx>
+        <c:axId val="652475168"/>
+        <c:scaling>
+          <c:orientation val="minMax"/>
+        </c:scaling>
+        <c:delete val="0"/>
+        <c:axPos val="l"/>
+        <c:majorGridlines>
+          <c:spPr>
+            <a:ln w="9525" cap="flat" cmpd="sng" algn="ctr">
+              <a:solidFill>
+                <a:schemeClr val="tx1">
+                  <a:lumMod val="15000"/>
+                  <a:lumOff val="85000"/>
+                </a:schemeClr>
+              </a:solidFill>
+              <a:round/>
+            </a:ln>
+            <a:effectLst/>
+          </c:spPr>
+        </c:majorGridlines>
+        <c:numFmt formatCode="General" sourceLinked="1"/>
+        <c:majorTickMark val="none"/>
+        <c:minorTickMark val="none"/>
+        <c:tickLblPos val="nextTo"/>
+        <c:spPr>
+          <a:noFill/>
+          <a:ln>
+            <a:noFill/>
+          </a:ln>
+          <a:effectLst/>
+        </c:spPr>
+        <c:txPr>
+          <a:bodyPr rot="-60000000" spcFirstLastPara="1" vertOverflow="ellipsis" vert="horz" wrap="square" anchor="ctr" anchorCtr="1"/>
+          <a:lstStyle/>
+          <a:p>
+            <a:pPr>
+              <a:defRPr sz="1197" b="0" i="0" u="none" strike="noStrike" kern="1200" baseline="0">
+                <a:solidFill>
+                  <a:schemeClr val="tx1">
+                    <a:lumMod val="65000"/>
+                    <a:lumOff val="35000"/>
+                  </a:schemeClr>
+                </a:solidFill>
+                <a:latin typeface="+mn-lt"/>
+                <a:ea typeface="+mn-ea"/>
+                <a:cs typeface="+mn-cs"/>
+              </a:defRPr>
+            </a:pPr>
+            <a:endParaRPr lang="en-US"/>
+          </a:p>
+        </c:txPr>
+        <c:crossAx val="652445472"/>
+        <c:crosses val="autoZero"/>
+        <c:crossBetween val="between"/>
+      </c:valAx>
+      <c:spPr>
+        <a:noFill/>
+        <a:ln>
+          <a:noFill/>
+        </a:ln>
+        <a:effectLst/>
+      </c:spPr>
+    </c:plotArea>
+    <c:legend>
+      <c:legendPos val="b"/>
+      <c:layout/>
+      <c:overlay val="0"/>
+      <c:spPr>
+        <a:noFill/>
+        <a:ln>
+          <a:noFill/>
+        </a:ln>
+        <a:effectLst/>
+      </c:spPr>
+      <c:txPr>
+        <a:bodyPr rot="0" spcFirstLastPara="1" vertOverflow="ellipsis" vert="horz" wrap="square" anchor="ctr" anchorCtr="1"/>
+        <a:lstStyle/>
+        <a:p>
+          <a:pPr>
+            <a:defRPr sz="2000" b="0" i="0" u="none" strike="noStrike" kern="1200" baseline="0">
+              <a:solidFill>
+                <a:schemeClr val="tx1">
+                  <a:lumMod val="65000"/>
+                  <a:lumOff val="35000"/>
+                </a:schemeClr>
+              </a:solidFill>
+              <a:latin typeface="+mn-lt"/>
+              <a:ea typeface="+mn-ea"/>
+              <a:cs typeface="+mn-cs"/>
+            </a:defRPr>
+          </a:pPr>
+          <a:endParaRPr lang="en-US"/>
+        </a:p>
+      </c:txPr>
+    </c:legend>
+    <c:plotVisOnly val="1"/>
+    <c:dispBlanksAs val="gap"/>
+    <c:showDLblsOverMax val="0"/>
+  </c:chart>
+  <c:spPr>
+    <a:noFill/>
+    <a:ln>
+      <a:noFill/>
+    </a:ln>
+    <a:effectLst/>
+  </c:spPr>
+  <c:txPr>
+    <a:bodyPr/>
+    <a:lstStyle/>
+    <a:p>
+      <a:pPr>
+        <a:defRPr/>
+      </a:pPr>
+      <a:endParaRPr lang="en-US"/>
+    </a:p>
+  </c:txPr>
+  <c:externalData r:id="rId3">
+    <c:autoUpdate val="0"/>
+  </c:externalData>
+</c:chartSpace>
+</file>
+
+<file path=ppt/charts/colors1.xml><?xml version="1.0" encoding="utf-8"?>
+<cs:colorStyle xmlns:cs="http://schemas.microsoft.com/office/drawing/2012/chartStyle" xmlns:a="http://schemas.openxmlformats.org/drawingml/2006/main" meth="cycle" id="10">
+  <a:schemeClr val="accent1"/>
+  <a:schemeClr val="accent2"/>
+  <a:schemeClr val="accent3"/>
+  <a:schemeClr val="accent4"/>
+  <a:schemeClr val="accent5"/>
+  <a:schemeClr val="accent6"/>
+  <cs:variation/>
+  <cs:variation>
+    <a:lumMod val="60000"/>
+  </cs:variation>
+  <cs:variation>
+    <a:lumMod val="80000"/>
+    <a:lumOff val="20000"/>
+  </cs:variation>
+  <cs:variation>
+    <a:lumMod val="80000"/>
+  </cs:variation>
+  <cs:variation>
+    <a:lumMod val="60000"/>
+    <a:lumOff val="40000"/>
+  </cs:variation>
+  <cs:variation>
+    <a:lumMod val="50000"/>
+  </cs:variation>
+  <cs:variation>
+    <a:lumMod val="70000"/>
+    <a:lumOff val="30000"/>
+  </cs:variation>
+  <cs:variation>
+    <a:lumMod val="70000"/>
+  </cs:variation>
+  <cs:variation>
+    <a:lumMod val="50000"/>
+    <a:lumOff val="50000"/>
+  </cs:variation>
+</cs:colorStyle>
+</file>
+
+<file path=ppt/charts/colors2.xml><?xml version="1.0" encoding="utf-8"?>
+<cs:colorStyle xmlns:cs="http://schemas.microsoft.com/office/drawing/2012/chartStyle" xmlns:a="http://schemas.openxmlformats.org/drawingml/2006/main" meth="cycle" id="10">
+  <a:schemeClr val="accent1"/>
+  <a:schemeClr val="accent2"/>
+  <a:schemeClr val="accent3"/>
+  <a:schemeClr val="accent4"/>
+  <a:schemeClr val="accent5"/>
+  <a:schemeClr val="accent6"/>
+  <cs:variation/>
+  <cs:variation>
+    <a:lumMod val="60000"/>
+  </cs:variation>
+  <cs:variation>
+    <a:lumMod val="80000"/>
+    <a:lumOff val="20000"/>
+  </cs:variation>
+  <cs:variation>
+    <a:lumMod val="80000"/>
+  </cs:variation>
+  <cs:variation>
+    <a:lumMod val="60000"/>
+    <a:lumOff val="40000"/>
+  </cs:variation>
+  <cs:variation>
+    <a:lumMod val="50000"/>
+  </cs:variation>
+  <cs:variation>
+    <a:lumMod val="70000"/>
+    <a:lumOff val="30000"/>
+  </cs:variation>
+  <cs:variation>
+    <a:lumMod val="70000"/>
+  </cs:variation>
+  <cs:variation>
+    <a:lumMod val="50000"/>
+    <a:lumOff val="50000"/>
+  </cs:variation>
+</cs:colorStyle>
+</file>
+
+<file path=ppt/charts/colors3.xml><?xml version="1.0" encoding="utf-8"?>
+<cs:colorStyle xmlns:cs="http://schemas.microsoft.com/office/drawing/2012/chartStyle" xmlns:a="http://schemas.openxmlformats.org/drawingml/2006/main" meth="cycle" id="10">
+  <a:schemeClr val="accent1"/>
+  <a:schemeClr val="accent2"/>
+  <a:schemeClr val="accent3"/>
+  <a:schemeClr val="accent4"/>
+  <a:schemeClr val="accent5"/>
+  <a:schemeClr val="accent6"/>
+  <cs:variation/>
+  <cs:variation>
+    <a:lumMod val="60000"/>
+  </cs:variation>
+  <cs:variation>
+    <a:lumMod val="80000"/>
+    <a:lumOff val="20000"/>
+  </cs:variation>
+  <cs:variation>
+    <a:lumMod val="80000"/>
+  </cs:variation>
+  <cs:variation>
+    <a:lumMod val="60000"/>
+    <a:lumOff val="40000"/>
+  </cs:variation>
+  <cs:variation>
+    <a:lumMod val="50000"/>
+  </cs:variation>
+  <cs:variation>
+    <a:lumMod val="70000"/>
+    <a:lumOff val="30000"/>
+  </cs:variation>
+  <cs:variation>
+    <a:lumMod val="70000"/>
+  </cs:variation>
+  <cs:variation>
+    <a:lumMod val="50000"/>
+    <a:lumOff val="50000"/>
+  </cs:variation>
+</cs:colorStyle>
+</file>
+
+<file path=ppt/charts/colors4.xml><?xml version="1.0" encoding="utf-8"?>
+<cs:colorStyle xmlns:cs="http://schemas.microsoft.com/office/drawing/2012/chartStyle" xmlns:a="http://schemas.openxmlformats.org/drawingml/2006/main" meth="cycle" id="10">
+  <a:schemeClr val="accent1"/>
+  <a:schemeClr val="accent2"/>
+  <a:schemeClr val="accent3"/>
+  <a:schemeClr val="accent4"/>
+  <a:schemeClr val="accent5"/>
+  <a:schemeClr val="accent6"/>
+  <cs:variation/>
+  <cs:variation>
+    <a:lumMod val="60000"/>
+  </cs:variation>
+  <cs:variation>
+    <a:lumMod val="80000"/>
+    <a:lumOff val="20000"/>
+  </cs:variation>
+  <cs:variation>
+    <a:lumMod val="80000"/>
+  </cs:variation>
+  <cs:variation>
+    <a:lumMod val="60000"/>
+    <a:lumOff val="40000"/>
+  </cs:variation>
+  <cs:variation>
+    <a:lumMod val="50000"/>
+  </cs:variation>
+  <cs:variation>
+    <a:lumMod val="70000"/>
+    <a:lumOff val="30000"/>
+  </cs:variation>
+  <cs:variation>
+    <a:lumMod val="70000"/>
+  </cs:variation>
+  <cs:variation>
+    <a:lumMod val="50000"/>
+    <a:lumOff val="50000"/>
+  </cs:variation>
+</cs:colorStyle>
+</file>
+
+<file path=ppt/charts/colors5.xml><?xml version="1.0" encoding="utf-8"?>
+<cs:colorStyle xmlns:cs="http://schemas.microsoft.com/office/drawing/2012/chartStyle" xmlns:a="http://schemas.openxmlformats.org/drawingml/2006/main" meth="cycle" id="10">
+  <a:schemeClr val="accent1"/>
+  <a:schemeClr val="accent2"/>
+  <a:schemeClr val="accent3"/>
+  <a:schemeClr val="accent4"/>
+  <a:schemeClr val="accent5"/>
+  <a:schemeClr val="accent6"/>
+  <cs:variation/>
+  <cs:variation>
+    <a:lumMod val="60000"/>
+  </cs:variation>
+  <cs:variation>
+    <a:lumMod val="80000"/>
+    <a:lumOff val="20000"/>
+  </cs:variation>
+  <cs:variation>
+    <a:lumMod val="80000"/>
+  </cs:variation>
+  <cs:variation>
+    <a:lumMod val="60000"/>
+    <a:lumOff val="40000"/>
+  </cs:variation>
+  <cs:variation>
+    <a:lumMod val="50000"/>
+  </cs:variation>
+  <cs:variation>
+    <a:lumMod val="70000"/>
+    <a:lumOff val="30000"/>
+  </cs:variation>
+  <cs:variation>
+    <a:lumMod val="70000"/>
+  </cs:variation>
+  <cs:variation>
+    <a:lumMod val="50000"/>
+    <a:lumOff val="50000"/>
+  </cs:variation>
+</cs:colorStyle>
+</file>
+
+<file path=ppt/charts/colors6.xml><?xml version="1.0" encoding="utf-8"?>
+<cs:colorStyle xmlns:cs="http://schemas.microsoft.com/office/drawing/2012/chartStyle" xmlns:a="http://schemas.openxmlformats.org/drawingml/2006/main" meth="cycle" id="10">
+  <a:schemeClr val="accent1"/>
+  <a:schemeClr val="accent2"/>
+  <a:schemeClr val="accent3"/>
+  <a:schemeClr val="accent4"/>
+  <a:schemeClr val="accent5"/>
+  <a:schemeClr val="accent6"/>
+  <cs:variation/>
+  <cs:variation>
+    <a:lumMod val="60000"/>
+  </cs:variation>
+  <cs:variation>
+    <a:lumMod val="80000"/>
+    <a:lumOff val="20000"/>
+  </cs:variation>
+  <cs:variation>
+    <a:lumMod val="80000"/>
+  </cs:variation>
+  <cs:variation>
+    <a:lumMod val="60000"/>
+    <a:lumOff val="40000"/>
+  </cs:variation>
+  <cs:variation>
+    <a:lumMod val="50000"/>
+  </cs:variation>
+  <cs:variation>
+    <a:lumMod val="70000"/>
+    <a:lumOff val="30000"/>
+  </cs:variation>
+  <cs:variation>
+    <a:lumMod val="70000"/>
+  </cs:variation>
+  <cs:variation>
+    <a:lumMod val="50000"/>
+    <a:lumOff val="50000"/>
+  </cs:variation>
+</cs:colorStyle>
+</file>
+
+<file path=ppt/charts/style1.xml><?xml version="1.0" encoding="utf-8"?>
+<cs:chartStyle xmlns:cs="http://schemas.microsoft.com/office/drawing/2012/chartStyle" xmlns:a="http://schemas.openxmlformats.org/drawingml/2006/main" id="201">
+  <cs:axisTitle>
+    <cs:lnRef idx="0"/>
+    <cs:fillRef idx="0"/>
+    <cs:effectRef idx="0"/>
+    <cs:fontRef idx="minor">
+      <a:schemeClr val="tx1">
+        <a:lumMod val="65000"/>
+        <a:lumOff val="35000"/>
+      </a:schemeClr>
+    </cs:fontRef>
+    <cs:defRPr sz="1330" kern="1200"/>
+  </cs:axisTitle>
+  <cs:categoryAxis>
+    <cs:lnRef idx="0"/>
+    <cs:fillRef idx="0"/>
+    <cs:effectRef idx="0"/>
+    <cs:fontRef idx="minor">
+      <a:schemeClr val="tx1">
+        <a:lumMod val="65000"/>
+        <a:lumOff val="35000"/>
+      </a:schemeClr>
+    </cs:fontRef>
+    <cs:spPr>
+      <a:ln w="9525" cap="flat" cmpd="sng" algn="ctr">
+        <a:solidFill>
+          <a:schemeClr val="tx1">
+            <a:lumMod val="15000"/>
+            <a:lumOff val="85000"/>
+          </a:schemeClr>
+        </a:solidFill>
+        <a:round/>
+      </a:ln>
+    </cs:spPr>
+    <cs:defRPr sz="1197" kern="1200"/>
+  </cs:categoryAxis>
+  <cs:chartArea mods="allowNoFillOverride allowNoLineOverride">
+    <cs:lnRef idx="0"/>
+    <cs:fillRef idx="0"/>
+    <cs:effectRef idx="0"/>
+    <cs:fontRef idx="minor">
+      <a:schemeClr val="tx1"/>
+    </cs:fontRef>
+    <cs:spPr>
+      <a:solidFill>
+        <a:schemeClr val="bg1"/>
+      </a:solidFill>
+      <a:ln w="9525" cap="flat" cmpd="sng" algn="ctr">
+        <a:solidFill>
+          <a:schemeClr val="tx1">
+            <a:lumMod val="15000"/>
+            <a:lumOff val="85000"/>
+          </a:schemeClr>
+        </a:solidFill>
+        <a:round/>
+      </a:ln>
+    </cs:spPr>
+    <cs:defRPr sz="1330" kern="1200"/>
+  </cs:chartArea>
+  <cs:dataLabel>
+    <cs:lnRef idx="0"/>
+    <cs:fillRef idx="0"/>
+    <cs:effectRef idx="0"/>
+    <cs:fontRef idx="minor">
+      <a:schemeClr val="tx1">
+        <a:lumMod val="75000"/>
+        <a:lumOff val="25000"/>
+      </a:schemeClr>
+    </cs:fontRef>
+    <cs:defRPr sz="1197" kern="1200"/>
+  </cs:dataLabel>
+  <cs:dataLabelCallout>
+    <cs:lnRef idx="0"/>
+    <cs:fillRef idx="0"/>
+    <cs:effectRef idx="0"/>
+    <cs:fontRef idx="minor">
+      <a:schemeClr val="dk1">
+        <a:lumMod val="65000"/>
+        <a:lumOff val="35000"/>
+      </a:schemeClr>
+    </cs:fontRef>
+    <cs:spPr>
+      <a:solidFill>
+        <a:schemeClr val="lt1"/>
+      </a:solidFill>
+      <a:ln>
+        <a:solidFill>
+          <a:schemeClr val="dk1">
+            <a:lumMod val="25000"/>
+            <a:lumOff val="75000"/>
+          </a:schemeClr>
+        </a:solidFill>
+      </a:ln>
+    </cs:spPr>
+    <cs:defRPr sz="1197" kern="1200"/>
+    <cs:bodyPr rot="0" spcFirstLastPara="1" vertOverflow="clip" horzOverflow="clip" vert="horz" wrap="square" lIns="36576" tIns="18288" rIns="36576" bIns="18288" anchor="ctr" anchorCtr="1">
+      <a:spAutoFit/>
+    </cs:bodyPr>
+  </cs:dataLabelCallout>
+  <cs:dataPoint>
+    <cs:lnRef idx="0"/>
+    <cs:fillRef idx="1">
+      <cs:styleClr val="auto"/>
+    </cs:fillRef>
+    <cs:effectRef idx="0"/>
+    <cs:fontRef idx="minor">
+      <a:schemeClr val="tx1"/>
+    </cs:fontRef>
+  </cs:dataPoint>
+  <cs:dataPoint3D>
+    <cs:lnRef idx="0"/>
+    <cs:fillRef idx="1">
+      <cs:styleClr val="auto"/>
+    </cs:fillRef>
+    <cs:effectRef idx="0"/>
+    <cs:fontRef idx="minor">
+      <a:schemeClr val="tx1"/>
+    </cs:fontRef>
+  </cs:dataPoint3D>
+  <cs:dataPointLine>
+    <cs:lnRef idx="0">
+      <cs:styleClr val="auto"/>
+    </cs:lnRef>
+    <cs:fillRef idx="1"/>
+    <cs:effectRef idx="0"/>
+    <cs:fontRef idx="minor">
+      <a:schemeClr val="tx1"/>
+    </cs:fontRef>
+    <cs:spPr>
+      <a:ln w="28575" cap="rnd">
+        <a:solidFill>
+          <a:schemeClr val="phClr"/>
+        </a:solidFill>
+        <a:round/>
+      </a:ln>
+    </cs:spPr>
+  </cs:dataPointLine>
+  <cs:dataPointMarker>
+    <cs:lnRef idx="0">
+      <cs:styleClr val="auto"/>
+    </cs:lnRef>
+    <cs:fillRef idx="1">
+      <cs:styleClr val="auto"/>
+    </cs:fillRef>
+    <cs:effectRef idx="0"/>
+    <cs:fontRef idx="minor">
+      <a:schemeClr val="tx1"/>
+    </cs:fontRef>
+    <cs:spPr>
+      <a:ln w="9525">
+        <a:solidFill>
+          <a:schemeClr val="phClr"/>
+        </a:solidFill>
+      </a:ln>
+    </cs:spPr>
+  </cs:dataPointMarker>
+  <cs:dataPointMarkerLayout symbol="circle" size="5"/>
+  <cs:dataPointWireframe>
+    <cs:lnRef idx="0">
+      <cs:styleClr val="auto"/>
+    </cs:lnRef>
+    <cs:fillRef idx="1"/>
+    <cs:effectRef idx="0"/>
+    <cs:fontRef idx="minor">
+      <a:schemeClr val="tx1"/>
+    </cs:fontRef>
+    <cs:spPr>
+      <a:ln w="9525" cap="rnd">
+        <a:solidFill>
+          <a:schemeClr val="phClr"/>
+        </a:solidFill>
+        <a:round/>
+      </a:ln>
+    </cs:spPr>
+  </cs:dataPointWireframe>
+  <cs:dataTable>
+    <cs:lnRef idx="0"/>
+    <cs:fillRef idx="0"/>
+    <cs:effectRef idx="0"/>
+    <cs:fontRef idx="minor">
+      <a:schemeClr val="tx1">
+        <a:lumMod val="65000"/>
+        <a:lumOff val="35000"/>
+      </a:schemeClr>
+    </cs:fontRef>
+    <cs:spPr>
+      <a:noFill/>
+      <a:ln w="9525" cap="flat" cmpd="sng" algn="ctr">
+        <a:solidFill>
+          <a:schemeClr val="tx1">
+            <a:lumMod val="15000"/>
+            <a:lumOff val="85000"/>
+          </a:schemeClr>
+        </a:solidFill>
+        <a:round/>
+      </a:ln>
+    </cs:spPr>
+    <cs:defRPr sz="1197" kern="1200"/>
+  </cs:dataTable>
+  <cs:downBar>
+    <cs:lnRef idx="0"/>
+    <cs:fillRef idx="0"/>
+    <cs:effectRef idx="0"/>
+    <cs:fontRef idx="minor">
+      <a:schemeClr val="dk1"/>
+    </cs:fontRef>
+    <cs:spPr>
+      <a:solidFill>
+        <a:schemeClr val="dk1">
+          <a:lumMod val="65000"/>
+          <a:lumOff val="35000"/>
+        </a:schemeClr>
+      </a:solidFill>
+      <a:ln w="9525">
+        <a:solidFill>
+          <a:schemeClr val="tx1">
+            <a:lumMod val="65000"/>
+            <a:lumOff val="35000"/>
+          </a:schemeClr>
+        </a:solidFill>
+      </a:ln>
+    </cs:spPr>
+  </cs:downBar>
+  <cs:dropLine>
+    <cs:lnRef idx="0"/>
+    <cs:fillRef idx="0"/>
+    <cs:effectRef idx="0"/>
+    <cs:fontRef idx="minor">
+      <a:schemeClr val="tx1"/>
+    </cs:fontRef>
+    <cs:spPr>
+      <a:ln w="9525" cap="flat" cmpd="sng" algn="ctr">
+        <a:solidFill>
+          <a:schemeClr val="tx1">
+            <a:lumMod val="35000"/>
+            <a:lumOff val="65000"/>
+          </a:schemeClr>
+        </a:solidFill>
+        <a:round/>
+      </a:ln>
+    </cs:spPr>
+  </cs:dropLine>
+  <cs:errorBar>
+    <cs:lnRef idx="0"/>
+    <cs:fillRef idx="0"/>
+    <cs:effectRef idx="0"/>
+    <cs:fontRef idx="minor">
+      <a:schemeClr val="tx1"/>
+    </cs:fontRef>
+    <cs:spPr>
+      <a:ln w="9525" cap="flat" cmpd="sng" algn="ctr">
+        <a:solidFill>
+          <a:schemeClr val="tx1">
+            <a:lumMod val="65000"/>
+            <a:lumOff val="35000"/>
+          </a:schemeClr>
+        </a:solidFill>
+        <a:round/>
+      </a:ln>
+    </cs:spPr>
+  </cs:errorBar>
+  <cs:floor>
+    <cs:lnRef idx="0"/>
+    <cs:fillRef idx="0"/>
+    <cs:effectRef idx="0"/>
+    <cs:fontRef idx="minor">
+      <a:schemeClr val="tx1"/>
+    </cs:fontRef>
+    <cs:spPr>
+      <a:noFill/>
+      <a:ln>
+        <a:noFill/>
+      </a:ln>
+    </cs:spPr>
+  </cs:floor>
+  <cs:gridlineMajor>
+    <cs:lnRef idx="0"/>
+    <cs:fillRef idx="0"/>
+    <cs:effectRef idx="0"/>
+    <cs:fontRef idx="minor">
+      <a:schemeClr val="tx1"/>
+    </cs:fontRef>
+    <cs:spPr>
+      <a:ln w="9525" cap="flat" cmpd="sng" algn="ctr">
+        <a:solidFill>
+          <a:schemeClr val="tx1">
+            <a:lumMod val="15000"/>
+            <a:lumOff val="85000"/>
+          </a:schemeClr>
+        </a:solidFill>
+        <a:round/>
+      </a:ln>
+    </cs:spPr>
+  </cs:gridlineMajor>
+  <cs:gridlineMinor>
+    <cs:lnRef idx="0"/>
+    <cs:fillRef idx="0"/>
+    <cs:effectRef idx="0"/>
+    <cs:fontRef idx="minor">
+      <a:schemeClr val="tx1"/>
+    </cs:fontRef>
+    <cs:spPr>
+      <a:ln w="9525" cap="flat" cmpd="sng" algn="ctr">
+        <a:solidFill>
+          <a:schemeClr val="tx1">
+            <a:lumMod val="5000"/>
+            <a:lumOff val="95000"/>
+          </a:schemeClr>
+        </a:solidFill>
+        <a:round/>
+      </a:ln>
+    </cs:spPr>
+  </cs:gridlineMinor>
+  <cs:hiLoLine>
+    <cs:lnRef idx="0"/>
+    <cs:fillRef idx="0"/>
+    <cs:effectRef idx="0"/>
+    <cs:fontRef idx="minor">
+      <a:schemeClr val="tx1"/>
+    </cs:fontRef>
+    <cs:spPr>
+      <a:ln w="9525" cap="flat" cmpd="sng" algn="ctr">
+        <a:solidFill>
+          <a:schemeClr val="tx1">
+            <a:lumMod val="75000"/>
+            <a:lumOff val="25000"/>
+          </a:schemeClr>
+        </a:solidFill>
+        <a:round/>
+      </a:ln>
+    </cs:spPr>
+  </cs:hiLoLine>
+  <cs:leaderLine>
+    <cs:lnRef idx="0"/>
+    <cs:fillRef idx="0"/>
+    <cs:effectRef idx="0"/>
+    <cs:fontRef idx="minor">
+      <a:schemeClr val="tx1"/>
+    </cs:fontRef>
+    <cs:spPr>
+      <a:ln w="9525" cap="flat" cmpd="sng" algn="ctr">
+        <a:solidFill>
+          <a:schemeClr val="tx1">
+            <a:lumMod val="35000"/>
+            <a:lumOff val="65000"/>
+          </a:schemeClr>
+        </a:solidFill>
+        <a:round/>
+      </a:ln>
+    </cs:spPr>
+  </cs:leaderLine>
+  <cs:legend>
+    <cs:lnRef idx="0"/>
+    <cs:fillRef idx="0"/>
+    <cs:effectRef idx="0"/>
+    <cs:fontRef idx="minor">
+      <a:schemeClr val="tx1">
+        <a:lumMod val="65000"/>
+        <a:lumOff val="35000"/>
+      </a:schemeClr>
+    </cs:fontRef>
+    <cs:defRPr sz="1197" kern="1200"/>
+  </cs:legend>
+  <cs:plotArea mods="allowNoFillOverride allowNoLineOverride">
+    <cs:lnRef idx="0"/>
+    <cs:fillRef idx="0"/>
+    <cs:effectRef idx="0"/>
+    <cs:fontRef idx="minor">
+      <a:schemeClr val="tx1"/>
+    </cs:fontRef>
+  </cs:plotArea>
+  <cs:plotArea3D mods="allowNoFillOverride allowNoLineOverride">
+    <cs:lnRef idx="0"/>
+    <cs:fillRef idx="0"/>
+    <cs:effectRef idx="0"/>
+    <cs:fontRef idx="minor">
+      <a:schemeClr val="tx1"/>
+    </cs:fontRef>
+  </cs:plotArea3D>
+  <cs:seriesAxis>
+    <cs:lnRef idx="0"/>
+    <cs:fillRef idx="0"/>
+    <cs:effectRef idx="0"/>
+    <cs:fontRef idx="minor">
+      <a:schemeClr val="tx1">
+        <a:lumMod val="65000"/>
+        <a:lumOff val="35000"/>
+      </a:schemeClr>
+    </cs:fontRef>
+    <cs:defRPr sz="1197" kern="1200"/>
+  </cs:seriesAxis>
+  <cs:seriesLine>
+    <cs:lnRef idx="0"/>
+    <cs:fillRef idx="0"/>
+    <cs:effectRef idx="0"/>
+    <cs:fontRef idx="minor">
+      <a:schemeClr val="tx1"/>
+    </cs:fontRef>
+    <cs:spPr>
+      <a:ln w="9525" cap="flat" cmpd="sng" algn="ctr">
+        <a:solidFill>
+          <a:schemeClr val="tx1">
+            <a:lumMod val="35000"/>
+            <a:lumOff val="65000"/>
+          </a:schemeClr>
+        </a:solidFill>
+        <a:round/>
+      </a:ln>
+    </cs:spPr>
+  </cs:seriesLine>
+  <cs:title>
+    <cs:lnRef idx="0"/>
+    <cs:fillRef idx="0"/>
+    <cs:effectRef idx="0"/>
+    <cs:fontRef idx="minor">
+      <a:schemeClr val="tx1">
+        <a:lumMod val="65000"/>
+        <a:lumOff val="35000"/>
+      </a:schemeClr>
+    </cs:fontRef>
+    <cs:defRPr sz="1862" b="0" kern="1200" spc="0" baseline="0"/>
+  </cs:title>
+  <cs:trendline>
+    <cs:lnRef idx="0">
+      <cs:styleClr val="auto"/>
+    </cs:lnRef>
+    <cs:fillRef idx="0"/>
+    <cs:effectRef idx="0"/>
+    <cs:fontRef idx="minor">
+      <a:schemeClr val="tx1"/>
+    </cs:fontRef>
+    <cs:spPr>
+      <a:ln w="19050" cap="rnd">
+        <a:solidFill>
+          <a:schemeClr val="phClr"/>
+        </a:solidFill>
+        <a:prstDash val="sysDot"/>
+      </a:ln>
+    </cs:spPr>
+  </cs:trendline>
+  <cs:trendlineLabel>
+    <cs:lnRef idx="0"/>
+    <cs:fillRef idx="0"/>
+    <cs:effectRef idx="0"/>
+    <cs:fontRef idx="minor">
+      <a:schemeClr val="tx1">
+        <a:lumMod val="65000"/>
+        <a:lumOff val="35000"/>
+      </a:schemeClr>
+    </cs:fontRef>
+    <cs:defRPr sz="1197" kern="1200"/>
+  </cs:trendlineLabel>
+  <cs:upBar>
+    <cs:lnRef idx="0"/>
+    <cs:fillRef idx="0"/>
+    <cs:effectRef idx="0"/>
+    <cs:fontRef idx="minor">
+      <a:schemeClr val="dk1"/>
+    </cs:fontRef>
+    <cs:spPr>
+      <a:solidFill>
+        <a:schemeClr val="lt1"/>
+      </a:solidFill>
+      <a:ln w="9525">
+        <a:solidFill>
+          <a:schemeClr val="tx1">
+            <a:lumMod val="15000"/>
+            <a:lumOff val="85000"/>
+          </a:schemeClr>
+        </a:solidFill>
+      </a:ln>
+    </cs:spPr>
+  </cs:upBar>
+  <cs:valueAxis>
+    <cs:lnRef idx="0"/>
+    <cs:fillRef idx="0"/>
+    <cs:effectRef idx="0"/>
+    <cs:fontRef idx="minor">
+      <a:schemeClr val="tx1">
+        <a:lumMod val="65000"/>
+        <a:lumOff val="35000"/>
+      </a:schemeClr>
+    </cs:fontRef>
+    <cs:defRPr sz="1197" kern="1200"/>
+  </cs:valueAxis>
+  <cs:wall>
+    <cs:lnRef idx="0"/>
+    <cs:fillRef idx="0"/>
+    <cs:effectRef idx="0"/>
+    <cs:fontRef idx="minor">
+      <a:schemeClr val="tx1"/>
+    </cs:fontRef>
+    <cs:spPr>
+      <a:noFill/>
+      <a:ln>
+        <a:noFill/>
+      </a:ln>
+    </cs:spPr>
+  </cs:wall>
+</cs:chartStyle>
+</file>
+
+<file path=ppt/charts/style2.xml><?xml version="1.0" encoding="utf-8"?>
+<cs:chartStyle xmlns:cs="http://schemas.microsoft.com/office/drawing/2012/chartStyle" xmlns:a="http://schemas.openxmlformats.org/drawingml/2006/main" id="201">
+  <cs:axisTitle>
+    <cs:lnRef idx="0"/>
+    <cs:fillRef idx="0"/>
+    <cs:effectRef idx="0"/>
+    <cs:fontRef idx="minor">
+      <a:schemeClr val="tx1">
+        <a:lumMod val="65000"/>
+        <a:lumOff val="35000"/>
+      </a:schemeClr>
+    </cs:fontRef>
+    <cs:defRPr sz="1330" kern="1200"/>
+  </cs:axisTitle>
+  <cs:categoryAxis>
+    <cs:lnRef idx="0"/>
+    <cs:fillRef idx="0"/>
+    <cs:effectRef idx="0"/>
+    <cs:fontRef idx="minor">
+      <a:schemeClr val="tx1">
+        <a:lumMod val="65000"/>
+        <a:lumOff val="35000"/>
+      </a:schemeClr>
+    </cs:fontRef>
+    <cs:spPr>
+      <a:ln w="9525" cap="flat" cmpd="sng" algn="ctr">
+        <a:solidFill>
+          <a:schemeClr val="tx1">
+            <a:lumMod val="15000"/>
+            <a:lumOff val="85000"/>
+          </a:schemeClr>
+        </a:solidFill>
+        <a:round/>
+      </a:ln>
+    </cs:spPr>
+    <cs:defRPr sz="1197" kern="1200"/>
+  </cs:categoryAxis>
+  <cs:chartArea mods="allowNoFillOverride allowNoLineOverride">
+    <cs:lnRef idx="0"/>
+    <cs:fillRef idx="0"/>
+    <cs:effectRef idx="0"/>
+    <cs:fontRef idx="minor">
+      <a:schemeClr val="tx1"/>
+    </cs:fontRef>
+    <cs:spPr>
+      <a:solidFill>
+        <a:schemeClr val="bg1"/>
+      </a:solidFill>
+      <a:ln w="9525" cap="flat" cmpd="sng" algn="ctr">
+        <a:solidFill>
+          <a:schemeClr val="tx1">
+            <a:lumMod val="15000"/>
+            <a:lumOff val="85000"/>
+          </a:schemeClr>
+        </a:solidFill>
+        <a:round/>
+      </a:ln>
+    </cs:spPr>
+    <cs:defRPr sz="1330" kern="1200"/>
+  </cs:chartArea>
+  <cs:dataLabel>
+    <cs:lnRef idx="0"/>
+    <cs:fillRef idx="0"/>
+    <cs:effectRef idx="0"/>
+    <cs:fontRef idx="minor">
+      <a:schemeClr val="tx1">
+        <a:lumMod val="75000"/>
+        <a:lumOff val="25000"/>
+      </a:schemeClr>
+    </cs:fontRef>
+    <cs:defRPr sz="1197" kern="1200"/>
+  </cs:dataLabel>
+  <cs:dataLabelCallout>
+    <cs:lnRef idx="0"/>
+    <cs:fillRef idx="0"/>
+    <cs:effectRef idx="0"/>
+    <cs:fontRef idx="minor">
+      <a:schemeClr val="dk1">
+        <a:lumMod val="65000"/>
+        <a:lumOff val="35000"/>
+      </a:schemeClr>
+    </cs:fontRef>
+    <cs:spPr>
+      <a:solidFill>
+        <a:schemeClr val="lt1"/>
+      </a:solidFill>
+      <a:ln>
+        <a:solidFill>
+          <a:schemeClr val="dk1">
+            <a:lumMod val="25000"/>
+            <a:lumOff val="75000"/>
+          </a:schemeClr>
+        </a:solidFill>
+      </a:ln>
+    </cs:spPr>
+    <cs:defRPr sz="1197" kern="1200"/>
+    <cs:bodyPr rot="0" spcFirstLastPara="1" vertOverflow="clip" horzOverflow="clip" vert="horz" wrap="square" lIns="36576" tIns="18288" rIns="36576" bIns="18288" anchor="ctr" anchorCtr="1">
+      <a:spAutoFit/>
+    </cs:bodyPr>
+  </cs:dataLabelCallout>
+  <cs:dataPoint>
+    <cs:lnRef idx="0"/>
+    <cs:fillRef idx="1">
+      <cs:styleClr val="auto"/>
+    </cs:fillRef>
+    <cs:effectRef idx="0"/>
+    <cs:fontRef idx="minor">
+      <a:schemeClr val="tx1"/>
+    </cs:fontRef>
+  </cs:dataPoint>
+  <cs:dataPoint3D>
+    <cs:lnRef idx="0"/>
+    <cs:fillRef idx="1">
+      <cs:styleClr val="auto"/>
+    </cs:fillRef>
+    <cs:effectRef idx="0"/>
+    <cs:fontRef idx="minor">
+      <a:schemeClr val="tx1"/>
+    </cs:fontRef>
+  </cs:dataPoint3D>
+  <cs:dataPointLine>
+    <cs:lnRef idx="0">
+      <cs:styleClr val="auto"/>
+    </cs:lnRef>
+    <cs:fillRef idx="1"/>
+    <cs:effectRef idx="0"/>
+    <cs:fontRef idx="minor">
+      <a:schemeClr val="tx1"/>
+    </cs:fontRef>
+    <cs:spPr>
+      <a:ln w="28575" cap="rnd">
+        <a:solidFill>
+          <a:schemeClr val="phClr"/>
+        </a:solidFill>
+        <a:round/>
+      </a:ln>
+    </cs:spPr>
+  </cs:dataPointLine>
+  <cs:dataPointMarker>
+    <cs:lnRef idx="0">
+      <cs:styleClr val="auto"/>
+    </cs:lnRef>
+    <cs:fillRef idx="1">
+      <cs:styleClr val="auto"/>
+    </cs:fillRef>
+    <cs:effectRef idx="0"/>
+    <cs:fontRef idx="minor">
+      <a:schemeClr val="tx1"/>
+    </cs:fontRef>
+    <cs:spPr>
+      <a:ln w="9525">
+        <a:solidFill>
+          <a:schemeClr val="phClr"/>
+        </a:solidFill>
+      </a:ln>
+    </cs:spPr>
+  </cs:dataPointMarker>
+  <cs:dataPointMarkerLayout symbol="circle" size="5"/>
+  <cs:dataPointWireframe>
+    <cs:lnRef idx="0">
+      <cs:styleClr val="auto"/>
+    </cs:lnRef>
+    <cs:fillRef idx="1"/>
+    <cs:effectRef idx="0"/>
+    <cs:fontRef idx="minor">
+      <a:schemeClr val="tx1"/>
+    </cs:fontRef>
+    <cs:spPr>
+      <a:ln w="9525" cap="rnd">
+        <a:solidFill>
+          <a:schemeClr val="phClr"/>
+        </a:solidFill>
+        <a:round/>
+      </a:ln>
+    </cs:spPr>
+  </cs:dataPointWireframe>
+  <cs:dataTable>
+    <cs:lnRef idx="0"/>
+    <cs:fillRef idx="0"/>
+    <cs:effectRef idx="0"/>
+    <cs:fontRef idx="minor">
+      <a:schemeClr val="tx1">
+        <a:lumMod val="65000"/>
+        <a:lumOff val="35000"/>
+      </a:schemeClr>
+    </cs:fontRef>
+    <cs:spPr>
+      <a:noFill/>
+      <a:ln w="9525" cap="flat" cmpd="sng" algn="ctr">
+        <a:solidFill>
+          <a:schemeClr val="tx1">
+            <a:lumMod val="15000"/>
+            <a:lumOff val="85000"/>
+          </a:schemeClr>
+        </a:solidFill>
+        <a:round/>
+      </a:ln>
+    </cs:spPr>
+    <cs:defRPr sz="1197" kern="1200"/>
+  </cs:dataTable>
+  <cs:downBar>
+    <cs:lnRef idx="0"/>
+    <cs:fillRef idx="0"/>
+    <cs:effectRef idx="0"/>
+    <cs:fontRef idx="minor">
+      <a:schemeClr val="dk1"/>
+    </cs:fontRef>
+    <cs:spPr>
+      <a:solidFill>
+        <a:schemeClr val="dk1">
+          <a:lumMod val="65000"/>
+          <a:lumOff val="35000"/>
+        </a:schemeClr>
+      </a:solidFill>
+      <a:ln w="9525">
+        <a:solidFill>
+          <a:schemeClr val="tx1">
+            <a:lumMod val="65000"/>
+            <a:lumOff val="35000"/>
+          </a:schemeClr>
+        </a:solidFill>
+      </a:ln>
+    </cs:spPr>
+  </cs:downBar>
+  <cs:dropLine>
+    <cs:lnRef idx="0"/>
+    <cs:fillRef idx="0"/>
+    <cs:effectRef idx="0"/>
+    <cs:fontRef idx="minor">
+      <a:schemeClr val="tx1"/>
+    </cs:fontRef>
+    <cs:spPr>
+      <a:ln w="9525" cap="flat" cmpd="sng" algn="ctr">
+        <a:solidFill>
+          <a:schemeClr val="tx1">
+            <a:lumMod val="35000"/>
+            <a:lumOff val="65000"/>
+          </a:schemeClr>
+        </a:solidFill>
+        <a:round/>
+      </a:ln>
+    </cs:spPr>
+  </cs:dropLine>
+  <cs:errorBar>
+    <cs:lnRef idx="0"/>
+    <cs:fillRef idx="0"/>
+    <cs:effectRef idx="0"/>
+    <cs:fontRef idx="minor">
+      <a:schemeClr val="tx1"/>
+    </cs:fontRef>
+    <cs:spPr>
+      <a:ln w="9525" cap="flat" cmpd="sng" algn="ctr">
+        <a:solidFill>
+          <a:schemeClr val="tx1">
+            <a:lumMod val="65000"/>
+            <a:lumOff val="35000"/>
+          </a:schemeClr>
+        </a:solidFill>
+        <a:round/>
+      </a:ln>
+    </cs:spPr>
+  </cs:errorBar>
+  <cs:floor>
+    <cs:lnRef idx="0"/>
+    <cs:fillRef idx="0"/>
+    <cs:effectRef idx="0"/>
+    <cs:fontRef idx="minor">
+      <a:schemeClr val="tx1"/>
+    </cs:fontRef>
+    <cs:spPr>
+      <a:noFill/>
+      <a:ln>
+        <a:noFill/>
+      </a:ln>
+    </cs:spPr>
+  </cs:floor>
+  <cs:gridlineMajor>
+    <cs:lnRef idx="0"/>
+    <cs:fillRef idx="0"/>
+    <cs:effectRef idx="0"/>
+    <cs:fontRef idx="minor">
+      <a:schemeClr val="tx1"/>
+    </cs:fontRef>
+    <cs:spPr>
+      <a:ln w="9525" cap="flat" cmpd="sng" algn="ctr">
+        <a:solidFill>
+          <a:schemeClr val="tx1">
+            <a:lumMod val="15000"/>
+            <a:lumOff val="85000"/>
+          </a:schemeClr>
+        </a:solidFill>
+        <a:round/>
+      </a:ln>
+    </cs:spPr>
+  </cs:gridlineMajor>
+  <cs:gridlineMinor>
+    <cs:lnRef idx="0"/>
+    <cs:fillRef idx="0"/>
+    <cs:effectRef idx="0"/>
+    <cs:fontRef idx="minor">
+      <a:schemeClr val="tx1"/>
+    </cs:fontRef>
+    <cs:spPr>
+      <a:ln w="9525" cap="flat" cmpd="sng" algn="ctr">
+        <a:solidFill>
+          <a:schemeClr val="tx1">
+            <a:lumMod val="5000"/>
+            <a:lumOff val="95000"/>
+          </a:schemeClr>
+        </a:solidFill>
+        <a:round/>
+      </a:ln>
+    </cs:spPr>
+  </cs:gridlineMinor>
+  <cs:hiLoLine>
+    <cs:lnRef idx="0"/>
+    <cs:fillRef idx="0"/>
+    <cs:effectRef idx="0"/>
+    <cs:fontRef idx="minor">
+      <a:schemeClr val="tx1"/>
+    </cs:fontRef>
+    <cs:spPr>
+      <a:ln w="9525" cap="flat" cmpd="sng" algn="ctr">
+        <a:solidFill>
+          <a:schemeClr val="tx1">
+            <a:lumMod val="75000"/>
+            <a:lumOff val="25000"/>
+          </a:schemeClr>
+        </a:solidFill>
+        <a:round/>
+      </a:ln>
+    </cs:spPr>
+  </cs:hiLoLine>
+  <cs:leaderLine>
+    <cs:lnRef idx="0"/>
+    <cs:fillRef idx="0"/>
+    <cs:effectRef idx="0"/>
+    <cs:fontRef idx="minor">
+      <a:schemeClr val="tx1"/>
+    </cs:fontRef>
+    <cs:spPr>
+      <a:ln w="9525" cap="flat" cmpd="sng" algn="ctr">
+        <a:solidFill>
+          <a:schemeClr val="tx1">
+            <a:lumMod val="35000"/>
+            <a:lumOff val="65000"/>
+          </a:schemeClr>
+        </a:solidFill>
+        <a:round/>
+      </a:ln>
+    </cs:spPr>
+  </cs:leaderLine>
+  <cs:legend>
+    <cs:lnRef idx="0"/>
+    <cs:fillRef idx="0"/>
+    <cs:effectRef idx="0"/>
+    <cs:fontRef idx="minor">
+      <a:schemeClr val="tx1">
+        <a:lumMod val="65000"/>
+        <a:lumOff val="35000"/>
+      </a:schemeClr>
+    </cs:fontRef>
+    <cs:defRPr sz="1197" kern="1200"/>
+  </cs:legend>
+  <cs:plotArea mods="allowNoFillOverride allowNoLineOverride">
+    <cs:lnRef idx="0"/>
+    <cs:fillRef idx="0"/>
+    <cs:effectRef idx="0"/>
+    <cs:fontRef idx="minor">
+      <a:schemeClr val="tx1"/>
+    </cs:fontRef>
+  </cs:plotArea>
+  <cs:plotArea3D mods="allowNoFillOverride allowNoLineOverride">
+    <cs:lnRef idx="0"/>
+    <cs:fillRef idx="0"/>
+    <cs:effectRef idx="0"/>
+    <cs:fontRef idx="minor">
+      <a:schemeClr val="tx1"/>
+    </cs:fontRef>
+  </cs:plotArea3D>
+  <cs:seriesAxis>
+    <cs:lnRef idx="0"/>
+    <cs:fillRef idx="0"/>
+    <cs:effectRef idx="0"/>
+    <cs:fontRef idx="minor">
+      <a:schemeClr val="tx1">
+        <a:lumMod val="65000"/>
+        <a:lumOff val="35000"/>
+      </a:schemeClr>
+    </cs:fontRef>
+    <cs:defRPr sz="1197" kern="1200"/>
+  </cs:seriesAxis>
+  <cs:seriesLine>
+    <cs:lnRef idx="0"/>
+    <cs:fillRef idx="0"/>
+    <cs:effectRef idx="0"/>
+    <cs:fontRef idx="minor">
+      <a:schemeClr val="tx1"/>
+    </cs:fontRef>
+    <cs:spPr>
+      <a:ln w="9525" cap="flat" cmpd="sng" algn="ctr">
+        <a:solidFill>
+          <a:schemeClr val="tx1">
+            <a:lumMod val="35000"/>
+            <a:lumOff val="65000"/>
+          </a:schemeClr>
+        </a:solidFill>
+        <a:round/>
+      </a:ln>
+    </cs:spPr>
+  </cs:seriesLine>
+  <cs:title>
+    <cs:lnRef idx="0"/>
+    <cs:fillRef idx="0"/>
+    <cs:effectRef idx="0"/>
+    <cs:fontRef idx="minor">
+      <a:schemeClr val="tx1">
+        <a:lumMod val="65000"/>
+        <a:lumOff val="35000"/>
+      </a:schemeClr>
+    </cs:fontRef>
+    <cs:defRPr sz="1862" b="0" kern="1200" spc="0" baseline="0"/>
+  </cs:title>
+  <cs:trendline>
+    <cs:lnRef idx="0">
+      <cs:styleClr val="auto"/>
+    </cs:lnRef>
+    <cs:fillRef idx="0"/>
+    <cs:effectRef idx="0"/>
+    <cs:fontRef idx="minor">
+      <a:schemeClr val="tx1"/>
+    </cs:fontRef>
+    <cs:spPr>
+      <a:ln w="19050" cap="rnd">
+        <a:solidFill>
+          <a:schemeClr val="phClr"/>
+        </a:solidFill>
+        <a:prstDash val="sysDot"/>
+      </a:ln>
+    </cs:spPr>
+  </cs:trendline>
+  <cs:trendlineLabel>
+    <cs:lnRef idx="0"/>
+    <cs:fillRef idx="0"/>
+    <cs:effectRef idx="0"/>
+    <cs:fontRef idx="minor">
+      <a:schemeClr val="tx1">
+        <a:lumMod val="65000"/>
+        <a:lumOff val="35000"/>
+      </a:schemeClr>
+    </cs:fontRef>
+    <cs:defRPr sz="1197" kern="1200"/>
+  </cs:trendlineLabel>
+  <cs:upBar>
+    <cs:lnRef idx="0"/>
+    <cs:fillRef idx="0"/>
+    <cs:effectRef idx="0"/>
+    <cs:fontRef idx="minor">
+      <a:schemeClr val="dk1"/>
+    </cs:fontRef>
+    <cs:spPr>
+      <a:solidFill>
+        <a:schemeClr val="lt1"/>
+      </a:solidFill>
+      <a:ln w="9525">
+        <a:solidFill>
+          <a:schemeClr val="tx1">
+            <a:lumMod val="15000"/>
+            <a:lumOff val="85000"/>
+          </a:schemeClr>
+        </a:solidFill>
+      </a:ln>
+    </cs:spPr>
+  </cs:upBar>
+  <cs:valueAxis>
+    <cs:lnRef idx="0"/>
+    <cs:fillRef idx="0"/>
+    <cs:effectRef idx="0"/>
+    <cs:fontRef idx="minor">
+      <a:schemeClr val="tx1">
+        <a:lumMod val="65000"/>
+        <a:lumOff val="35000"/>
+      </a:schemeClr>
+    </cs:fontRef>
+    <cs:defRPr sz="1197" kern="1200"/>
+  </cs:valueAxis>
+  <cs:wall>
+    <cs:lnRef idx="0"/>
+    <cs:fillRef idx="0"/>
+    <cs:effectRef idx="0"/>
+    <cs:fontRef idx="minor">
+      <a:schemeClr val="tx1"/>
+    </cs:fontRef>
+    <cs:spPr>
+      <a:noFill/>
+      <a:ln>
+        <a:noFill/>
+      </a:ln>
+    </cs:spPr>
+  </cs:wall>
+</cs:chartStyle>
+</file>
+
+<file path=ppt/charts/style3.xml><?xml version="1.0" encoding="utf-8"?>
+<cs:chartStyle xmlns:cs="http://schemas.microsoft.com/office/drawing/2012/chartStyle" xmlns:a="http://schemas.openxmlformats.org/drawingml/2006/main" id="201">
+  <cs:axisTitle>
+    <cs:lnRef idx="0"/>
+    <cs:fillRef idx="0"/>
+    <cs:effectRef idx="0"/>
+    <cs:fontRef idx="minor">
+      <a:schemeClr val="tx1">
+        <a:lumMod val="65000"/>
+        <a:lumOff val="35000"/>
+      </a:schemeClr>
+    </cs:fontRef>
+    <cs:defRPr sz="1330" kern="1200"/>
+  </cs:axisTitle>
+  <cs:categoryAxis>
+    <cs:lnRef idx="0"/>
+    <cs:fillRef idx="0"/>
+    <cs:effectRef idx="0"/>
+    <cs:fontRef idx="minor">
+      <a:schemeClr val="tx1">
+        <a:lumMod val="65000"/>
+        <a:lumOff val="35000"/>
+      </a:schemeClr>
+    </cs:fontRef>
+    <cs:spPr>
+      <a:ln w="9525" cap="flat" cmpd="sng" algn="ctr">
+        <a:solidFill>
+          <a:schemeClr val="tx1">
+            <a:lumMod val="15000"/>
+            <a:lumOff val="85000"/>
+          </a:schemeClr>
+        </a:solidFill>
+        <a:round/>
+      </a:ln>
+    </cs:spPr>
+    <cs:defRPr sz="1197" kern="1200"/>
+  </cs:categoryAxis>
+  <cs:chartArea mods="allowNoFillOverride allowNoLineOverride">
+    <cs:lnRef idx="0"/>
+    <cs:fillRef idx="0"/>
+    <cs:effectRef idx="0"/>
+    <cs:fontRef idx="minor">
+      <a:schemeClr val="tx1"/>
+    </cs:fontRef>
+    <cs:spPr>
+      <a:solidFill>
+        <a:schemeClr val="bg1"/>
+      </a:solidFill>
+      <a:ln w="9525" cap="flat" cmpd="sng" algn="ctr">
+        <a:solidFill>
+          <a:schemeClr val="tx1">
+            <a:lumMod val="15000"/>
+            <a:lumOff val="85000"/>
+          </a:schemeClr>
+        </a:solidFill>
+        <a:round/>
+      </a:ln>
+    </cs:spPr>
+    <cs:defRPr sz="1330" kern="1200"/>
+  </cs:chartArea>
+  <cs:dataLabel>
+    <cs:lnRef idx="0"/>
+    <cs:fillRef idx="0"/>
+    <cs:effectRef idx="0"/>
+    <cs:fontRef idx="minor">
+      <a:schemeClr val="tx1">
+        <a:lumMod val="75000"/>
+        <a:lumOff val="25000"/>
+      </a:schemeClr>
+    </cs:fontRef>
+    <cs:defRPr sz="1197" kern="1200"/>
+  </cs:dataLabel>
+  <cs:dataLabelCallout>
+    <cs:lnRef idx="0"/>
+    <cs:fillRef idx="0"/>
+    <cs:effectRef idx="0"/>
+    <cs:fontRef idx="minor">
+      <a:schemeClr val="dk1">
+        <a:lumMod val="65000"/>
+        <a:lumOff val="35000"/>
+      </a:schemeClr>
+    </cs:fontRef>
+    <cs:spPr>
+      <a:solidFill>
+        <a:schemeClr val="lt1"/>
+      </a:solidFill>
+      <a:ln>
+        <a:solidFill>
+          <a:schemeClr val="dk1">
+            <a:lumMod val="25000"/>
+            <a:lumOff val="75000"/>
+          </a:schemeClr>
+        </a:solidFill>
+      </a:ln>
+    </cs:spPr>
+    <cs:defRPr sz="1197" kern="1200"/>
+    <cs:bodyPr rot="0" spcFirstLastPara="1" vertOverflow="clip" horzOverflow="clip" vert="horz" wrap="square" lIns="36576" tIns="18288" rIns="36576" bIns="18288" anchor="ctr" anchorCtr="1">
+      <a:spAutoFit/>
+    </cs:bodyPr>
+  </cs:dataLabelCallout>
+  <cs:dataPoint>
+    <cs:lnRef idx="0"/>
+    <cs:fillRef idx="1">
+      <cs:styleClr val="auto"/>
+    </cs:fillRef>
+    <cs:effectRef idx="0"/>
+    <cs:fontRef idx="minor">
+      <a:schemeClr val="tx1"/>
+    </cs:fontRef>
+  </cs:dataPoint>
+  <cs:dataPoint3D>
+    <cs:lnRef idx="0"/>
+    <cs:fillRef idx="1">
+      <cs:styleClr val="auto"/>
+    </cs:fillRef>
+    <cs:effectRef idx="0"/>
+    <cs:fontRef idx="minor">
+      <a:schemeClr val="tx1"/>
+    </cs:fontRef>
+  </cs:dataPoint3D>
+  <cs:dataPointLine>
+    <cs:lnRef idx="0">
+      <cs:styleClr val="auto"/>
+    </cs:lnRef>
+    <cs:fillRef idx="1"/>
+    <cs:effectRef idx="0"/>
+    <cs:fontRef idx="minor">
+      <a:schemeClr val="tx1"/>
+    </cs:fontRef>
+    <cs:spPr>
+      <a:ln w="28575" cap="rnd">
+        <a:solidFill>
+          <a:schemeClr val="phClr"/>
+        </a:solidFill>
+        <a:round/>
+      </a:ln>
+    </cs:spPr>
+  </cs:dataPointLine>
+  <cs:dataPointMarker>
+    <cs:lnRef idx="0">
+      <cs:styleClr val="auto"/>
+    </cs:lnRef>
+    <cs:fillRef idx="1">
+      <cs:styleClr val="auto"/>
+    </cs:fillRef>
+    <cs:effectRef idx="0"/>
+    <cs:fontRef idx="minor">
+      <a:schemeClr val="tx1"/>
+    </cs:fontRef>
+    <cs:spPr>
+      <a:ln w="9525">
+        <a:solidFill>
+          <a:schemeClr val="phClr"/>
+        </a:solidFill>
+      </a:ln>
+    </cs:spPr>
+  </cs:dataPointMarker>
+  <cs:dataPointMarkerLayout symbol="circle" size="5"/>
+  <cs:dataPointWireframe>
+    <cs:lnRef idx="0">
+      <cs:styleClr val="auto"/>
+    </cs:lnRef>
+    <cs:fillRef idx="1"/>
+    <cs:effectRef idx="0"/>
+    <cs:fontRef idx="minor">
+      <a:schemeClr val="tx1"/>
+    </cs:fontRef>
+    <cs:spPr>
+      <a:ln w="9525" cap="rnd">
+        <a:solidFill>
+          <a:schemeClr val="phClr"/>
+        </a:solidFill>
+        <a:round/>
+      </a:ln>
+    </cs:spPr>
+  </cs:dataPointWireframe>
+  <cs:dataTable>
+    <cs:lnRef idx="0"/>
+    <cs:fillRef idx="0"/>
+    <cs:effectRef idx="0"/>
+    <cs:fontRef idx="minor">
+      <a:schemeClr val="tx1">
+        <a:lumMod val="65000"/>
+        <a:lumOff val="35000"/>
+      </a:schemeClr>
+    </cs:fontRef>
+    <cs:spPr>
+      <a:noFill/>
+      <a:ln w="9525" cap="flat" cmpd="sng" algn="ctr">
+        <a:solidFill>
+          <a:schemeClr val="tx1">
+            <a:lumMod val="15000"/>
+            <a:lumOff val="85000"/>
+          </a:schemeClr>
+        </a:solidFill>
+        <a:round/>
+      </a:ln>
+    </cs:spPr>
+    <cs:defRPr sz="1197" kern="1200"/>
+  </cs:dataTable>
+  <cs:downBar>
+    <cs:lnRef idx="0"/>
+    <cs:fillRef idx="0"/>
+    <cs:effectRef idx="0"/>
+    <cs:fontRef idx="minor">
+      <a:schemeClr val="dk1"/>
+    </cs:fontRef>
+    <cs:spPr>
+      <a:solidFill>
+        <a:schemeClr val="dk1">
+          <a:lumMod val="65000"/>
+          <a:lumOff val="35000"/>
+        </a:schemeClr>
+      </a:solidFill>
+      <a:ln w="9525">
+        <a:solidFill>
+          <a:schemeClr val="tx1">
+            <a:lumMod val="65000"/>
+            <a:lumOff val="35000"/>
+          </a:schemeClr>
+        </a:solidFill>
+      </a:ln>
+    </cs:spPr>
+  </cs:downBar>
+  <cs:dropLine>
+    <cs:lnRef idx="0"/>
+    <cs:fillRef idx="0"/>
+    <cs:effectRef idx="0"/>
+    <cs:fontRef idx="minor">
+      <a:schemeClr val="tx1"/>
+    </cs:fontRef>
+    <cs:spPr>
+      <a:ln w="9525" cap="flat" cmpd="sng" algn="ctr">
+        <a:solidFill>
+          <a:schemeClr val="tx1">
+            <a:lumMod val="35000"/>
+            <a:lumOff val="65000"/>
+          </a:schemeClr>
+        </a:solidFill>
+        <a:round/>
+      </a:ln>
+    </cs:spPr>
+  </cs:dropLine>
+  <cs:errorBar>
+    <cs:lnRef idx="0"/>
+    <cs:fillRef idx="0"/>
+    <cs:effectRef idx="0"/>
+    <cs:fontRef idx="minor">
+      <a:schemeClr val="tx1"/>
+    </cs:fontRef>
+    <cs:spPr>
+      <a:ln w="9525" cap="flat" cmpd="sng" algn="ctr">
+        <a:solidFill>
+          <a:schemeClr val="tx1">
+            <a:lumMod val="65000"/>
+            <a:lumOff val="35000"/>
+          </a:schemeClr>
+        </a:solidFill>
+        <a:round/>
+      </a:ln>
+    </cs:spPr>
+  </cs:errorBar>
+  <cs:floor>
+    <cs:lnRef idx="0"/>
+    <cs:fillRef idx="0"/>
+    <cs:effectRef idx="0"/>
+    <cs:fontRef idx="minor">
+      <a:schemeClr val="tx1"/>
+    </cs:fontRef>
+    <cs:spPr>
+      <a:noFill/>
+      <a:ln>
+        <a:noFill/>
+      </a:ln>
+    </cs:spPr>
+  </cs:floor>
+  <cs:gridlineMajor>
+    <cs:lnRef idx="0"/>
+    <cs:fillRef idx="0"/>
+    <cs:effectRef idx="0"/>
+    <cs:fontRef idx="minor">
+      <a:schemeClr val="tx1"/>
+    </cs:fontRef>
+    <cs:spPr>
+      <a:ln w="9525" cap="flat" cmpd="sng" algn="ctr">
+        <a:solidFill>
+          <a:schemeClr val="tx1">
+            <a:lumMod val="15000"/>
+            <a:lumOff val="85000"/>
+          </a:schemeClr>
+        </a:solidFill>
+        <a:round/>
+      </a:ln>
+    </cs:spPr>
+  </cs:gridlineMajor>
+  <cs:gridlineMinor>
+    <cs:lnRef idx="0"/>
+    <cs:fillRef idx="0"/>
+    <cs:effectRef idx="0"/>
+    <cs:fontRef idx="minor">
+      <a:schemeClr val="tx1"/>
+    </cs:fontRef>
+    <cs:spPr>
+      <a:ln w="9525" cap="flat" cmpd="sng" algn="ctr">
+        <a:solidFill>
+          <a:schemeClr val="tx1">
+            <a:lumMod val="5000"/>
+            <a:lumOff val="95000"/>
+          </a:schemeClr>
+        </a:solidFill>
+        <a:round/>
+      </a:ln>
+    </cs:spPr>
+  </cs:gridlineMinor>
+  <cs:hiLoLine>
+    <cs:lnRef idx="0"/>
+    <cs:fillRef idx="0"/>
+    <cs:effectRef idx="0"/>
+    <cs:fontRef idx="minor">
+      <a:schemeClr val="tx1"/>
+    </cs:fontRef>
+    <cs:spPr>
+      <a:ln w="9525" cap="flat" cmpd="sng" algn="ctr">
+        <a:solidFill>
+          <a:schemeClr val="tx1">
+            <a:lumMod val="75000"/>
+            <a:lumOff val="25000"/>
+          </a:schemeClr>
+        </a:solidFill>
+        <a:round/>
+      </a:ln>
+    </cs:spPr>
+  </cs:hiLoLine>
+  <cs:leaderLine>
+    <cs:lnRef idx="0"/>
+    <cs:fillRef idx="0"/>
+    <cs:effectRef idx="0"/>
+    <cs:fontRef idx="minor">
+      <a:schemeClr val="tx1"/>
+    </cs:fontRef>
+    <cs:spPr>
+      <a:ln w="9525" cap="flat" cmpd="sng" algn="ctr">
+        <a:solidFill>
+          <a:schemeClr val="tx1">
+            <a:lumMod val="35000"/>
+            <a:lumOff val="65000"/>
+          </a:schemeClr>
+        </a:solidFill>
+        <a:round/>
+      </a:ln>
+    </cs:spPr>
+  </cs:leaderLine>
+  <cs:legend>
+    <cs:lnRef idx="0"/>
+    <cs:fillRef idx="0"/>
+    <cs:effectRef idx="0"/>
+    <cs:fontRef idx="minor">
+      <a:schemeClr val="tx1">
+        <a:lumMod val="65000"/>
+        <a:lumOff val="35000"/>
+      </a:schemeClr>
+    </cs:fontRef>
+    <cs:defRPr sz="1197" kern="1200"/>
+  </cs:legend>
+  <cs:plotArea mods="allowNoFillOverride allowNoLineOverride">
+    <cs:lnRef idx="0"/>
+    <cs:fillRef idx="0"/>
+    <cs:effectRef idx="0"/>
+    <cs:fontRef idx="minor">
+      <a:schemeClr val="tx1"/>
+    </cs:fontRef>
+  </cs:plotArea>
+  <cs:plotArea3D mods="allowNoFillOverride allowNoLineOverride">
+    <cs:lnRef idx="0"/>
+    <cs:fillRef idx="0"/>
+    <cs:effectRef idx="0"/>
+    <cs:fontRef idx="minor">
+      <a:schemeClr val="tx1"/>
+    </cs:fontRef>
+  </cs:plotArea3D>
+  <cs:seriesAxis>
+    <cs:lnRef idx="0"/>
+    <cs:fillRef idx="0"/>
+    <cs:effectRef idx="0"/>
+    <cs:fontRef idx="minor">
+      <a:schemeClr val="tx1">
+        <a:lumMod val="65000"/>
+        <a:lumOff val="35000"/>
+      </a:schemeClr>
+    </cs:fontRef>
+    <cs:defRPr sz="1197" kern="1200"/>
+  </cs:seriesAxis>
+  <cs:seriesLine>
+    <cs:lnRef idx="0"/>
+    <cs:fillRef idx="0"/>
+    <cs:effectRef idx="0"/>
+    <cs:fontRef idx="minor">
+      <a:schemeClr val="tx1"/>
+    </cs:fontRef>
+    <cs:spPr>
+      <a:ln w="9525" cap="flat" cmpd="sng" algn="ctr">
+        <a:solidFill>
+          <a:schemeClr val="tx1">
+            <a:lumMod val="35000"/>
+            <a:lumOff val="65000"/>
+          </a:schemeClr>
+        </a:solidFill>
+        <a:round/>
+      </a:ln>
+    </cs:spPr>
+  </cs:seriesLine>
+  <cs:title>
+    <cs:lnRef idx="0"/>
+    <cs:fillRef idx="0"/>
+    <cs:effectRef idx="0"/>
+    <cs:fontRef idx="minor">
+      <a:schemeClr val="tx1">
+        <a:lumMod val="65000"/>
+        <a:lumOff val="35000"/>
+      </a:schemeClr>
+    </cs:fontRef>
+    <cs:defRPr sz="1862" b="0" kern="1200" spc="0" baseline="0"/>
+  </cs:title>
+  <cs:trendline>
+    <cs:lnRef idx="0">
+      <cs:styleClr val="auto"/>
+    </cs:lnRef>
+    <cs:fillRef idx="0"/>
+    <cs:effectRef idx="0"/>
+    <cs:fontRef idx="minor">
+      <a:schemeClr val="tx1"/>
+    </cs:fontRef>
+    <cs:spPr>
+      <a:ln w="19050" cap="rnd">
+        <a:solidFill>
+          <a:schemeClr val="phClr"/>
+        </a:solidFill>
+        <a:prstDash val="sysDot"/>
+      </a:ln>
+    </cs:spPr>
+  </cs:trendline>
+  <cs:trendlineLabel>
+    <cs:lnRef idx="0"/>
+    <cs:fillRef idx="0"/>
+    <cs:effectRef idx="0"/>
+    <cs:fontRef idx="minor">
+      <a:schemeClr val="tx1">
+        <a:lumMod val="65000"/>
+        <a:lumOff val="35000"/>
+      </a:schemeClr>
+    </cs:fontRef>
+    <cs:defRPr sz="1197" kern="1200"/>
+  </cs:trendlineLabel>
+  <cs:upBar>
+    <cs:lnRef idx="0"/>
+    <cs:fillRef idx="0"/>
+    <cs:effectRef idx="0"/>
+    <cs:fontRef idx="minor">
+      <a:schemeClr val="dk1"/>
+    </cs:fontRef>
+    <cs:spPr>
+      <a:solidFill>
+        <a:schemeClr val="lt1"/>
+      </a:solidFill>
+      <a:ln w="9525">
+        <a:solidFill>
+          <a:schemeClr val="tx1">
+            <a:lumMod val="15000"/>
+            <a:lumOff val="85000"/>
+          </a:schemeClr>
+        </a:solidFill>
+      </a:ln>
+    </cs:spPr>
+  </cs:upBar>
+  <cs:valueAxis>
+    <cs:lnRef idx="0"/>
+    <cs:fillRef idx="0"/>
+    <cs:effectRef idx="0"/>
+    <cs:fontRef idx="minor">
+      <a:schemeClr val="tx1">
+        <a:lumMod val="65000"/>
+        <a:lumOff val="35000"/>
+      </a:schemeClr>
+    </cs:fontRef>
+    <cs:defRPr sz="1197" kern="1200"/>
+  </cs:valueAxis>
+  <cs:wall>
+    <cs:lnRef idx="0"/>
+    <cs:fillRef idx="0"/>
+    <cs:effectRef idx="0"/>
+    <cs:fontRef idx="minor">
+      <a:schemeClr val="tx1"/>
+    </cs:fontRef>
+    <cs:spPr>
+      <a:noFill/>
+      <a:ln>
+        <a:noFill/>
+      </a:ln>
+    </cs:spPr>
+  </cs:wall>
+</cs:chartStyle>
+</file>
+
+<file path=ppt/charts/style4.xml><?xml version="1.0" encoding="utf-8"?>
+<cs:chartStyle xmlns:cs="http://schemas.microsoft.com/office/drawing/2012/chartStyle" xmlns:a="http://schemas.openxmlformats.org/drawingml/2006/main" id="201">
+  <cs:axisTitle>
+    <cs:lnRef idx="0"/>
+    <cs:fillRef idx="0"/>
+    <cs:effectRef idx="0"/>
+    <cs:fontRef idx="minor">
+      <a:schemeClr val="tx1">
+        <a:lumMod val="65000"/>
+        <a:lumOff val="35000"/>
+      </a:schemeClr>
+    </cs:fontRef>
+    <cs:defRPr sz="1330" kern="1200"/>
+  </cs:axisTitle>
+  <cs:categoryAxis>
+    <cs:lnRef idx="0"/>
+    <cs:fillRef idx="0"/>
+    <cs:effectRef idx="0"/>
+    <cs:fontRef idx="minor">
+      <a:schemeClr val="tx1">
+        <a:lumMod val="65000"/>
+        <a:lumOff val="35000"/>
+      </a:schemeClr>
+    </cs:fontRef>
+    <cs:spPr>
+      <a:ln w="9525" cap="flat" cmpd="sng" algn="ctr">
+        <a:solidFill>
+          <a:schemeClr val="tx1">
+            <a:lumMod val="15000"/>
+            <a:lumOff val="85000"/>
+          </a:schemeClr>
+        </a:solidFill>
+        <a:round/>
+      </a:ln>
+    </cs:spPr>
+    <cs:defRPr sz="1197" kern="1200"/>
+  </cs:categoryAxis>
+  <cs:chartArea mods="allowNoFillOverride allowNoLineOverride">
+    <cs:lnRef idx="0"/>
+    <cs:fillRef idx="0"/>
+    <cs:effectRef idx="0"/>
+    <cs:fontRef idx="minor">
+      <a:schemeClr val="tx1"/>
+    </cs:fontRef>
+    <cs:spPr>
+      <a:solidFill>
+        <a:schemeClr val="bg1"/>
+      </a:solidFill>
+      <a:ln w="9525" cap="flat" cmpd="sng" algn="ctr">
+        <a:solidFill>
+          <a:schemeClr val="tx1">
+            <a:lumMod val="15000"/>
+            <a:lumOff val="85000"/>
+          </a:schemeClr>
+        </a:solidFill>
+        <a:round/>
+      </a:ln>
+    </cs:spPr>
+    <cs:defRPr sz="1330" kern="1200"/>
+  </cs:chartArea>
+  <cs:dataLabel>
+    <cs:lnRef idx="0"/>
+    <cs:fillRef idx="0"/>
+    <cs:effectRef idx="0"/>
+    <cs:fontRef idx="minor">
+      <a:schemeClr val="tx1">
+        <a:lumMod val="75000"/>
+        <a:lumOff val="25000"/>
+      </a:schemeClr>
+    </cs:fontRef>
+    <cs:defRPr sz="1197" kern="1200"/>
+  </cs:dataLabel>
+  <cs:dataLabelCallout>
+    <cs:lnRef idx="0"/>
+    <cs:fillRef idx="0"/>
+    <cs:effectRef idx="0"/>
+    <cs:fontRef idx="minor">
+      <a:schemeClr val="dk1">
+        <a:lumMod val="65000"/>
+        <a:lumOff val="35000"/>
+      </a:schemeClr>
+    </cs:fontRef>
+    <cs:spPr>
+      <a:solidFill>
+        <a:schemeClr val="lt1"/>
+      </a:solidFill>
+      <a:ln>
+        <a:solidFill>
+          <a:schemeClr val="dk1">
+            <a:lumMod val="25000"/>
+            <a:lumOff val="75000"/>
+          </a:schemeClr>
+        </a:solidFill>
+      </a:ln>
+    </cs:spPr>
+    <cs:defRPr sz="1197" kern="1200"/>
+    <cs:bodyPr rot="0" spcFirstLastPara="1" vertOverflow="clip" horzOverflow="clip" vert="horz" wrap="square" lIns="36576" tIns="18288" rIns="36576" bIns="18288" anchor="ctr" anchorCtr="1">
+      <a:spAutoFit/>
+    </cs:bodyPr>
+  </cs:dataLabelCallout>
+  <cs:dataPoint>
+    <cs:lnRef idx="0"/>
+    <cs:fillRef idx="1">
+      <cs:styleClr val="auto"/>
+    </cs:fillRef>
+    <cs:effectRef idx="0"/>
+    <cs:fontRef idx="minor">
+      <a:schemeClr val="tx1"/>
+    </cs:fontRef>
+  </cs:dataPoint>
+  <cs:dataPoint3D>
+    <cs:lnRef idx="0"/>
+    <cs:fillRef idx="1">
+      <cs:styleClr val="auto"/>
+    </cs:fillRef>
+    <cs:effectRef idx="0"/>
+    <cs:fontRef idx="minor">
+      <a:schemeClr val="tx1"/>
+    </cs:fontRef>
+  </cs:dataPoint3D>
+  <cs:dataPointLine>
+    <cs:lnRef idx="0">
+      <cs:styleClr val="auto"/>
+    </cs:lnRef>
+    <cs:fillRef idx="1"/>
+    <cs:effectRef idx="0"/>
+    <cs:fontRef idx="minor">
+      <a:schemeClr val="tx1"/>
+    </cs:fontRef>
+    <cs:spPr>
+      <a:ln w="28575" cap="rnd">
+        <a:solidFill>
+          <a:schemeClr val="phClr"/>
+        </a:solidFill>
+        <a:round/>
+      </a:ln>
+    </cs:spPr>
+  </cs:dataPointLine>
+  <cs:dataPointMarker>
+    <cs:lnRef idx="0">
+      <cs:styleClr val="auto"/>
+    </cs:lnRef>
+    <cs:fillRef idx="1">
+      <cs:styleClr val="auto"/>
+    </cs:fillRef>
+    <cs:effectRef idx="0"/>
+    <cs:fontRef idx="minor">
+      <a:schemeClr val="tx1"/>
+    </cs:fontRef>
+    <cs:spPr>
+      <a:ln w="9525">
+        <a:solidFill>
+          <a:schemeClr val="phClr"/>
+        </a:solidFill>
+      </a:ln>
+    </cs:spPr>
+  </cs:dataPointMarker>
+  <cs:dataPointMarkerLayout symbol="circle" size="5"/>
+  <cs:dataPointWireframe>
+    <cs:lnRef idx="0">
+      <cs:styleClr val="auto"/>
+    </cs:lnRef>
+    <cs:fillRef idx="1"/>
+    <cs:effectRef idx="0"/>
+    <cs:fontRef idx="minor">
+      <a:schemeClr val="tx1"/>
+    </cs:fontRef>
+    <cs:spPr>
+      <a:ln w="9525" cap="rnd">
+        <a:solidFill>
+          <a:schemeClr val="phClr"/>
+        </a:solidFill>
+        <a:round/>
+      </a:ln>
+    </cs:spPr>
+  </cs:dataPointWireframe>
+  <cs:dataTable>
+    <cs:lnRef idx="0"/>
+    <cs:fillRef idx="0"/>
+    <cs:effectRef idx="0"/>
+    <cs:fontRef idx="minor">
+      <a:schemeClr val="tx1">
+        <a:lumMod val="65000"/>
+        <a:lumOff val="35000"/>
+      </a:schemeClr>
+    </cs:fontRef>
+    <cs:spPr>
+      <a:noFill/>
+      <a:ln w="9525" cap="flat" cmpd="sng" algn="ctr">
+        <a:solidFill>
+          <a:schemeClr val="tx1">
+            <a:lumMod val="15000"/>
+            <a:lumOff val="85000"/>
+          </a:schemeClr>
+        </a:solidFill>
+        <a:round/>
+      </a:ln>
+    </cs:spPr>
+    <cs:defRPr sz="1197" kern="1200"/>
+  </cs:dataTable>
+  <cs:downBar>
+    <cs:lnRef idx="0"/>
+    <cs:fillRef idx="0"/>
+    <cs:effectRef idx="0"/>
+    <cs:fontRef idx="minor">
+      <a:schemeClr val="dk1"/>
+    </cs:fontRef>
+    <cs:spPr>
+      <a:solidFill>
+        <a:schemeClr val="dk1">
+          <a:lumMod val="65000"/>
+          <a:lumOff val="35000"/>
+        </a:schemeClr>
+      </a:solidFill>
+      <a:ln w="9525">
+        <a:solidFill>
+          <a:schemeClr val="tx1">
+            <a:lumMod val="65000"/>
+            <a:lumOff val="35000"/>
+          </a:schemeClr>
+        </a:solidFill>
+      </a:ln>
+    </cs:spPr>
+  </cs:downBar>
+  <cs:dropLine>
+    <cs:lnRef idx="0"/>
+    <cs:fillRef idx="0"/>
+    <cs:effectRef idx="0"/>
+    <cs:fontRef idx="minor">
+      <a:schemeClr val="tx1"/>
+    </cs:fontRef>
+    <cs:spPr>
+      <a:ln w="9525" cap="flat" cmpd="sng" algn="ctr">
+        <a:solidFill>
+          <a:schemeClr val="tx1">
+            <a:lumMod val="35000"/>
+            <a:lumOff val="65000"/>
+          </a:schemeClr>
+        </a:solidFill>
+        <a:round/>
+      </a:ln>
+    </cs:spPr>
+  </cs:dropLine>
+  <cs:errorBar>
+    <cs:lnRef idx="0"/>
+    <cs:fillRef idx="0"/>
+    <cs:effectRef idx="0"/>
+    <cs:fontRef idx="minor">
+      <a:schemeClr val="tx1"/>
+    </cs:fontRef>
+    <cs:spPr>
+      <a:ln w="9525" cap="flat" cmpd="sng" algn="ctr">
+        <a:solidFill>
+          <a:schemeClr val="tx1">
+            <a:lumMod val="65000"/>
+            <a:lumOff val="35000"/>
+          </a:schemeClr>
+        </a:solidFill>
+        <a:round/>
+      </a:ln>
+    </cs:spPr>
+  </cs:errorBar>
+  <cs:floor>
+    <cs:lnRef idx="0"/>
+    <cs:fillRef idx="0"/>
+    <cs:effectRef idx="0"/>
+    <cs:fontRef idx="minor">
+      <a:schemeClr val="tx1"/>
+    </cs:fontRef>
+    <cs:spPr>
+      <a:noFill/>
+      <a:ln>
+        <a:noFill/>
+      </a:ln>
+    </cs:spPr>
+  </cs:floor>
+  <cs:gridlineMajor>
+    <cs:lnRef idx="0"/>
+    <cs:fillRef idx="0"/>
+    <cs:effectRef idx="0"/>
+    <cs:fontRef idx="minor">
+      <a:schemeClr val="tx1"/>
+    </cs:fontRef>
+    <cs:spPr>
+      <a:ln w="9525" cap="flat" cmpd="sng" algn="ctr">
+        <a:solidFill>
+          <a:schemeClr val="tx1">
+            <a:lumMod val="15000"/>
+            <a:lumOff val="85000"/>
+          </a:schemeClr>
+        </a:solidFill>
+        <a:round/>
+      </a:ln>
+    </cs:spPr>
+  </cs:gridlineMajor>
+  <cs:gridlineMinor>
+    <cs:lnRef idx="0"/>
+    <cs:fillRef idx="0"/>
+    <cs:effectRef idx="0"/>
+    <cs:fontRef idx="minor">
+      <a:schemeClr val="tx1"/>
+    </cs:fontRef>
+    <cs:spPr>
+      <a:ln w="9525" cap="flat" cmpd="sng" algn="ctr">
+        <a:solidFill>
+          <a:schemeClr val="tx1">
+            <a:lumMod val="5000"/>
+            <a:lumOff val="95000"/>
+          </a:schemeClr>
+        </a:solidFill>
+        <a:round/>
+      </a:ln>
+    </cs:spPr>
+  </cs:gridlineMinor>
+  <cs:hiLoLine>
+    <cs:lnRef idx="0"/>
+    <cs:fillRef idx="0"/>
+    <cs:effectRef idx="0"/>
+    <cs:fontRef idx="minor">
+      <a:schemeClr val="tx1"/>
+    </cs:fontRef>
+    <cs:spPr>
+      <a:ln w="9525" cap="flat" cmpd="sng" algn="ctr">
+        <a:solidFill>
+          <a:schemeClr val="tx1">
+            <a:lumMod val="75000"/>
+            <a:lumOff val="25000"/>
+          </a:schemeClr>
+        </a:solidFill>
+        <a:round/>
+      </a:ln>
+    </cs:spPr>
+  </cs:hiLoLine>
+  <cs:leaderLine>
+    <cs:lnRef idx="0"/>
+    <cs:fillRef idx="0"/>
+    <cs:effectRef idx="0"/>
+    <cs:fontRef idx="minor">
+      <a:schemeClr val="tx1"/>
+    </cs:fontRef>
+    <cs:spPr>
+      <a:ln w="9525" cap="flat" cmpd="sng" algn="ctr">
+        <a:solidFill>
+          <a:schemeClr val="tx1">
+            <a:lumMod val="35000"/>
+            <a:lumOff val="65000"/>
+          </a:schemeClr>
+        </a:solidFill>
+        <a:round/>
+      </a:ln>
+    </cs:spPr>
+  </cs:leaderLine>
+  <cs:legend>
+    <cs:lnRef idx="0"/>
+    <cs:fillRef idx="0"/>
+    <cs:effectRef idx="0"/>
+    <cs:fontRef idx="minor">
+      <a:schemeClr val="tx1">
+        <a:lumMod val="65000"/>
+        <a:lumOff val="35000"/>
+      </a:schemeClr>
+    </cs:fontRef>
+    <cs:defRPr sz="1197" kern="1200"/>
+  </cs:legend>
+  <cs:plotArea mods="allowNoFillOverride allowNoLineOverride">
+    <cs:lnRef idx="0"/>
+    <cs:fillRef idx="0"/>
+    <cs:effectRef idx="0"/>
+    <cs:fontRef idx="minor">
+      <a:schemeClr val="tx1"/>
+    </cs:fontRef>
+  </cs:plotArea>
+  <cs:plotArea3D mods="allowNoFillOverride allowNoLineOverride">
+    <cs:lnRef idx="0"/>
+    <cs:fillRef idx="0"/>
+    <cs:effectRef idx="0"/>
+    <cs:fontRef idx="minor">
+      <a:schemeClr val="tx1"/>
+    </cs:fontRef>
+  </cs:plotArea3D>
+  <cs:seriesAxis>
+    <cs:lnRef idx="0"/>
+    <cs:fillRef idx="0"/>
+    <cs:effectRef idx="0"/>
+    <cs:fontRef idx="minor">
+      <a:schemeClr val="tx1">
+        <a:lumMod val="65000"/>
+        <a:lumOff val="35000"/>
+      </a:schemeClr>
+    </cs:fontRef>
+    <cs:defRPr sz="1197" kern="1200"/>
+  </cs:seriesAxis>
+  <cs:seriesLine>
+    <cs:lnRef idx="0"/>
+    <cs:fillRef idx="0"/>
+    <cs:effectRef idx="0"/>
+    <cs:fontRef idx="minor">
+      <a:schemeClr val="tx1"/>
+    </cs:fontRef>
+    <cs:spPr>
+      <a:ln w="9525" cap="flat" cmpd="sng" algn="ctr">
+        <a:solidFill>
+          <a:schemeClr val="tx1">
+            <a:lumMod val="35000"/>
+            <a:lumOff val="65000"/>
+          </a:schemeClr>
+        </a:solidFill>
+        <a:round/>
+      </a:ln>
+    </cs:spPr>
+  </cs:seriesLine>
+  <cs:title>
+    <cs:lnRef idx="0"/>
+    <cs:fillRef idx="0"/>
+    <cs:effectRef idx="0"/>
+    <cs:fontRef idx="minor">
+      <a:schemeClr val="tx1">
+        <a:lumMod val="65000"/>
+        <a:lumOff val="35000"/>
+      </a:schemeClr>
+    </cs:fontRef>
+    <cs:defRPr sz="1862" b="0" kern="1200" spc="0" baseline="0"/>
+  </cs:title>
+  <cs:trendline>
+    <cs:lnRef idx="0">
+      <cs:styleClr val="auto"/>
+    </cs:lnRef>
+    <cs:fillRef idx="0"/>
+    <cs:effectRef idx="0"/>
+    <cs:fontRef idx="minor">
+      <a:schemeClr val="tx1"/>
+    </cs:fontRef>
+    <cs:spPr>
+      <a:ln w="19050" cap="rnd">
+        <a:solidFill>
+          <a:schemeClr val="phClr"/>
+        </a:solidFill>
+        <a:prstDash val="sysDot"/>
+      </a:ln>
+    </cs:spPr>
+  </cs:trendline>
+  <cs:trendlineLabel>
+    <cs:lnRef idx="0"/>
+    <cs:fillRef idx="0"/>
+    <cs:effectRef idx="0"/>
+    <cs:fontRef idx="minor">
+      <a:schemeClr val="tx1">
+        <a:lumMod val="65000"/>
+        <a:lumOff val="35000"/>
+      </a:schemeClr>
+    </cs:fontRef>
+    <cs:defRPr sz="1197" kern="1200"/>
+  </cs:trendlineLabel>
+  <cs:upBar>
+    <cs:lnRef idx="0"/>
+    <cs:fillRef idx="0"/>
+    <cs:effectRef idx="0"/>
+    <cs:fontRef idx="minor">
+      <a:schemeClr val="dk1"/>
+    </cs:fontRef>
+    <cs:spPr>
+      <a:solidFill>
+        <a:schemeClr val="lt1"/>
+      </a:solidFill>
+      <a:ln w="9525">
+        <a:solidFill>
+          <a:schemeClr val="tx1">
+            <a:lumMod val="15000"/>
+            <a:lumOff val="85000"/>
+          </a:schemeClr>
+        </a:solidFill>
+      </a:ln>
+    </cs:spPr>
+  </cs:upBar>
+  <cs:valueAxis>
+    <cs:lnRef idx="0"/>
+    <cs:fillRef idx="0"/>
+    <cs:effectRef idx="0"/>
+    <cs:fontRef idx="minor">
+      <a:schemeClr val="tx1">
+        <a:lumMod val="65000"/>
+        <a:lumOff val="35000"/>
+      </a:schemeClr>
+    </cs:fontRef>
+    <cs:defRPr sz="1197" kern="1200"/>
+  </cs:valueAxis>
+  <cs:wall>
+    <cs:lnRef idx="0"/>
+    <cs:fillRef idx="0"/>
+    <cs:effectRef idx="0"/>
+    <cs:fontRef idx="minor">
+      <a:schemeClr val="tx1"/>
+    </cs:fontRef>
+    <cs:spPr>
+      <a:noFill/>
+      <a:ln>
+        <a:noFill/>
+      </a:ln>
+    </cs:spPr>
+  </cs:wall>
+</cs:chartStyle>
+</file>
+
+<file path=ppt/charts/style5.xml><?xml version="1.0" encoding="utf-8"?>
+<cs:chartStyle xmlns:cs="http://schemas.microsoft.com/office/drawing/2012/chartStyle" xmlns:a="http://schemas.openxmlformats.org/drawingml/2006/main" id="201">
+  <cs:axisTitle>
+    <cs:lnRef idx="0"/>
+    <cs:fillRef idx="0"/>
+    <cs:effectRef idx="0"/>
+    <cs:fontRef idx="minor">
+      <a:schemeClr val="tx1">
+        <a:lumMod val="65000"/>
+        <a:lumOff val="35000"/>
+      </a:schemeClr>
+    </cs:fontRef>
+    <cs:defRPr sz="1330" kern="1200"/>
+  </cs:axisTitle>
+  <cs:categoryAxis>
+    <cs:lnRef idx="0"/>
+    <cs:fillRef idx="0"/>
+    <cs:effectRef idx="0"/>
+    <cs:fontRef idx="minor">
+      <a:schemeClr val="tx1">
+        <a:lumMod val="65000"/>
+        <a:lumOff val="35000"/>
+      </a:schemeClr>
+    </cs:fontRef>
+    <cs:spPr>
+      <a:ln w="9525" cap="flat" cmpd="sng" algn="ctr">
+        <a:solidFill>
+          <a:schemeClr val="tx1">
+            <a:lumMod val="15000"/>
+            <a:lumOff val="85000"/>
+          </a:schemeClr>
+        </a:solidFill>
+        <a:round/>
+      </a:ln>
+    </cs:spPr>
+    <cs:defRPr sz="1197" kern="1200"/>
+  </cs:categoryAxis>
+  <cs:chartArea mods="allowNoFillOverride allowNoLineOverride">
+    <cs:lnRef idx="0"/>
+    <cs:fillRef idx="0"/>
+    <cs:effectRef idx="0"/>
+    <cs:fontRef idx="minor">
+      <a:schemeClr val="tx1"/>
+    </cs:fontRef>
+    <cs:spPr>
+      <a:solidFill>
+        <a:schemeClr val="bg1"/>
+      </a:solidFill>
+      <a:ln w="9525" cap="flat" cmpd="sng" algn="ctr">
+        <a:solidFill>
+          <a:schemeClr val="tx1">
+            <a:lumMod val="15000"/>
+            <a:lumOff val="85000"/>
+          </a:schemeClr>
+        </a:solidFill>
+        <a:round/>
+      </a:ln>
+    </cs:spPr>
+    <cs:defRPr sz="1330" kern="1200"/>
+  </cs:chartArea>
+  <cs:dataLabel>
+    <cs:lnRef idx="0"/>
+    <cs:fillRef idx="0"/>
+    <cs:effectRef idx="0"/>
+    <cs:fontRef idx="minor">
+      <a:schemeClr val="tx1">
+        <a:lumMod val="75000"/>
+        <a:lumOff val="25000"/>
+      </a:schemeClr>
+    </cs:fontRef>
+    <cs:defRPr sz="1197" kern="1200"/>
+  </cs:dataLabel>
+  <cs:dataLabelCallout>
+    <cs:lnRef idx="0"/>
+    <cs:fillRef idx="0"/>
+    <cs:effectRef idx="0"/>
+    <cs:fontRef idx="minor">
+      <a:schemeClr val="dk1">
+        <a:lumMod val="65000"/>
+        <a:lumOff val="35000"/>
+      </a:schemeClr>
+    </cs:fontRef>
+    <cs:spPr>
+      <a:solidFill>
+        <a:schemeClr val="lt1"/>
+      </a:solidFill>
+      <a:ln>
+        <a:solidFill>
+          <a:schemeClr val="dk1">
+            <a:lumMod val="25000"/>
+            <a:lumOff val="75000"/>
+          </a:schemeClr>
+        </a:solidFill>
+      </a:ln>
+    </cs:spPr>
+    <cs:defRPr sz="1197" kern="1200"/>
+    <cs:bodyPr rot="0" spcFirstLastPara="1" vertOverflow="clip" horzOverflow="clip" vert="horz" wrap="square" lIns="36576" tIns="18288" rIns="36576" bIns="18288" anchor="ctr" anchorCtr="1">
+      <a:spAutoFit/>
+    </cs:bodyPr>
+  </cs:dataLabelCallout>
+  <cs:dataPoint>
+    <cs:lnRef idx="0"/>
+    <cs:fillRef idx="1">
+      <cs:styleClr val="auto"/>
+    </cs:fillRef>
+    <cs:effectRef idx="0"/>
+    <cs:fontRef idx="minor">
+      <a:schemeClr val="tx1"/>
+    </cs:fontRef>
+  </cs:dataPoint>
+  <cs:dataPoint3D>
+    <cs:lnRef idx="0"/>
+    <cs:fillRef idx="1">
+      <cs:styleClr val="auto"/>
+    </cs:fillRef>
+    <cs:effectRef idx="0"/>
+    <cs:fontRef idx="minor">
+      <a:schemeClr val="tx1"/>
+    </cs:fontRef>
+  </cs:dataPoint3D>
+  <cs:dataPointLine>
+    <cs:lnRef idx="0">
+      <cs:styleClr val="auto"/>
+    </cs:lnRef>
+    <cs:fillRef idx="1"/>
+    <cs:effectRef idx="0"/>
+    <cs:fontRef idx="minor">
+      <a:schemeClr val="tx1"/>
+    </cs:fontRef>
+    <cs:spPr>
+      <a:ln w="28575" cap="rnd">
+        <a:solidFill>
+          <a:schemeClr val="phClr"/>
+        </a:solidFill>
+        <a:round/>
+      </a:ln>
+    </cs:spPr>
+  </cs:dataPointLine>
+  <cs:dataPointMarker>
+    <cs:lnRef idx="0">
+      <cs:styleClr val="auto"/>
+    </cs:lnRef>
+    <cs:fillRef idx="1">
+      <cs:styleClr val="auto"/>
+    </cs:fillRef>
+    <cs:effectRef idx="0"/>
+    <cs:fontRef idx="minor">
+      <a:schemeClr val="tx1"/>
+    </cs:fontRef>
+    <cs:spPr>
+      <a:ln w="9525">
+        <a:solidFill>
+          <a:schemeClr val="phClr"/>
+        </a:solidFill>
+      </a:ln>
+    </cs:spPr>
+  </cs:dataPointMarker>
+  <cs:dataPointMarkerLayout symbol="circle" size="5"/>
+  <cs:dataPointWireframe>
+    <cs:lnRef idx="0">
+      <cs:styleClr val="auto"/>
+    </cs:lnRef>
+    <cs:fillRef idx="1"/>
+    <cs:effectRef idx="0"/>
+    <cs:fontRef idx="minor">
+      <a:schemeClr val="tx1"/>
+    </cs:fontRef>
+    <cs:spPr>
+      <a:ln w="9525" cap="rnd">
+        <a:solidFill>
+          <a:schemeClr val="phClr"/>
+        </a:solidFill>
+        <a:round/>
+      </a:ln>
+    </cs:spPr>
+  </cs:dataPointWireframe>
+  <cs:dataTable>
+    <cs:lnRef idx="0"/>
+    <cs:fillRef idx="0"/>
+    <cs:effectRef idx="0"/>
+    <cs:fontRef idx="minor">
+      <a:schemeClr val="tx1">
+        <a:lumMod val="65000"/>
+        <a:lumOff val="35000"/>
+      </a:schemeClr>
+    </cs:fontRef>
+    <cs:spPr>
+      <a:noFill/>
+      <a:ln w="9525" cap="flat" cmpd="sng" algn="ctr">
+        <a:solidFill>
+          <a:schemeClr val="tx1">
+            <a:lumMod val="15000"/>
+            <a:lumOff val="85000"/>
+          </a:schemeClr>
+        </a:solidFill>
+        <a:round/>
+      </a:ln>
+    </cs:spPr>
+    <cs:defRPr sz="1197" kern="1200"/>
+  </cs:dataTable>
+  <cs:downBar>
+    <cs:lnRef idx="0"/>
+    <cs:fillRef idx="0"/>
+    <cs:effectRef idx="0"/>
+    <cs:fontRef idx="minor">
+      <a:schemeClr val="dk1"/>
+    </cs:fontRef>
+    <cs:spPr>
+      <a:solidFill>
+        <a:schemeClr val="dk1">
+          <a:lumMod val="65000"/>
+          <a:lumOff val="35000"/>
+        </a:schemeClr>
+      </a:solidFill>
+      <a:ln w="9525">
+        <a:solidFill>
+          <a:schemeClr val="tx1">
+            <a:lumMod val="65000"/>
+            <a:lumOff val="35000"/>
+          </a:schemeClr>
+        </a:solidFill>
+      </a:ln>
+    </cs:spPr>
+  </cs:downBar>
+  <cs:dropLine>
+    <cs:lnRef idx="0"/>
+    <cs:fillRef idx="0"/>
+    <cs:effectRef idx="0"/>
+    <cs:fontRef idx="minor">
+      <a:schemeClr val="tx1"/>
+    </cs:fontRef>
+    <cs:spPr>
+      <a:ln w="9525" cap="flat" cmpd="sng" algn="ctr">
+        <a:solidFill>
+          <a:schemeClr val="tx1">
+            <a:lumMod val="35000"/>
+            <a:lumOff val="65000"/>
+          </a:schemeClr>
+        </a:solidFill>
+        <a:round/>
+      </a:ln>
+    </cs:spPr>
+  </cs:dropLine>
+  <cs:errorBar>
+    <cs:lnRef idx="0"/>
+    <cs:fillRef idx="0"/>
+    <cs:effectRef idx="0"/>
+    <cs:fontRef idx="minor">
+      <a:schemeClr val="tx1"/>
+    </cs:fontRef>
+    <cs:spPr>
+      <a:ln w="9525" cap="flat" cmpd="sng" algn="ctr">
+        <a:solidFill>
+          <a:schemeClr val="tx1">
+            <a:lumMod val="65000"/>
+            <a:lumOff val="35000"/>
+          </a:schemeClr>
+        </a:solidFill>
+        <a:round/>
+      </a:ln>
+    </cs:spPr>
+  </cs:errorBar>
+  <cs:floor>
+    <cs:lnRef idx="0"/>
+    <cs:fillRef idx="0"/>
+    <cs:effectRef idx="0"/>
+    <cs:fontRef idx="minor">
+      <a:schemeClr val="tx1"/>
+    </cs:fontRef>
+    <cs:spPr>
+      <a:noFill/>
+      <a:ln>
+        <a:noFill/>
+      </a:ln>
+    </cs:spPr>
+  </cs:floor>
+  <cs:gridlineMajor>
+    <cs:lnRef idx="0"/>
+    <cs:fillRef idx="0"/>
+    <cs:effectRef idx="0"/>
+    <cs:fontRef idx="minor">
+      <a:schemeClr val="tx1"/>
+    </cs:fontRef>
+    <cs:spPr>
+      <a:ln w="9525" cap="flat" cmpd="sng" algn="ctr">
+        <a:solidFill>
+          <a:schemeClr val="tx1">
+            <a:lumMod val="15000"/>
+            <a:lumOff val="85000"/>
+          </a:schemeClr>
+        </a:solidFill>
+        <a:round/>
+      </a:ln>
+    </cs:spPr>
+  </cs:gridlineMajor>
+  <cs:gridlineMinor>
+    <cs:lnRef idx="0"/>
+    <cs:fillRef idx="0"/>
+    <cs:effectRef idx="0"/>
+    <cs:fontRef idx="minor">
+      <a:schemeClr val="tx1"/>
+    </cs:fontRef>
+    <cs:spPr>
+      <a:ln w="9525" cap="flat" cmpd="sng" algn="ctr">
+        <a:solidFill>
+          <a:schemeClr val="tx1">
+            <a:lumMod val="5000"/>
+            <a:lumOff val="95000"/>
+          </a:schemeClr>
+        </a:solidFill>
+        <a:round/>
+      </a:ln>
+    </cs:spPr>
+  </cs:gridlineMinor>
+  <cs:hiLoLine>
+    <cs:lnRef idx="0"/>
+    <cs:fillRef idx="0"/>
+    <cs:effectRef idx="0"/>
+    <cs:fontRef idx="minor">
+      <a:schemeClr val="tx1"/>
+    </cs:fontRef>
+    <cs:spPr>
+      <a:ln w="9525" cap="flat" cmpd="sng" algn="ctr">
+        <a:solidFill>
+          <a:schemeClr val="tx1">
+            <a:lumMod val="75000"/>
+            <a:lumOff val="25000"/>
+          </a:schemeClr>
+        </a:solidFill>
+        <a:round/>
+      </a:ln>
+    </cs:spPr>
+  </cs:hiLoLine>
+  <cs:leaderLine>
+    <cs:lnRef idx="0"/>
+    <cs:fillRef idx="0"/>
+    <cs:effectRef idx="0"/>
+    <cs:fontRef idx="minor">
+      <a:schemeClr val="tx1"/>
+    </cs:fontRef>
+    <cs:spPr>
+      <a:ln w="9525" cap="flat" cmpd="sng" algn="ctr">
+        <a:solidFill>
+          <a:schemeClr val="tx1">
+            <a:lumMod val="35000"/>
+            <a:lumOff val="65000"/>
+          </a:schemeClr>
+        </a:solidFill>
+        <a:round/>
+      </a:ln>
+    </cs:spPr>
+  </cs:leaderLine>
+  <cs:legend>
+    <cs:lnRef idx="0"/>
+    <cs:fillRef idx="0"/>
+    <cs:effectRef idx="0"/>
+    <cs:fontRef idx="minor">
+      <a:schemeClr val="tx1">
+        <a:lumMod val="65000"/>
+        <a:lumOff val="35000"/>
+      </a:schemeClr>
+    </cs:fontRef>
+    <cs:defRPr sz="1197" kern="1200"/>
+  </cs:legend>
+  <cs:plotArea mods="allowNoFillOverride allowNoLineOverride">
+    <cs:lnRef idx="0"/>
+    <cs:fillRef idx="0"/>
+    <cs:effectRef idx="0"/>
+    <cs:fontRef idx="minor">
+      <a:schemeClr val="tx1"/>
+    </cs:fontRef>
+  </cs:plotArea>
+  <cs:plotArea3D mods="allowNoFillOverride allowNoLineOverride">
+    <cs:lnRef idx="0"/>
+    <cs:fillRef idx="0"/>
+    <cs:effectRef idx="0"/>
+    <cs:fontRef idx="minor">
+      <a:schemeClr val="tx1"/>
+    </cs:fontRef>
+  </cs:plotArea3D>
+  <cs:seriesAxis>
+    <cs:lnRef idx="0"/>
+    <cs:fillRef idx="0"/>
+    <cs:effectRef idx="0"/>
+    <cs:fontRef idx="minor">
+      <a:schemeClr val="tx1">
+        <a:lumMod val="65000"/>
+        <a:lumOff val="35000"/>
+      </a:schemeClr>
+    </cs:fontRef>
+    <cs:defRPr sz="1197" kern="1200"/>
+  </cs:seriesAxis>
+  <cs:seriesLine>
+    <cs:lnRef idx="0"/>
+    <cs:fillRef idx="0"/>
+    <cs:effectRef idx="0"/>
+    <cs:fontRef idx="minor">
+      <a:schemeClr val="tx1"/>
+    </cs:fontRef>
+    <cs:spPr>
+      <a:ln w="9525" cap="flat" cmpd="sng" algn="ctr">
+        <a:solidFill>
+          <a:schemeClr val="tx1">
+            <a:lumMod val="35000"/>
+            <a:lumOff val="65000"/>
+          </a:schemeClr>
+        </a:solidFill>
+        <a:round/>
+      </a:ln>
+    </cs:spPr>
+  </cs:seriesLine>
+  <cs:title>
+    <cs:lnRef idx="0"/>
+    <cs:fillRef idx="0"/>
+    <cs:effectRef idx="0"/>
+    <cs:fontRef idx="minor">
+      <a:schemeClr val="tx1">
+        <a:lumMod val="65000"/>
+        <a:lumOff val="35000"/>
+      </a:schemeClr>
+    </cs:fontRef>
+    <cs:defRPr sz="1862" b="0" kern="1200" spc="0" baseline="0"/>
+  </cs:title>
+  <cs:trendline>
+    <cs:lnRef idx="0">
+      <cs:styleClr val="auto"/>
+    </cs:lnRef>
+    <cs:fillRef idx="0"/>
+    <cs:effectRef idx="0"/>
+    <cs:fontRef idx="minor">
+      <a:schemeClr val="tx1"/>
+    </cs:fontRef>
+    <cs:spPr>
+      <a:ln w="19050" cap="rnd">
+        <a:solidFill>
+          <a:schemeClr val="phClr"/>
+        </a:solidFill>
+        <a:prstDash val="sysDot"/>
+      </a:ln>
+    </cs:spPr>
+  </cs:trendline>
+  <cs:trendlineLabel>
+    <cs:lnRef idx="0"/>
+    <cs:fillRef idx="0"/>
+    <cs:effectRef idx="0"/>
+    <cs:fontRef idx="minor">
+      <a:schemeClr val="tx1">
+        <a:lumMod val="65000"/>
+        <a:lumOff val="35000"/>
+      </a:schemeClr>
+    </cs:fontRef>
+    <cs:defRPr sz="1197" kern="1200"/>
+  </cs:trendlineLabel>
+  <cs:upBar>
+    <cs:lnRef idx="0"/>
+    <cs:fillRef idx="0"/>
+    <cs:effectRef idx="0"/>
+    <cs:fontRef idx="minor">
+      <a:schemeClr val="dk1"/>
+    </cs:fontRef>
+    <cs:spPr>
+      <a:solidFill>
+        <a:schemeClr val="lt1"/>
+      </a:solidFill>
+      <a:ln w="9525">
+        <a:solidFill>
+          <a:schemeClr val="tx1">
+            <a:lumMod val="15000"/>
+            <a:lumOff val="85000"/>
+          </a:schemeClr>
+        </a:solidFill>
+      </a:ln>
+    </cs:spPr>
+  </cs:upBar>
+  <cs:valueAxis>
+    <cs:lnRef idx="0"/>
+    <cs:fillRef idx="0"/>
+    <cs:effectRef idx="0"/>
+    <cs:fontRef idx="minor">
+      <a:schemeClr val="tx1">
+        <a:lumMod val="65000"/>
+        <a:lumOff val="35000"/>
+      </a:schemeClr>
+    </cs:fontRef>
+    <cs:defRPr sz="1197" kern="1200"/>
+  </cs:valueAxis>
+  <cs:wall>
+    <cs:lnRef idx="0"/>
+    <cs:fillRef idx="0"/>
+    <cs:effectRef idx="0"/>
+    <cs:fontRef idx="minor">
+      <a:schemeClr val="tx1"/>
+    </cs:fontRef>
+    <cs:spPr>
+      <a:noFill/>
+      <a:ln>
+        <a:noFill/>
+      </a:ln>
+    </cs:spPr>
+  </cs:wall>
+</cs:chartStyle>
+</file>
+
+<file path=ppt/charts/style6.xml><?xml version="1.0" encoding="utf-8"?>
+<cs:chartStyle xmlns:cs="http://schemas.microsoft.com/office/drawing/2012/chartStyle" xmlns:a="http://schemas.openxmlformats.org/drawingml/2006/main" id="201">
+  <cs:axisTitle>
+    <cs:lnRef idx="0"/>
+    <cs:fillRef idx="0"/>
+    <cs:effectRef idx="0"/>
+    <cs:fontRef idx="minor">
+      <a:schemeClr val="tx1">
+        <a:lumMod val="65000"/>
+        <a:lumOff val="35000"/>
+      </a:schemeClr>
+    </cs:fontRef>
+    <cs:defRPr sz="1330" kern="1200"/>
+  </cs:axisTitle>
+  <cs:categoryAxis>
+    <cs:lnRef idx="0"/>
+    <cs:fillRef idx="0"/>
+    <cs:effectRef idx="0"/>
+    <cs:fontRef idx="minor">
+      <a:schemeClr val="tx1">
+        <a:lumMod val="65000"/>
+        <a:lumOff val="35000"/>
+      </a:schemeClr>
+    </cs:fontRef>
+    <cs:spPr>
+      <a:ln w="9525" cap="flat" cmpd="sng" algn="ctr">
+        <a:solidFill>
+          <a:schemeClr val="tx1">
+            <a:lumMod val="15000"/>
+            <a:lumOff val="85000"/>
+          </a:schemeClr>
+        </a:solidFill>
+        <a:round/>
+      </a:ln>
+    </cs:spPr>
+    <cs:defRPr sz="1197" kern="1200"/>
+  </cs:categoryAxis>
+  <cs:chartArea mods="allowNoFillOverride allowNoLineOverride">
+    <cs:lnRef idx="0"/>
+    <cs:fillRef idx="0"/>
+    <cs:effectRef idx="0"/>
+    <cs:fontRef idx="minor">
+      <a:schemeClr val="tx1"/>
+    </cs:fontRef>
+    <cs:spPr>
+      <a:solidFill>
+        <a:schemeClr val="bg1"/>
+      </a:solidFill>
+      <a:ln w="9525" cap="flat" cmpd="sng" algn="ctr">
+        <a:solidFill>
+          <a:schemeClr val="tx1">
+            <a:lumMod val="15000"/>
+            <a:lumOff val="85000"/>
+          </a:schemeClr>
+        </a:solidFill>
+        <a:round/>
+      </a:ln>
+    </cs:spPr>
+    <cs:defRPr sz="1330" kern="1200"/>
+  </cs:chartArea>
+  <cs:dataLabel>
+    <cs:lnRef idx="0"/>
+    <cs:fillRef idx="0"/>
+    <cs:effectRef idx="0"/>
+    <cs:fontRef idx="minor">
+      <a:schemeClr val="tx1">
+        <a:lumMod val="75000"/>
+        <a:lumOff val="25000"/>
+      </a:schemeClr>
+    </cs:fontRef>
+    <cs:defRPr sz="1197" kern="1200"/>
+  </cs:dataLabel>
+  <cs:dataLabelCallout>
+    <cs:lnRef idx="0"/>
+    <cs:fillRef idx="0"/>
+    <cs:effectRef idx="0"/>
+    <cs:fontRef idx="minor">
+      <a:schemeClr val="dk1">
+        <a:lumMod val="65000"/>
+        <a:lumOff val="35000"/>
+      </a:schemeClr>
+    </cs:fontRef>
+    <cs:spPr>
+      <a:solidFill>
+        <a:schemeClr val="lt1"/>
+      </a:solidFill>
+      <a:ln>
+        <a:solidFill>
+          <a:schemeClr val="dk1">
+            <a:lumMod val="25000"/>
+            <a:lumOff val="75000"/>
+          </a:schemeClr>
+        </a:solidFill>
+      </a:ln>
+    </cs:spPr>
+    <cs:defRPr sz="1197" kern="1200"/>
+    <cs:bodyPr rot="0" spcFirstLastPara="1" vertOverflow="clip" horzOverflow="clip" vert="horz" wrap="square" lIns="36576" tIns="18288" rIns="36576" bIns="18288" anchor="ctr" anchorCtr="1">
+      <a:spAutoFit/>
+    </cs:bodyPr>
+  </cs:dataLabelCallout>
+  <cs:dataPoint>
+    <cs:lnRef idx="0"/>
+    <cs:fillRef idx="1">
+      <cs:styleClr val="auto"/>
+    </cs:fillRef>
+    <cs:effectRef idx="0"/>
+    <cs:fontRef idx="minor">
+      <a:schemeClr val="tx1"/>
+    </cs:fontRef>
+  </cs:dataPoint>
+  <cs:dataPoint3D>
+    <cs:lnRef idx="0"/>
+    <cs:fillRef idx="1">
+      <cs:styleClr val="auto"/>
+    </cs:fillRef>
+    <cs:effectRef idx="0"/>
+    <cs:fontRef idx="minor">
+      <a:schemeClr val="tx1"/>
+    </cs:fontRef>
+  </cs:dataPoint3D>
+  <cs:dataPointLine>
+    <cs:lnRef idx="0">
+      <cs:styleClr val="auto"/>
+    </cs:lnRef>
+    <cs:fillRef idx="1"/>
+    <cs:effectRef idx="0"/>
+    <cs:fontRef idx="minor">
+      <a:schemeClr val="tx1"/>
+    </cs:fontRef>
+    <cs:spPr>
+      <a:ln w="28575" cap="rnd">
+        <a:solidFill>
+          <a:schemeClr val="phClr"/>
+        </a:solidFill>
+        <a:round/>
+      </a:ln>
+    </cs:spPr>
+  </cs:dataPointLine>
+  <cs:dataPointMarker>
+    <cs:lnRef idx="0">
+      <cs:styleClr val="auto"/>
+    </cs:lnRef>
+    <cs:fillRef idx="1">
+      <cs:styleClr val="auto"/>
+    </cs:fillRef>
+    <cs:effectRef idx="0"/>
+    <cs:fontRef idx="minor">
+      <a:schemeClr val="tx1"/>
+    </cs:fontRef>
+    <cs:spPr>
+      <a:ln w="9525">
+        <a:solidFill>
+          <a:schemeClr val="phClr"/>
+        </a:solidFill>
+      </a:ln>
+    </cs:spPr>
+  </cs:dataPointMarker>
+  <cs:dataPointMarkerLayout symbol="circle" size="5"/>
+  <cs:dataPointWireframe>
+    <cs:lnRef idx="0">
+      <cs:styleClr val="auto"/>
+    </cs:lnRef>
+    <cs:fillRef idx="1"/>
+    <cs:effectRef idx="0"/>
+    <cs:fontRef idx="minor">
+      <a:schemeClr val="tx1"/>
+    </cs:fontRef>
+    <cs:spPr>
+      <a:ln w="9525" cap="rnd">
+        <a:solidFill>
+          <a:schemeClr val="phClr"/>
+        </a:solidFill>
+        <a:round/>
+      </a:ln>
+    </cs:spPr>
+  </cs:dataPointWireframe>
+  <cs:dataTable>
+    <cs:lnRef idx="0"/>
+    <cs:fillRef idx="0"/>
+    <cs:effectRef idx="0"/>
+    <cs:fontRef idx="minor">
+      <a:schemeClr val="tx1">
+        <a:lumMod val="65000"/>
+        <a:lumOff val="35000"/>
+      </a:schemeClr>
+    </cs:fontRef>
+    <cs:spPr>
+      <a:noFill/>
+      <a:ln w="9525" cap="flat" cmpd="sng" algn="ctr">
+        <a:solidFill>
+          <a:schemeClr val="tx1">
+            <a:lumMod val="15000"/>
+            <a:lumOff val="85000"/>
+          </a:schemeClr>
+        </a:solidFill>
+        <a:round/>
+      </a:ln>
+    </cs:spPr>
+    <cs:defRPr sz="1197" kern="1200"/>
+  </cs:dataTable>
+  <cs:downBar>
+    <cs:lnRef idx="0"/>
+    <cs:fillRef idx="0"/>
+    <cs:effectRef idx="0"/>
+    <cs:fontRef idx="minor">
+      <a:schemeClr val="dk1"/>
+    </cs:fontRef>
+    <cs:spPr>
+      <a:solidFill>
+        <a:schemeClr val="dk1">
+          <a:lumMod val="65000"/>
+          <a:lumOff val="35000"/>
+        </a:schemeClr>
+      </a:solidFill>
+      <a:ln w="9525">
+        <a:solidFill>
+          <a:schemeClr val="tx1">
+            <a:lumMod val="65000"/>
+            <a:lumOff val="35000"/>
+          </a:schemeClr>
+        </a:solidFill>
+      </a:ln>
+    </cs:spPr>
+  </cs:downBar>
+  <cs:dropLine>
+    <cs:lnRef idx="0"/>
+    <cs:fillRef idx="0"/>
+    <cs:effectRef idx="0"/>
+    <cs:fontRef idx="minor">
+      <a:schemeClr val="tx1"/>
+    </cs:fontRef>
+    <cs:spPr>
+      <a:ln w="9525" cap="flat" cmpd="sng" algn="ctr">
+        <a:solidFill>
+          <a:schemeClr val="tx1">
+            <a:lumMod val="35000"/>
+            <a:lumOff val="65000"/>
+          </a:schemeClr>
+        </a:solidFill>
+        <a:round/>
+      </a:ln>
+    </cs:spPr>
+  </cs:dropLine>
+  <cs:errorBar>
+    <cs:lnRef idx="0"/>
+    <cs:fillRef idx="0"/>
+    <cs:effectRef idx="0"/>
+    <cs:fontRef idx="minor">
+      <a:schemeClr val="tx1"/>
+    </cs:fontRef>
+    <cs:spPr>
+      <a:ln w="9525" cap="flat" cmpd="sng" algn="ctr">
+        <a:solidFill>
+          <a:schemeClr val="tx1">
+            <a:lumMod val="65000"/>
+            <a:lumOff val="35000"/>
+          </a:schemeClr>
+        </a:solidFill>
+        <a:round/>
+      </a:ln>
+    </cs:spPr>
+  </cs:errorBar>
+  <cs:floor>
+    <cs:lnRef idx="0"/>
+    <cs:fillRef idx="0"/>
+    <cs:effectRef idx="0"/>
+    <cs:fontRef idx="minor">
+      <a:schemeClr val="tx1"/>
+    </cs:fontRef>
+    <cs:spPr>
+      <a:noFill/>
+      <a:ln>
+        <a:noFill/>
+      </a:ln>
+    </cs:spPr>
+  </cs:floor>
+  <cs:gridlineMajor>
+    <cs:lnRef idx="0"/>
+    <cs:fillRef idx="0"/>
+    <cs:effectRef idx="0"/>
+    <cs:fontRef idx="minor">
+      <a:schemeClr val="tx1"/>
+    </cs:fontRef>
+    <cs:spPr>
+      <a:ln w="9525" cap="flat" cmpd="sng" algn="ctr">
+        <a:solidFill>
+          <a:schemeClr val="tx1">
+            <a:lumMod val="15000"/>
+            <a:lumOff val="85000"/>
+          </a:schemeClr>
+        </a:solidFill>
+        <a:round/>
+      </a:ln>
+    </cs:spPr>
+  </cs:gridlineMajor>
+  <cs:gridlineMinor>
+    <cs:lnRef idx="0"/>
+    <cs:fillRef idx="0"/>
+    <cs:effectRef idx="0"/>
+    <cs:fontRef idx="minor">
+      <a:schemeClr val="tx1"/>
+    </cs:fontRef>
+    <cs:spPr>
+      <a:ln w="9525" cap="flat" cmpd="sng" algn="ctr">
+        <a:solidFill>
+          <a:schemeClr val="tx1">
+            <a:lumMod val="5000"/>
+            <a:lumOff val="95000"/>
+          </a:schemeClr>
+        </a:solidFill>
+        <a:round/>
+      </a:ln>
+    </cs:spPr>
+  </cs:gridlineMinor>
+  <cs:hiLoLine>
+    <cs:lnRef idx="0"/>
+    <cs:fillRef idx="0"/>
+    <cs:effectRef idx="0"/>
+    <cs:fontRef idx="minor">
+      <a:schemeClr val="tx1"/>
+    </cs:fontRef>
+    <cs:spPr>
+      <a:ln w="9525" cap="flat" cmpd="sng" algn="ctr">
+        <a:solidFill>
+          <a:schemeClr val="tx1">
+            <a:lumMod val="75000"/>
+            <a:lumOff val="25000"/>
+          </a:schemeClr>
+        </a:solidFill>
+        <a:round/>
+      </a:ln>
+    </cs:spPr>
+  </cs:hiLoLine>
+  <cs:leaderLine>
+    <cs:lnRef idx="0"/>
+    <cs:fillRef idx="0"/>
+    <cs:effectRef idx="0"/>
+    <cs:fontRef idx="minor">
+      <a:schemeClr val="tx1"/>
+    </cs:fontRef>
+    <cs:spPr>
+      <a:ln w="9525" cap="flat" cmpd="sng" algn="ctr">
+        <a:solidFill>
+          <a:schemeClr val="tx1">
+            <a:lumMod val="35000"/>
+            <a:lumOff val="65000"/>
+          </a:schemeClr>
+        </a:solidFill>
+        <a:round/>
+      </a:ln>
+    </cs:spPr>
+  </cs:leaderLine>
+  <cs:legend>
+    <cs:lnRef idx="0"/>
+    <cs:fillRef idx="0"/>
+    <cs:effectRef idx="0"/>
+    <cs:fontRef idx="minor">
+      <a:schemeClr val="tx1">
+        <a:lumMod val="65000"/>
+        <a:lumOff val="35000"/>
+      </a:schemeClr>
+    </cs:fontRef>
+    <cs:defRPr sz="1197" kern="1200"/>
+  </cs:legend>
+  <cs:plotArea mods="allowNoFillOverride allowNoLineOverride">
+    <cs:lnRef idx="0"/>
+    <cs:fillRef idx="0"/>
+    <cs:effectRef idx="0"/>
+    <cs:fontRef idx="minor">
+      <a:schemeClr val="tx1"/>
+    </cs:fontRef>
+  </cs:plotArea>
+  <cs:plotArea3D mods="allowNoFillOverride allowNoLineOverride">
+    <cs:lnRef idx="0"/>
+    <cs:fillRef idx="0"/>
+    <cs:effectRef idx="0"/>
+    <cs:fontRef idx="minor">
+      <a:schemeClr val="tx1"/>
+    </cs:fontRef>
+  </cs:plotArea3D>
+  <cs:seriesAxis>
+    <cs:lnRef idx="0"/>
+    <cs:fillRef idx="0"/>
+    <cs:effectRef idx="0"/>
+    <cs:fontRef idx="minor">
+      <a:schemeClr val="tx1">
+        <a:lumMod val="65000"/>
+        <a:lumOff val="35000"/>
+      </a:schemeClr>
+    </cs:fontRef>
+    <cs:defRPr sz="1197" kern="1200"/>
+  </cs:seriesAxis>
+  <cs:seriesLine>
+    <cs:lnRef idx="0"/>
+    <cs:fillRef idx="0"/>
+    <cs:effectRef idx="0"/>
+    <cs:fontRef idx="minor">
+      <a:schemeClr val="tx1"/>
+    </cs:fontRef>
+    <cs:spPr>
+      <a:ln w="9525" cap="flat" cmpd="sng" algn="ctr">
+        <a:solidFill>
+          <a:schemeClr val="tx1">
+            <a:lumMod val="35000"/>
+            <a:lumOff val="65000"/>
+          </a:schemeClr>
+        </a:solidFill>
+        <a:round/>
+      </a:ln>
+    </cs:spPr>
+  </cs:seriesLine>
+  <cs:title>
+    <cs:lnRef idx="0"/>
+    <cs:fillRef idx="0"/>
+    <cs:effectRef idx="0"/>
+    <cs:fontRef idx="minor">
+      <a:schemeClr val="tx1">
+        <a:lumMod val="65000"/>
+        <a:lumOff val="35000"/>
+      </a:schemeClr>
+    </cs:fontRef>
+    <cs:defRPr sz="1862" b="0" kern="1200" spc="0" baseline="0"/>
+  </cs:title>
+  <cs:trendline>
+    <cs:lnRef idx="0">
+      <cs:styleClr val="auto"/>
+    </cs:lnRef>
+    <cs:fillRef idx="0"/>
+    <cs:effectRef idx="0"/>
+    <cs:fontRef idx="minor">
+      <a:schemeClr val="tx1"/>
+    </cs:fontRef>
+    <cs:spPr>
+      <a:ln w="19050" cap="rnd">
+        <a:solidFill>
+          <a:schemeClr val="phClr"/>
+        </a:solidFill>
+        <a:prstDash val="sysDot"/>
+      </a:ln>
+    </cs:spPr>
+  </cs:trendline>
+  <cs:trendlineLabel>
+    <cs:lnRef idx="0"/>
+    <cs:fillRef idx="0"/>
+    <cs:effectRef idx="0"/>
+    <cs:fontRef idx="minor">
+      <a:schemeClr val="tx1">
+        <a:lumMod val="65000"/>
+        <a:lumOff val="35000"/>
+      </a:schemeClr>
+    </cs:fontRef>
+    <cs:defRPr sz="1197" kern="1200"/>
+  </cs:trendlineLabel>
+  <cs:upBar>
+    <cs:lnRef idx="0"/>
+    <cs:fillRef idx="0"/>
+    <cs:effectRef idx="0"/>
+    <cs:fontRef idx="minor">
+      <a:schemeClr val="dk1"/>
+    </cs:fontRef>
+    <cs:spPr>
+      <a:solidFill>
+        <a:schemeClr val="lt1"/>
+      </a:solidFill>
+      <a:ln w="9525">
+        <a:solidFill>
+          <a:schemeClr val="tx1">
+            <a:lumMod val="15000"/>
+            <a:lumOff val="85000"/>
+          </a:schemeClr>
+        </a:solidFill>
+      </a:ln>
+    </cs:spPr>
+  </cs:upBar>
+  <cs:valueAxis>
+    <cs:lnRef idx="0"/>
+    <cs:fillRef idx="0"/>
+    <cs:effectRef idx="0"/>
+    <cs:fontRef idx="minor">
+      <a:schemeClr val="tx1">
+        <a:lumMod val="65000"/>
+        <a:lumOff val="35000"/>
+      </a:schemeClr>
+    </cs:fontRef>
+    <cs:defRPr sz="1197" kern="1200"/>
+  </cs:valueAxis>
+  <cs:wall>
+    <cs:lnRef idx="0"/>
+    <cs:fillRef idx="0"/>
+    <cs:effectRef idx="0"/>
+    <cs:fontRef idx="minor">
+      <a:schemeClr val="tx1"/>
+    </cs:fontRef>
+    <cs:spPr>
+      <a:noFill/>
+      <a:ln>
+        <a:noFill/>
+      </a:ln>
+    </cs:spPr>
+  </cs:wall>
+</cs:chartStyle>
 </file>
 
 <file path=ppt/slideLayouts/slideLayout1.xml><?xml version="1.0" encoding="utf-8"?>
@@ -291,7 +6244,7 @@
           <a:p>
             <a:fld id="{2756D979-F2D4-E949-8B8F-64CBCF43895F}" type="datetimeFigureOut">
               <a:rPr lang="en-US" smtClean="0"/>
-              <a:t>11/28/16</a:t>
+              <a:t>12/2/16</a:t>
             </a:fld>
             <a:endParaRPr lang="en-US"/>
           </a:p>
@@ -461,7 +6414,7 @@
           <a:p>
             <a:fld id="{2756D979-F2D4-E949-8B8F-64CBCF43895F}" type="datetimeFigureOut">
               <a:rPr lang="en-US" smtClean="0"/>
-              <a:t>11/29/16</a:t>
+              <a:t>12/2/16</a:t>
             </a:fld>
             <a:endParaRPr lang="en-US"/>
           </a:p>
@@ -641,7 +6594,7 @@
           <a:p>
             <a:fld id="{2756D979-F2D4-E949-8B8F-64CBCF43895F}" type="datetimeFigureOut">
               <a:rPr lang="en-US" smtClean="0"/>
-              <a:t>11/29/16</a:t>
+              <a:t>12/2/16</a:t>
             </a:fld>
             <a:endParaRPr lang="en-US"/>
           </a:p>
@@ -811,7 +6764,7 @@
           <a:p>
             <a:fld id="{2756D979-F2D4-E949-8B8F-64CBCF43895F}" type="datetimeFigureOut">
               <a:rPr lang="en-US" smtClean="0"/>
-              <a:t>11/29/16</a:t>
+              <a:t>12/2/16</a:t>
             </a:fld>
             <a:endParaRPr lang="en-US"/>
           </a:p>
@@ -1057,7 +7010,7 @@
           <a:p>
             <a:fld id="{2756D979-F2D4-E949-8B8F-64CBCF43895F}" type="datetimeFigureOut">
               <a:rPr lang="en-US" smtClean="0"/>
-              <a:t>11/29/16</a:t>
+              <a:t>12/2/16</a:t>
             </a:fld>
             <a:endParaRPr lang="en-US"/>
           </a:p>
@@ -1289,7 +7242,7 @@
           <a:p>
             <a:fld id="{2756D979-F2D4-E949-8B8F-64CBCF43895F}" type="datetimeFigureOut">
               <a:rPr lang="en-US" smtClean="0"/>
-              <a:t>11/29/16</a:t>
+              <a:t>12/2/16</a:t>
             </a:fld>
             <a:endParaRPr lang="en-US"/>
           </a:p>
@@ -1656,7 +7609,7 @@
           <a:p>
             <a:fld id="{2756D979-F2D4-E949-8B8F-64CBCF43895F}" type="datetimeFigureOut">
               <a:rPr lang="en-US" smtClean="0"/>
-              <a:t>11/29/16</a:t>
+              <a:t>12/2/16</a:t>
             </a:fld>
             <a:endParaRPr lang="en-US"/>
           </a:p>
@@ -1774,7 +7727,7 @@
           <a:p>
             <a:fld id="{2756D979-F2D4-E949-8B8F-64CBCF43895F}" type="datetimeFigureOut">
               <a:rPr lang="en-US" smtClean="0"/>
-              <a:t>11/29/16</a:t>
+              <a:t>12/2/16</a:t>
             </a:fld>
             <a:endParaRPr lang="en-US"/>
           </a:p>
@@ -1869,7 +7822,7 @@
           <a:p>
             <a:fld id="{2756D979-F2D4-E949-8B8F-64CBCF43895F}" type="datetimeFigureOut">
               <a:rPr lang="en-US" smtClean="0"/>
-              <a:t>11/29/16</a:t>
+              <a:t>12/2/16</a:t>
             </a:fld>
             <a:endParaRPr lang="en-US"/>
           </a:p>
@@ -2146,7 +8099,7 @@
           <a:p>
             <a:fld id="{2756D979-F2D4-E949-8B8F-64CBCF43895F}" type="datetimeFigureOut">
               <a:rPr lang="en-US" smtClean="0"/>
-              <a:t>11/29/16</a:t>
+              <a:t>12/2/16</a:t>
             </a:fld>
             <a:endParaRPr lang="en-US"/>
           </a:p>
@@ -2399,7 +8352,7 @@
           <a:p>
             <a:fld id="{2756D979-F2D4-E949-8B8F-64CBCF43895F}" type="datetimeFigureOut">
               <a:rPr lang="en-US" smtClean="0"/>
-              <a:t>11/29/16</a:t>
+              <a:t>12/2/16</a:t>
             </a:fld>
             <a:endParaRPr lang="en-US"/>
           </a:p>
@@ -2612,7 +8565,7 @@
           <a:p>
             <a:fld id="{2756D979-F2D4-E949-8B8F-64CBCF43895F}" type="datetimeFigureOut">
               <a:rPr lang="en-US" smtClean="0"/>
-              <a:t>11/28/16</a:t>
+              <a:t>12/2/16</a:t>
             </a:fld>
             <a:endParaRPr lang="en-US"/>
           </a:p>
@@ -3121,8 +9074,8 @@
           </a:p>
         </p:txBody>
       </p:sp>
-      <mc:AlternateContent xmlns:mc="http://schemas.openxmlformats.org/markup-compatibility/2006">
-        <mc:Choice xmlns:a14="http://schemas.microsoft.com/office/drawing/2010/main" Requires="a14">
+      <mc:AlternateContent xmlns:mc="http://schemas.openxmlformats.org/markup-compatibility/2006" xmlns:a14="http://schemas.microsoft.com/office/drawing/2010/main">
+        <mc:Choice Requires="a14">
           <p:sp>
             <p:nvSpPr>
               <p:cNvPr id="3" name="Content Placeholder 2"/>
@@ -3198,7 +9151,7 @@
                     <m:d>
                       <m:dPr>
                         <m:ctrlPr>
-                          <a:rPr lang="en-US" b="0" i="0" smtClean="0">
+                          <a:rPr lang="en-US" b="0" i="1" smtClean="0">
                             <a:latin typeface="Cambria Math" charset="0"/>
                           </a:rPr>
                         </m:ctrlPr>
@@ -3462,7 +9415,7 @@
             </p:txBody>
           </p:sp>
         </mc:Choice>
-        <mc:Fallback>
+        <mc:Fallback xmlns="">
           <p:sp>
             <p:nvSpPr>
               <p:cNvPr id="3" name="Content Placeholder 2"/>
@@ -3543,7 +9496,7 @@
           <a:p>
             <a:r>
               <a:rPr lang="en-US" dirty="0" smtClean="0"/>
-              <a:t>Semantic functions (Leon’s slide)</a:t>
+              <a:t>Semantic functions</a:t>
             </a:r>
             <a:endParaRPr lang="en-US" dirty="0"/>
           </a:p>
@@ -3564,6 +9517,24 @@
           <a:bodyPr/>
           <a:lstStyle/>
           <a:p>
+            <a:r>
+              <a:rPr lang="en-US" dirty="0" smtClean="0"/>
+              <a:t>In classical semantics, the semantic value of a parse is 1 or 0 (true or false).</a:t>
+            </a:r>
+          </a:p>
+          <a:p>
+            <a:endParaRPr lang="en-US" dirty="0"/>
+          </a:p>
+          <a:p>
+            <a:r>
+              <a:rPr lang="en-US" dirty="0" smtClean="0"/>
+              <a:t>This is a problem for learning: we want to use gradient descent, so we need the output of the semantics to be differentiable.</a:t>
+            </a:r>
+          </a:p>
+          <a:p>
+            <a:endParaRPr lang="en-US" dirty="0"/>
+          </a:p>
+          <a:p>
             <a:endParaRPr lang="en-US" dirty="0"/>
           </a:p>
         </p:txBody>
@@ -3571,7 +9542,7 @@
     </p:spTree>
     <p:extLst>
       <p:ext uri="{BB962C8B-B14F-4D97-AF65-F5344CB8AC3E}">
-        <p14:creationId xmlns:p14="http://schemas.microsoft.com/office/powerpoint/2010/main" val="187102010"/>
+        <p14:creationId xmlns:p14="http://schemas.microsoft.com/office/powerpoint/2010/main" val="365911995"/>
       </p:ext>
     </p:extLst>
   </p:cSld>
@@ -3615,7 +9586,7 @@
           <a:p>
             <a:r>
               <a:rPr lang="en-US" dirty="0" smtClean="0"/>
-              <a:t>Data source</a:t>
+              <a:t>Semantic functions</a:t>
             </a:r>
             <a:endParaRPr lang="en-US" dirty="0"/>
           </a:p>
@@ -3638,37 +9609,25 @@
           <a:p>
             <a:r>
               <a:rPr lang="en-US" dirty="0" smtClean="0"/>
-              <a:t>Ground truth model – fixed semantics</a:t>
-            </a:r>
+              <a:t>Approach: neural networks with graded semantics for lexical items, arithmetic operations for composition rules.</a:t>
+            </a:r>
+          </a:p>
+          <a:p>
+            <a:endParaRPr lang="en-US" dirty="0"/>
           </a:p>
           <a:p>
             <a:r>
               <a:rPr lang="en-US" dirty="0" smtClean="0"/>
-              <a:t>Generate samples from ground truth</a:t>
-            </a:r>
+              <a:t>Scalar adjective like “tall”: given a threshold, the semantic value is determined by a sigmoid centered at the threshold.</a:t>
+            </a:r>
+          </a:p>
+          <a:p>
+            <a:endParaRPr lang="en-US" dirty="0"/>
           </a:p>
           <a:p>
             <a:r>
               <a:rPr lang="en-US" dirty="0" smtClean="0"/>
-              <a:t>(not so important) Triples of utterance, world, context</a:t>
-            </a:r>
-          </a:p>
-          <a:p>
-            <a:r>
-              <a:rPr lang="en-US" dirty="0" err="1" smtClean="0"/>
-              <a:t>mapData</a:t>
-            </a:r>
-            <a:r>
-              <a:rPr lang="en-US" dirty="0" smtClean="0"/>
-              <a:t> in </a:t>
-            </a:r>
-            <a:r>
-              <a:rPr lang="en-US" dirty="0" err="1" smtClean="0"/>
-              <a:t>variational</a:t>
-            </a:r>
-            <a:r>
-              <a:rPr lang="en-US" dirty="0" smtClean="0"/>
-              <a:t> inference</a:t>
+              <a:t>Arithmetic generalizations of logical operators: 1-x for negation, multiplication for conjunction, etc.</a:t>
             </a:r>
             <a:endParaRPr lang="en-US" dirty="0"/>
           </a:p>
@@ -3677,7 +9636,7 @@
     </p:spTree>
     <p:extLst>
       <p:ext uri="{BB962C8B-B14F-4D97-AF65-F5344CB8AC3E}">
-        <p14:creationId xmlns:p14="http://schemas.microsoft.com/office/powerpoint/2010/main" val="479382636"/>
+        <p14:creationId xmlns:p14="http://schemas.microsoft.com/office/powerpoint/2010/main" val="1637218604"/>
       </p:ext>
     </p:extLst>
   </p:cSld>
@@ -3721,7 +9680,7 @@
           <a:p>
             <a:r>
               <a:rPr lang="en-US" dirty="0" smtClean="0"/>
-              <a:t>World schema</a:t>
+              <a:t>Experimental procedure</a:t>
             </a:r>
             <a:endParaRPr lang="en-US" dirty="0"/>
           </a:p>
@@ -3744,27 +9703,60 @@
           <a:p>
             <a:r>
               <a:rPr lang="en-US" dirty="0" smtClean="0"/>
-              <a:t>Objects have height &amp; weight</a:t>
-            </a:r>
-          </a:p>
-          <a:p>
+              <a:t>Generate data:</a:t>
+            </a:r>
+          </a:p>
+          <a:p>
+            <a:pPr lvl="1"/>
+            <a:r>
+              <a:rPr lang="en-US" dirty="0" smtClean="0"/>
+              <a:t>Run model with fixed </a:t>
+            </a:r>
+            <a:r>
+              <a:rPr lang="en-US" i="1" dirty="0" smtClean="0"/>
+              <a:t>ground truth</a:t>
+            </a:r>
+            <a:r>
+              <a:rPr lang="en-US" dirty="0" smtClean="0"/>
+              <a:t> grammar and scales</a:t>
+            </a:r>
+          </a:p>
+          <a:p>
+            <a:pPr lvl="1"/>
+            <a:r>
+              <a:rPr lang="en-US" dirty="0" smtClean="0"/>
+              <a:t>Sample from resulting distribution over worlds</a:t>
+            </a:r>
+          </a:p>
+          <a:p>
+            <a:pPr lvl="1"/>
             <a:endParaRPr lang="en-US" dirty="0" smtClean="0"/>
           </a:p>
           <a:p>
             <a:r>
               <a:rPr lang="en-US" dirty="0" smtClean="0"/>
-              <a:t>Different comparison classes</a:t>
+              <a:t>Training:</a:t>
             </a:r>
           </a:p>
           <a:p>
             <a:pPr lvl="1"/>
             <a:r>
               <a:rPr lang="en-US" dirty="0" smtClean="0"/>
-              <a:t>People, buildings</a:t>
+              <a:t>Run parametrized model</a:t>
             </a:r>
           </a:p>
           <a:p>
             <a:pPr lvl="1"/>
+            <a:r>
+              <a:rPr lang="en-US" dirty="0" err="1" smtClean="0"/>
+              <a:t>mapData</a:t>
+            </a:r>
+            <a:r>
+              <a:rPr lang="en-US" dirty="0" smtClean="0"/>
+              <a:t> over the generated data</a:t>
+            </a:r>
+          </a:p>
+          <a:p>
             <a:endParaRPr lang="en-US" dirty="0"/>
           </a:p>
         </p:txBody>
@@ -3772,7 +9764,7 @@
     </p:spTree>
     <p:extLst>
       <p:ext uri="{BB962C8B-B14F-4D97-AF65-F5344CB8AC3E}">
-        <p14:creationId xmlns:p14="http://schemas.microsoft.com/office/powerpoint/2010/main" val="38195056"/>
+        <p14:creationId xmlns:p14="http://schemas.microsoft.com/office/powerpoint/2010/main" val="479382636"/>
       </p:ext>
     </p:extLst>
   </p:cSld>
@@ -3816,7 +9808,7 @@
           <a:p>
             <a:r>
               <a:rPr lang="en-US" dirty="0" smtClean="0"/>
-              <a:t>Lexical experiments (learning scales)</a:t>
+              <a:t>Lexical experiments: Learning Scales</a:t>
             </a:r>
             <a:endParaRPr lang="en-US" dirty="0"/>
           </a:p>
@@ -3839,21 +9831,49 @@
           <a:p>
             <a:r>
               <a:rPr lang="en-US" dirty="0" smtClean="0"/>
-              <a:t>Motivation: Can we learn the scale?</a:t>
-            </a:r>
-          </a:p>
-          <a:p>
+              <a:t>Motivation: Can we learn the scale for height/weight</a:t>
+            </a:r>
             <a:r>
               <a:rPr lang="en-US" dirty="0" smtClean="0"/>
-              <a:t>Explain experiment</a:t>
-            </a:r>
+              <a:t>?</a:t>
+            </a:r>
+          </a:p>
+          <a:p>
+            <a:endParaRPr lang="en-US" dirty="0" smtClean="0"/>
           </a:p>
           <a:p>
             <a:r>
               <a:rPr lang="en-US" dirty="0" smtClean="0"/>
-              <a:t>Show ground truth distribution and learned distribution</a:t>
-            </a:r>
+              <a:t>3x3 </a:t>
+            </a:r>
+            <a:r>
+              <a:rPr lang="en-US" dirty="0" smtClean="0"/>
+              <a:t>grid of person </a:t>
+            </a:r>
+            <a:r>
+              <a:rPr lang="en-US" dirty="0" smtClean="0"/>
+              <a:t>heights/weights for training</a:t>
+            </a:r>
+          </a:p>
+          <a:p>
+            <a:pPr lvl="1"/>
+            <a:endParaRPr lang="en-US" dirty="0" smtClean="0"/>
+          </a:p>
+          <a:p>
+            <a:r>
+              <a:rPr lang="en-US" dirty="0" smtClean="0"/>
+              <a:t>Can the model reproduce distribution for 3x3 grid of person heights?</a:t>
+            </a:r>
+          </a:p>
+          <a:p>
             <a:endParaRPr lang="en-US" dirty="0"/>
+          </a:p>
+          <a:p>
+            <a:r>
+              <a:rPr lang="en-US" dirty="0" smtClean="0"/>
+              <a:t>Learn parameters of scale networks</a:t>
+            </a:r>
+            <a:endParaRPr lang="en-US" dirty="0" smtClean="0"/>
           </a:p>
         </p:txBody>
       </p:sp>
@@ -3867,6 +9887,13 @@
   <p:clrMapOvr>
     <a:masterClrMapping/>
   </p:clrMapOvr>
+  <p:timing>
+    <p:tnLst>
+      <p:par>
+        <p:cTn id="1" dur="indefinite" restart="never" nodeType="tmRoot"/>
+      </p:par>
+    </p:tnLst>
+  </p:timing>
 </p:sld>
 </file>
 
@@ -3904,41 +9931,54 @@
           <a:p>
             <a:r>
               <a:rPr lang="en-US" dirty="0" smtClean="0"/>
-              <a:t>Lexical experiments (generalizing)</a:t>
+              <a:t>Lexical experiments: Learning Scales</a:t>
             </a:r>
             <a:endParaRPr lang="en-US" dirty="0"/>
           </a:p>
         </p:txBody>
       </p:sp>
-      <p:sp>
-        <p:nvSpPr>
-          <p:cNvPr id="3" name="Content Placeholder 2"/>
-          <p:cNvSpPr>
-            <a:spLocks noGrp="1"/>
-          </p:cNvSpPr>
+      <p:graphicFrame>
+        <p:nvGraphicFramePr>
+          <p:cNvPr id="4" name="Content Placeholder 3"/>
+          <p:cNvGraphicFramePr>
+            <a:graphicFrameLocks noGrp="1"/>
+          </p:cNvGraphicFramePr>
           <p:nvPr>
             <p:ph idx="1"/>
+            <p:extLst>
+              <p:ext uri="{D42A27DB-BD31-4B8C-83A1-F6EECF244321}">
+                <p14:modId xmlns:p14="http://schemas.microsoft.com/office/powerpoint/2010/main" val="416851109"/>
+              </p:ext>
+            </p:extLst>
           </p:nvPr>
-        </p:nvSpPr>
-        <p:spPr/>
-        <p:txBody>
-          <a:bodyPr/>
-          <a:lstStyle/>
-          <a:p>
-            <a:endParaRPr lang="en-US"/>
-          </a:p>
-        </p:txBody>
-      </p:sp>
+        </p:nvGraphicFramePr>
+        <p:xfrm>
+          <a:off x="838200" y="1825625"/>
+          <a:ext cx="10685929" cy="4351338"/>
+        </p:xfrm>
+        <a:graphic>
+          <a:graphicData uri="http://schemas.openxmlformats.org/drawingml/2006/chart">
+            <c:chart xmlns:c="http://schemas.openxmlformats.org/drawingml/2006/chart" xmlns:r="http://schemas.openxmlformats.org/officeDocument/2006/relationships" r:id="rId2"/>
+          </a:graphicData>
+        </a:graphic>
+      </p:graphicFrame>
     </p:spTree>
     <p:extLst>
       <p:ext uri="{BB962C8B-B14F-4D97-AF65-F5344CB8AC3E}">
-        <p14:creationId xmlns:p14="http://schemas.microsoft.com/office/powerpoint/2010/main" val="243653428"/>
+        <p14:creationId xmlns:p14="http://schemas.microsoft.com/office/powerpoint/2010/main" val="810494489"/>
       </p:ext>
     </p:extLst>
   </p:cSld>
   <p:clrMapOvr>
     <a:masterClrMapping/>
   </p:clrMapOvr>
+  <p:timing>
+    <p:tnLst>
+      <p:par>
+        <p:cTn id="1" dur="indefinite" restart="never" nodeType="tmRoot"/>
+      </p:par>
+    </p:tnLst>
+  </p:timing>
 </p:sld>
 </file>
 
@@ -3976,7 +10016,96 @@
           <a:p>
             <a:r>
               <a:rPr lang="en-US" dirty="0" smtClean="0"/>
-              <a:t>Learning semantic composition</a:t>
+              <a:t>Lexical </a:t>
+            </a:r>
+            <a:r>
+              <a:rPr lang="en-US" dirty="0" smtClean="0"/>
+              <a:t>experiments: Learning Scales</a:t>
+            </a:r>
+            <a:endParaRPr lang="en-US" dirty="0"/>
+          </a:p>
+        </p:txBody>
+      </p:sp>
+      <p:graphicFrame>
+        <p:nvGraphicFramePr>
+          <p:cNvPr id="6" name="Content Placeholder 5"/>
+          <p:cNvGraphicFramePr>
+            <a:graphicFrameLocks noGrp="1"/>
+          </p:cNvGraphicFramePr>
+          <p:nvPr>
+            <p:ph idx="1"/>
+            <p:extLst>
+              <p:ext uri="{D42A27DB-BD31-4B8C-83A1-F6EECF244321}">
+                <p14:modId xmlns:p14="http://schemas.microsoft.com/office/powerpoint/2010/main" val="243941362"/>
+              </p:ext>
+            </p:extLst>
+          </p:nvPr>
+        </p:nvGraphicFramePr>
+        <p:xfrm>
+          <a:off x="838200" y="1825625"/>
+          <a:ext cx="10515600" cy="4351338"/>
+        </p:xfrm>
+        <a:graphic>
+          <a:graphicData uri="http://schemas.openxmlformats.org/drawingml/2006/chart">
+            <c:chart xmlns:c="http://schemas.openxmlformats.org/drawingml/2006/chart" xmlns:r="http://schemas.openxmlformats.org/officeDocument/2006/relationships" r:id="rId2"/>
+          </a:graphicData>
+        </a:graphic>
+      </p:graphicFrame>
+    </p:spTree>
+    <p:extLst>
+      <p:ext uri="{BB962C8B-B14F-4D97-AF65-F5344CB8AC3E}">
+        <p14:creationId xmlns:p14="http://schemas.microsoft.com/office/powerpoint/2010/main" val="243653428"/>
+      </p:ext>
+    </p:extLst>
+  </p:cSld>
+  <p:clrMapOvr>
+    <a:masterClrMapping/>
+  </p:clrMapOvr>
+  <p:timing>
+    <p:tnLst>
+      <p:par>
+        <p:cTn id="1" dur="indefinite" restart="never" nodeType="tmRoot"/>
+      </p:par>
+    </p:tnLst>
+  </p:timing>
+</p:sld>
+</file>
+
+<file path=ppt/slides/slide17.xml><?xml version="1.0" encoding="utf-8"?>
+<p:sld xmlns:a="http://schemas.openxmlformats.org/drawingml/2006/main" xmlns:r="http://schemas.openxmlformats.org/officeDocument/2006/relationships" xmlns:p="http://schemas.openxmlformats.org/presentationml/2006/main">
+  <p:cSld>
+    <p:spTree>
+      <p:nvGrpSpPr>
+        <p:cNvPr id="1" name=""/>
+        <p:cNvGrpSpPr/>
+        <p:nvPr/>
+      </p:nvGrpSpPr>
+      <p:grpSpPr>
+        <a:xfrm>
+          <a:off x="0" y="0"/>
+          <a:ext cx="0" cy="0"/>
+          <a:chOff x="0" y="0"/>
+          <a:chExt cx="0" cy="0"/>
+        </a:xfrm>
+      </p:grpSpPr>
+      <p:sp>
+        <p:nvSpPr>
+          <p:cNvPr id="2" name="Title 1"/>
+          <p:cNvSpPr>
+            <a:spLocks noGrp="1"/>
+          </p:cNvSpPr>
+          <p:nvPr>
+            <p:ph type="title"/>
+          </p:nvPr>
+        </p:nvSpPr>
+        <p:spPr/>
+        <p:txBody>
+          <a:bodyPr/>
+          <a:lstStyle/>
+          <a:p>
+            <a:r>
+              <a:rPr lang="en-US" dirty="0" smtClean="0"/>
+              <a:t>Lexical experiments: Generalizing</a:t>
             </a:r>
             <a:endParaRPr lang="en-US" dirty="0"/>
           </a:p>
@@ -3984,7 +10113,7 @@
       </p:sp>
       <p:sp>
         <p:nvSpPr>
-          <p:cNvPr id="3" name="Content Placeholder 2"/>
+          <p:cNvPr id="5" name="Content Placeholder 4"/>
           <p:cNvSpPr>
             <a:spLocks noGrp="1"/>
           </p:cNvSpPr>
@@ -3999,13 +10128,25 @@
           <a:p>
             <a:r>
               <a:rPr lang="en-US" dirty="0" smtClean="0"/>
-              <a:t>Logical operators are implemented and experimented</a:t>
-            </a:r>
+              <a:t>Can we generalize to a domain of buildings?</a:t>
+            </a:r>
+          </a:p>
+          <a:p>
+            <a:endParaRPr lang="en-US" dirty="0" smtClean="0"/>
           </a:p>
           <a:p>
             <a:r>
               <a:rPr lang="en-US" dirty="0" smtClean="0"/>
-              <a:t>Modular to support other kinds of compositional rules </a:t>
+              <a:t>Different height and weight scales</a:t>
+            </a:r>
+          </a:p>
+          <a:p>
+            <a:endParaRPr lang="en-US" dirty="0"/>
+          </a:p>
+          <a:p>
+            <a:r>
+              <a:rPr lang="en-US" dirty="0" smtClean="0"/>
+              <a:t>Learn parameters of network: Invariant to comparison class</a:t>
             </a:r>
             <a:endParaRPr lang="en-US" dirty="0"/>
           </a:p>
@@ -4014,7 +10155,161 @@
     </p:spTree>
     <p:extLst>
       <p:ext uri="{BB962C8B-B14F-4D97-AF65-F5344CB8AC3E}">
-        <p14:creationId xmlns:p14="http://schemas.microsoft.com/office/powerpoint/2010/main" val="1923717252"/>
+        <p14:creationId xmlns:p14="http://schemas.microsoft.com/office/powerpoint/2010/main" val="1857981093"/>
+      </p:ext>
+    </p:extLst>
+  </p:cSld>
+  <p:clrMapOvr>
+    <a:masterClrMapping/>
+  </p:clrMapOvr>
+</p:sld>
+</file>
+
+<file path=ppt/slides/slide18.xml><?xml version="1.0" encoding="utf-8"?>
+<p:sld xmlns:a="http://schemas.openxmlformats.org/drawingml/2006/main" xmlns:r="http://schemas.openxmlformats.org/officeDocument/2006/relationships" xmlns:p="http://schemas.openxmlformats.org/presentationml/2006/main">
+  <p:cSld>
+    <p:spTree>
+      <p:nvGrpSpPr>
+        <p:cNvPr id="1" name=""/>
+        <p:cNvGrpSpPr/>
+        <p:nvPr/>
+      </p:nvGrpSpPr>
+      <p:grpSpPr>
+        <a:xfrm>
+          <a:off x="0" y="0"/>
+          <a:ext cx="0" cy="0"/>
+          <a:chOff x="0" y="0"/>
+          <a:chExt cx="0" cy="0"/>
+        </a:xfrm>
+      </p:grpSpPr>
+      <p:sp>
+        <p:nvSpPr>
+          <p:cNvPr id="2" name="Title 1"/>
+          <p:cNvSpPr>
+            <a:spLocks noGrp="1"/>
+          </p:cNvSpPr>
+          <p:nvPr>
+            <p:ph type="title"/>
+          </p:nvPr>
+        </p:nvSpPr>
+        <p:spPr/>
+        <p:txBody>
+          <a:bodyPr/>
+          <a:lstStyle/>
+          <a:p>
+            <a:r>
+              <a:rPr lang="en-US" dirty="0"/>
+              <a:t>Lexical experiments: Generalizing</a:t>
+            </a:r>
+          </a:p>
+        </p:txBody>
+      </p:sp>
+      <p:graphicFrame>
+        <p:nvGraphicFramePr>
+          <p:cNvPr id="4" name="Content Placeholder 3"/>
+          <p:cNvGraphicFramePr>
+            <a:graphicFrameLocks noGrp="1"/>
+          </p:cNvGraphicFramePr>
+          <p:nvPr>
+            <p:ph idx="1"/>
+            <p:extLst>
+              <p:ext uri="{D42A27DB-BD31-4B8C-83A1-F6EECF244321}">
+                <p14:modId xmlns:p14="http://schemas.microsoft.com/office/powerpoint/2010/main" val="920536252"/>
+              </p:ext>
+            </p:extLst>
+          </p:nvPr>
+        </p:nvGraphicFramePr>
+        <p:xfrm>
+          <a:off x="838200" y="1825625"/>
+          <a:ext cx="10515600" cy="4351338"/>
+        </p:xfrm>
+        <a:graphic>
+          <a:graphicData uri="http://schemas.openxmlformats.org/drawingml/2006/chart">
+            <c:chart xmlns:c="http://schemas.openxmlformats.org/drawingml/2006/chart" xmlns:r="http://schemas.openxmlformats.org/officeDocument/2006/relationships" r:id="rId2"/>
+          </a:graphicData>
+        </a:graphic>
+      </p:graphicFrame>
+    </p:spTree>
+    <p:extLst>
+      <p:ext uri="{BB962C8B-B14F-4D97-AF65-F5344CB8AC3E}">
+        <p14:creationId xmlns:p14="http://schemas.microsoft.com/office/powerpoint/2010/main" val="32161162"/>
+      </p:ext>
+    </p:extLst>
+  </p:cSld>
+  <p:clrMapOvr>
+    <a:masterClrMapping/>
+  </p:clrMapOvr>
+</p:sld>
+</file>
+
+<file path=ppt/slides/slide19.xml><?xml version="1.0" encoding="utf-8"?>
+<p:sld xmlns:a="http://schemas.openxmlformats.org/drawingml/2006/main" xmlns:r="http://schemas.openxmlformats.org/officeDocument/2006/relationships" xmlns:p="http://schemas.openxmlformats.org/presentationml/2006/main">
+  <p:cSld>
+    <p:spTree>
+      <p:nvGrpSpPr>
+        <p:cNvPr id="1" name=""/>
+        <p:cNvGrpSpPr/>
+        <p:nvPr/>
+      </p:nvGrpSpPr>
+      <p:grpSpPr>
+        <a:xfrm>
+          <a:off x="0" y="0"/>
+          <a:ext cx="0" cy="0"/>
+          <a:chOff x="0" y="0"/>
+          <a:chExt cx="0" cy="0"/>
+        </a:xfrm>
+      </p:grpSpPr>
+      <p:graphicFrame>
+        <p:nvGraphicFramePr>
+          <p:cNvPr id="5" name="Content Placeholder 4"/>
+          <p:cNvGraphicFramePr>
+            <a:graphicFrameLocks noGrp="1"/>
+          </p:cNvGraphicFramePr>
+          <p:nvPr>
+            <p:ph idx="1"/>
+            <p:extLst>
+              <p:ext uri="{D42A27DB-BD31-4B8C-83A1-F6EECF244321}">
+                <p14:modId xmlns:p14="http://schemas.microsoft.com/office/powerpoint/2010/main" val="1715323924"/>
+              </p:ext>
+            </p:extLst>
+          </p:nvPr>
+        </p:nvGraphicFramePr>
+        <p:xfrm>
+          <a:off x="838200" y="1825625"/>
+          <a:ext cx="10515600" cy="4351338"/>
+        </p:xfrm>
+        <a:graphic>
+          <a:graphicData uri="http://schemas.openxmlformats.org/drawingml/2006/chart">
+            <c:chart xmlns:c="http://schemas.openxmlformats.org/drawingml/2006/chart" xmlns:r="http://schemas.openxmlformats.org/officeDocument/2006/relationships" r:id="rId2"/>
+          </a:graphicData>
+        </a:graphic>
+      </p:graphicFrame>
+      <p:sp>
+        <p:nvSpPr>
+          <p:cNvPr id="4" name="Title 1"/>
+          <p:cNvSpPr>
+            <a:spLocks noGrp="1"/>
+          </p:cNvSpPr>
+          <p:nvPr>
+            <p:ph type="title"/>
+          </p:nvPr>
+        </p:nvSpPr>
+        <p:spPr/>
+        <p:txBody>
+          <a:bodyPr/>
+          <a:lstStyle/>
+          <a:p>
+            <a:r>
+              <a:rPr lang="en-US" dirty="0"/>
+              <a:t>Lexical experiments: Generalizing</a:t>
+            </a:r>
+          </a:p>
+        </p:txBody>
+      </p:sp>
+    </p:spTree>
+    <p:extLst>
+      <p:ext uri="{BB962C8B-B14F-4D97-AF65-F5344CB8AC3E}">
+        <p14:creationId xmlns:p14="http://schemas.microsoft.com/office/powerpoint/2010/main" val="112878479"/>
       </p:ext>
     </p:extLst>
   </p:cSld>
@@ -4113,6 +10408,692 @@
     <p:extLst>
       <p:ext uri="{BB962C8B-B14F-4D97-AF65-F5344CB8AC3E}">
         <p14:creationId xmlns:p14="http://schemas.microsoft.com/office/powerpoint/2010/main" val="1955872661"/>
+      </p:ext>
+    </p:extLst>
+  </p:cSld>
+  <p:clrMapOvr>
+    <a:masterClrMapping/>
+  </p:clrMapOvr>
+</p:sld>
+</file>
+
+<file path=ppt/slides/slide20.xml><?xml version="1.0" encoding="utf-8"?>
+<p:sld xmlns:a="http://schemas.openxmlformats.org/drawingml/2006/main" xmlns:r="http://schemas.openxmlformats.org/officeDocument/2006/relationships" xmlns:p="http://schemas.openxmlformats.org/presentationml/2006/main">
+  <p:cSld>
+    <p:spTree>
+      <p:nvGrpSpPr>
+        <p:cNvPr id="1" name=""/>
+        <p:cNvGrpSpPr/>
+        <p:nvPr/>
+      </p:nvGrpSpPr>
+      <p:grpSpPr>
+        <a:xfrm>
+          <a:off x="0" y="0"/>
+          <a:ext cx="0" cy="0"/>
+          <a:chOff x="0" y="0"/>
+          <a:chExt cx="0" cy="0"/>
+        </a:xfrm>
+      </p:grpSpPr>
+      <p:sp>
+        <p:nvSpPr>
+          <p:cNvPr id="2" name="Title 1"/>
+          <p:cNvSpPr>
+            <a:spLocks noGrp="1"/>
+          </p:cNvSpPr>
+          <p:nvPr>
+            <p:ph type="title"/>
+          </p:nvPr>
+        </p:nvSpPr>
+        <p:spPr/>
+        <p:txBody>
+          <a:bodyPr/>
+          <a:lstStyle/>
+          <a:p>
+            <a:r>
+              <a:rPr lang="en-US" dirty="0" smtClean="0"/>
+              <a:t>Can we do better?</a:t>
+            </a:r>
+            <a:endParaRPr lang="en-US" dirty="0"/>
+          </a:p>
+        </p:txBody>
+      </p:sp>
+      <p:sp>
+        <p:nvSpPr>
+          <p:cNvPr id="3" name="Content Placeholder 2"/>
+          <p:cNvSpPr>
+            <a:spLocks noGrp="1"/>
+          </p:cNvSpPr>
+          <p:nvPr>
+            <p:ph idx="1"/>
+          </p:nvPr>
+        </p:nvSpPr>
+        <p:spPr/>
+        <p:txBody>
+          <a:bodyPr/>
+          <a:lstStyle/>
+          <a:p>
+            <a:r>
+              <a:rPr lang="en-US" dirty="0" smtClean="0"/>
+              <a:t>Idea: Train on two different domains</a:t>
+            </a:r>
+          </a:p>
+          <a:p>
+            <a:endParaRPr lang="en-US" dirty="0"/>
+          </a:p>
+          <a:p>
+            <a:r>
+              <a:rPr lang="en-US" dirty="0" smtClean="0"/>
+              <a:t>Train on mixed dataset of people &amp; trees</a:t>
+            </a:r>
+          </a:p>
+          <a:p>
+            <a:pPr lvl="1"/>
+            <a:r>
+              <a:rPr lang="en-US" dirty="0" smtClean="0"/>
+              <a:t>2 different classes of heights/weights</a:t>
+            </a:r>
+          </a:p>
+          <a:p>
+            <a:endParaRPr lang="en-US" dirty="0"/>
+          </a:p>
+          <a:p>
+            <a:r>
+              <a:rPr lang="en-US" dirty="0" smtClean="0"/>
+              <a:t>Test resulting distribution on buildings</a:t>
+            </a:r>
+            <a:endParaRPr lang="en-US" dirty="0"/>
+          </a:p>
+        </p:txBody>
+      </p:sp>
+    </p:spTree>
+    <p:extLst>
+      <p:ext uri="{BB962C8B-B14F-4D97-AF65-F5344CB8AC3E}">
+        <p14:creationId xmlns:p14="http://schemas.microsoft.com/office/powerpoint/2010/main" val="1628713340"/>
+      </p:ext>
+    </p:extLst>
+  </p:cSld>
+  <p:clrMapOvr>
+    <a:masterClrMapping/>
+  </p:clrMapOvr>
+</p:sld>
+</file>
+
+<file path=ppt/slides/slide21.xml><?xml version="1.0" encoding="utf-8"?>
+<p:sld xmlns:a="http://schemas.openxmlformats.org/drawingml/2006/main" xmlns:r="http://schemas.openxmlformats.org/officeDocument/2006/relationships" xmlns:p="http://schemas.openxmlformats.org/presentationml/2006/main">
+  <p:cSld>
+    <p:spTree>
+      <p:nvGrpSpPr>
+        <p:cNvPr id="1" name=""/>
+        <p:cNvGrpSpPr/>
+        <p:nvPr/>
+      </p:nvGrpSpPr>
+      <p:grpSpPr>
+        <a:xfrm>
+          <a:off x="0" y="0"/>
+          <a:ext cx="0" cy="0"/>
+          <a:chOff x="0" y="0"/>
+          <a:chExt cx="0" cy="0"/>
+        </a:xfrm>
+      </p:grpSpPr>
+      <p:sp>
+        <p:nvSpPr>
+          <p:cNvPr id="2" name="Title 1"/>
+          <p:cNvSpPr>
+            <a:spLocks noGrp="1"/>
+          </p:cNvSpPr>
+          <p:nvPr>
+            <p:ph type="title"/>
+          </p:nvPr>
+        </p:nvSpPr>
+        <p:spPr/>
+        <p:txBody>
+          <a:bodyPr/>
+          <a:lstStyle/>
+          <a:p>
+            <a:r>
+              <a:rPr lang="en-US" dirty="0" smtClean="0"/>
+              <a:t>Can we do better?</a:t>
+            </a:r>
+            <a:endParaRPr lang="en-US" dirty="0"/>
+          </a:p>
+        </p:txBody>
+      </p:sp>
+      <p:graphicFrame>
+        <p:nvGraphicFramePr>
+          <p:cNvPr id="4" name="Content Placeholder 3"/>
+          <p:cNvGraphicFramePr>
+            <a:graphicFrameLocks noGrp="1"/>
+          </p:cNvGraphicFramePr>
+          <p:nvPr>
+            <p:ph idx="1"/>
+            <p:extLst>
+              <p:ext uri="{D42A27DB-BD31-4B8C-83A1-F6EECF244321}">
+                <p14:modId xmlns:p14="http://schemas.microsoft.com/office/powerpoint/2010/main" val="1838863998"/>
+              </p:ext>
+            </p:extLst>
+          </p:nvPr>
+        </p:nvGraphicFramePr>
+        <p:xfrm>
+          <a:off x="838200" y="1825625"/>
+          <a:ext cx="10515600" cy="4351338"/>
+        </p:xfrm>
+        <a:graphic>
+          <a:graphicData uri="http://schemas.openxmlformats.org/drawingml/2006/chart">
+            <c:chart xmlns:c="http://schemas.openxmlformats.org/drawingml/2006/chart" xmlns:r="http://schemas.openxmlformats.org/officeDocument/2006/relationships" r:id="rId2"/>
+          </a:graphicData>
+        </a:graphic>
+      </p:graphicFrame>
+    </p:spTree>
+    <p:extLst>
+      <p:ext uri="{BB962C8B-B14F-4D97-AF65-F5344CB8AC3E}">
+        <p14:creationId xmlns:p14="http://schemas.microsoft.com/office/powerpoint/2010/main" val="939808006"/>
+      </p:ext>
+    </p:extLst>
+  </p:cSld>
+  <p:clrMapOvr>
+    <a:masterClrMapping/>
+  </p:clrMapOvr>
+</p:sld>
+</file>
+
+<file path=ppt/slides/slide22.xml><?xml version="1.0" encoding="utf-8"?>
+<p:sld xmlns:a="http://schemas.openxmlformats.org/drawingml/2006/main" xmlns:r="http://schemas.openxmlformats.org/officeDocument/2006/relationships" xmlns:p="http://schemas.openxmlformats.org/presentationml/2006/main">
+  <p:cSld>
+    <p:spTree>
+      <p:nvGrpSpPr>
+        <p:cNvPr id="1" name=""/>
+        <p:cNvGrpSpPr/>
+        <p:nvPr/>
+      </p:nvGrpSpPr>
+      <p:grpSpPr>
+        <a:xfrm>
+          <a:off x="0" y="0"/>
+          <a:ext cx="0" cy="0"/>
+          <a:chOff x="0" y="0"/>
+          <a:chExt cx="0" cy="0"/>
+        </a:xfrm>
+      </p:grpSpPr>
+      <p:sp>
+        <p:nvSpPr>
+          <p:cNvPr id="2" name="Title 1"/>
+          <p:cNvSpPr>
+            <a:spLocks noGrp="1"/>
+          </p:cNvSpPr>
+          <p:nvPr>
+            <p:ph type="title"/>
+          </p:nvPr>
+        </p:nvSpPr>
+        <p:spPr/>
+        <p:txBody>
+          <a:bodyPr/>
+          <a:lstStyle/>
+          <a:p>
+            <a:r>
+              <a:rPr lang="en-US" dirty="0" smtClean="0"/>
+              <a:t>Can we do better?</a:t>
+            </a:r>
+            <a:endParaRPr lang="en-US" dirty="0"/>
+          </a:p>
+        </p:txBody>
+      </p:sp>
+      <p:graphicFrame>
+        <p:nvGraphicFramePr>
+          <p:cNvPr id="4" name="Content Placeholder 3"/>
+          <p:cNvGraphicFramePr>
+            <a:graphicFrameLocks noGrp="1"/>
+          </p:cNvGraphicFramePr>
+          <p:nvPr>
+            <p:ph idx="1"/>
+            <p:extLst>
+              <p:ext uri="{D42A27DB-BD31-4B8C-83A1-F6EECF244321}">
+                <p14:modId xmlns:p14="http://schemas.microsoft.com/office/powerpoint/2010/main" val="734342387"/>
+              </p:ext>
+            </p:extLst>
+          </p:nvPr>
+        </p:nvGraphicFramePr>
+        <p:xfrm>
+          <a:off x="838200" y="1825625"/>
+          <a:ext cx="10515600" cy="4351338"/>
+        </p:xfrm>
+        <a:graphic>
+          <a:graphicData uri="http://schemas.openxmlformats.org/drawingml/2006/chart">
+            <c:chart xmlns:c="http://schemas.openxmlformats.org/drawingml/2006/chart" xmlns:r="http://schemas.openxmlformats.org/officeDocument/2006/relationships" r:id="rId2"/>
+          </a:graphicData>
+        </a:graphic>
+      </p:graphicFrame>
+    </p:spTree>
+    <p:extLst>
+      <p:ext uri="{BB962C8B-B14F-4D97-AF65-F5344CB8AC3E}">
+        <p14:creationId xmlns:p14="http://schemas.microsoft.com/office/powerpoint/2010/main" val="1350050409"/>
+      </p:ext>
+    </p:extLst>
+  </p:cSld>
+  <p:clrMapOvr>
+    <a:masterClrMapping/>
+  </p:clrMapOvr>
+</p:sld>
+</file>
+
+<file path=ppt/slides/slide23.xml><?xml version="1.0" encoding="utf-8"?>
+<p:sld xmlns:a="http://schemas.openxmlformats.org/drawingml/2006/main" xmlns:r="http://schemas.openxmlformats.org/officeDocument/2006/relationships" xmlns:p="http://schemas.openxmlformats.org/presentationml/2006/main">
+  <p:cSld>
+    <p:spTree>
+      <p:nvGrpSpPr>
+        <p:cNvPr id="1" name=""/>
+        <p:cNvGrpSpPr/>
+        <p:nvPr/>
+      </p:nvGrpSpPr>
+      <p:grpSpPr>
+        <a:xfrm>
+          <a:off x="0" y="0"/>
+          <a:ext cx="0" cy="0"/>
+          <a:chOff x="0" y="0"/>
+          <a:chExt cx="0" cy="0"/>
+        </a:xfrm>
+      </p:grpSpPr>
+      <p:sp>
+        <p:nvSpPr>
+          <p:cNvPr id="2" name="Title 1"/>
+          <p:cNvSpPr>
+            <a:spLocks noGrp="1"/>
+          </p:cNvSpPr>
+          <p:nvPr>
+            <p:ph type="title"/>
+          </p:nvPr>
+        </p:nvSpPr>
+        <p:spPr/>
+        <p:txBody>
+          <a:bodyPr/>
+          <a:lstStyle/>
+          <a:p>
+            <a:r>
+              <a:rPr lang="en-US" dirty="0" smtClean="0"/>
+              <a:t>Learning semantic composition</a:t>
+            </a:r>
+            <a:endParaRPr lang="en-US" dirty="0"/>
+          </a:p>
+        </p:txBody>
+      </p:sp>
+      <p:sp>
+        <p:nvSpPr>
+          <p:cNvPr id="3" name="Content Placeholder 2"/>
+          <p:cNvSpPr>
+            <a:spLocks noGrp="1"/>
+          </p:cNvSpPr>
+          <p:nvPr>
+            <p:ph idx="1"/>
+          </p:nvPr>
+        </p:nvSpPr>
+        <p:spPr/>
+        <p:txBody>
+          <a:bodyPr>
+            <a:normAutofit/>
+          </a:bodyPr>
+          <a:lstStyle/>
+          <a:p>
+            <a:r>
+              <a:rPr lang="en-US" dirty="0" smtClean="0"/>
+              <a:t>Logical operators AND, OR, NOT</a:t>
+            </a:r>
+            <a:endParaRPr lang="en-US" dirty="0" smtClean="0"/>
+          </a:p>
+          <a:p>
+            <a:pPr lvl="1"/>
+            <a:r>
+              <a:rPr lang="en-US" dirty="0" smtClean="0"/>
+              <a:t>John is tall and John is heavy</a:t>
+            </a:r>
+          </a:p>
+          <a:p>
+            <a:pPr lvl="1"/>
+            <a:r>
+              <a:rPr lang="en-US" dirty="0" smtClean="0"/>
+              <a:t>John is tall or John is heavy</a:t>
+            </a:r>
+          </a:p>
+          <a:p>
+            <a:pPr lvl="1"/>
+            <a:r>
+              <a:rPr lang="en-US" dirty="0" smtClean="0"/>
+              <a:t>John is not tall</a:t>
+            </a:r>
+            <a:endParaRPr lang="en-US" dirty="0"/>
+          </a:p>
+          <a:p>
+            <a:endParaRPr lang="en-US" dirty="0"/>
+          </a:p>
+          <a:p>
+            <a:r>
+              <a:rPr lang="en-US" dirty="0"/>
+              <a:t>Grammar seeded with candidate composition rules</a:t>
+            </a:r>
+          </a:p>
+          <a:p>
+            <a:endParaRPr lang="en-US" dirty="0"/>
+          </a:p>
+          <a:p>
+            <a:r>
+              <a:rPr lang="en-US" dirty="0"/>
+              <a:t>Can parser identify correct rule?</a:t>
+            </a:r>
+          </a:p>
+          <a:p>
+            <a:endParaRPr lang="en-US" dirty="0"/>
+          </a:p>
+        </p:txBody>
+      </p:sp>
+    </p:spTree>
+    <p:extLst>
+      <p:ext uri="{BB962C8B-B14F-4D97-AF65-F5344CB8AC3E}">
+        <p14:creationId xmlns:p14="http://schemas.microsoft.com/office/powerpoint/2010/main" val="1923717252"/>
+      </p:ext>
+    </p:extLst>
+  </p:cSld>
+  <p:clrMapOvr>
+    <a:masterClrMapping/>
+  </p:clrMapOvr>
+  <p:timing>
+    <p:tnLst>
+      <p:par>
+        <p:cTn id="1" dur="indefinite" restart="never" nodeType="tmRoot"/>
+      </p:par>
+    </p:tnLst>
+  </p:timing>
+</p:sld>
+</file>
+
+<file path=ppt/slides/slide24.xml><?xml version="1.0" encoding="utf-8"?>
+<p:sld xmlns:a="http://schemas.openxmlformats.org/drawingml/2006/main" xmlns:r="http://schemas.openxmlformats.org/officeDocument/2006/relationships" xmlns:p="http://schemas.openxmlformats.org/presentationml/2006/main">
+  <p:cSld>
+    <p:spTree>
+      <p:nvGrpSpPr>
+        <p:cNvPr id="1" name=""/>
+        <p:cNvGrpSpPr/>
+        <p:nvPr/>
+      </p:nvGrpSpPr>
+      <p:grpSpPr>
+        <a:xfrm>
+          <a:off x="0" y="0"/>
+          <a:ext cx="0" cy="0"/>
+          <a:chOff x="0" y="0"/>
+          <a:chExt cx="0" cy="0"/>
+        </a:xfrm>
+      </p:grpSpPr>
+      <p:sp>
+        <p:nvSpPr>
+          <p:cNvPr id="2" name="Title 1"/>
+          <p:cNvSpPr>
+            <a:spLocks noGrp="1"/>
+          </p:cNvSpPr>
+          <p:nvPr>
+            <p:ph type="title"/>
+          </p:nvPr>
+        </p:nvSpPr>
+        <p:spPr/>
+        <p:txBody>
+          <a:bodyPr/>
+          <a:lstStyle/>
+          <a:p>
+            <a:r>
+              <a:rPr lang="en-US" dirty="0" smtClean="0"/>
+              <a:t>Conjunction</a:t>
+            </a:r>
+            <a:endParaRPr lang="en-US" dirty="0"/>
+          </a:p>
+        </p:txBody>
+      </p:sp>
+      <p:sp>
+        <p:nvSpPr>
+          <p:cNvPr id="3" name="Content Placeholder 2"/>
+          <p:cNvSpPr>
+            <a:spLocks noGrp="1"/>
+          </p:cNvSpPr>
+          <p:nvPr>
+            <p:ph idx="1"/>
+          </p:nvPr>
+        </p:nvSpPr>
+        <p:spPr/>
+        <p:txBody>
+          <a:bodyPr/>
+          <a:lstStyle/>
+          <a:p>
+            <a:endParaRPr lang="en-US"/>
+          </a:p>
+        </p:txBody>
+      </p:sp>
+    </p:spTree>
+    <p:extLst>
+      <p:ext uri="{BB962C8B-B14F-4D97-AF65-F5344CB8AC3E}">
+        <p14:creationId xmlns:p14="http://schemas.microsoft.com/office/powerpoint/2010/main" val="335862058"/>
+      </p:ext>
+    </p:extLst>
+  </p:cSld>
+  <p:clrMapOvr>
+    <a:masterClrMapping/>
+  </p:clrMapOvr>
+</p:sld>
+</file>
+
+<file path=ppt/slides/slide25.xml><?xml version="1.0" encoding="utf-8"?>
+<p:sld xmlns:a="http://schemas.openxmlformats.org/drawingml/2006/main" xmlns:r="http://schemas.openxmlformats.org/officeDocument/2006/relationships" xmlns:p="http://schemas.openxmlformats.org/presentationml/2006/main">
+  <p:cSld>
+    <p:spTree>
+      <p:nvGrpSpPr>
+        <p:cNvPr id="1" name=""/>
+        <p:cNvGrpSpPr/>
+        <p:nvPr/>
+      </p:nvGrpSpPr>
+      <p:grpSpPr>
+        <a:xfrm>
+          <a:off x="0" y="0"/>
+          <a:ext cx="0" cy="0"/>
+          <a:chOff x="0" y="0"/>
+          <a:chExt cx="0" cy="0"/>
+        </a:xfrm>
+      </p:grpSpPr>
+      <p:sp>
+        <p:nvSpPr>
+          <p:cNvPr id="2" name="Title 1"/>
+          <p:cNvSpPr>
+            <a:spLocks noGrp="1"/>
+          </p:cNvSpPr>
+          <p:nvPr>
+            <p:ph type="title"/>
+          </p:nvPr>
+        </p:nvSpPr>
+        <p:spPr/>
+        <p:txBody>
+          <a:bodyPr/>
+          <a:lstStyle/>
+          <a:p>
+            <a:r>
+              <a:rPr lang="en-US" dirty="0" smtClean="0"/>
+              <a:t>Disjunction</a:t>
+            </a:r>
+            <a:endParaRPr lang="en-US" dirty="0"/>
+          </a:p>
+        </p:txBody>
+      </p:sp>
+      <p:sp>
+        <p:nvSpPr>
+          <p:cNvPr id="3" name="Content Placeholder 2"/>
+          <p:cNvSpPr>
+            <a:spLocks noGrp="1"/>
+          </p:cNvSpPr>
+          <p:nvPr>
+            <p:ph idx="1"/>
+          </p:nvPr>
+        </p:nvSpPr>
+        <p:spPr/>
+        <p:txBody>
+          <a:bodyPr/>
+          <a:lstStyle/>
+          <a:p>
+            <a:endParaRPr lang="en-US"/>
+          </a:p>
+        </p:txBody>
+      </p:sp>
+    </p:spTree>
+    <p:extLst>
+      <p:ext uri="{BB962C8B-B14F-4D97-AF65-F5344CB8AC3E}">
+        <p14:creationId xmlns:p14="http://schemas.microsoft.com/office/powerpoint/2010/main" val="1246584490"/>
+      </p:ext>
+    </p:extLst>
+  </p:cSld>
+  <p:clrMapOvr>
+    <a:masterClrMapping/>
+  </p:clrMapOvr>
+</p:sld>
+</file>
+
+<file path=ppt/slides/slide26.xml><?xml version="1.0" encoding="utf-8"?>
+<p:sld xmlns:a="http://schemas.openxmlformats.org/drawingml/2006/main" xmlns:r="http://schemas.openxmlformats.org/officeDocument/2006/relationships" xmlns:p="http://schemas.openxmlformats.org/presentationml/2006/main">
+  <p:cSld>
+    <p:spTree>
+      <p:nvGrpSpPr>
+        <p:cNvPr id="1" name=""/>
+        <p:cNvGrpSpPr/>
+        <p:nvPr/>
+      </p:nvGrpSpPr>
+      <p:grpSpPr>
+        <a:xfrm>
+          <a:off x="0" y="0"/>
+          <a:ext cx="0" cy="0"/>
+          <a:chOff x="0" y="0"/>
+          <a:chExt cx="0" cy="0"/>
+        </a:xfrm>
+      </p:grpSpPr>
+      <p:sp>
+        <p:nvSpPr>
+          <p:cNvPr id="2" name="Title 1"/>
+          <p:cNvSpPr>
+            <a:spLocks noGrp="1"/>
+          </p:cNvSpPr>
+          <p:nvPr>
+            <p:ph type="title"/>
+          </p:nvPr>
+        </p:nvSpPr>
+        <p:spPr/>
+        <p:txBody>
+          <a:bodyPr/>
+          <a:lstStyle/>
+          <a:p>
+            <a:r>
+              <a:rPr lang="en-US" dirty="0" smtClean="0"/>
+              <a:t>Negation</a:t>
+            </a:r>
+            <a:endParaRPr lang="en-US" dirty="0"/>
+          </a:p>
+        </p:txBody>
+      </p:sp>
+      <p:sp>
+        <p:nvSpPr>
+          <p:cNvPr id="3" name="Content Placeholder 2"/>
+          <p:cNvSpPr>
+            <a:spLocks noGrp="1"/>
+          </p:cNvSpPr>
+          <p:nvPr>
+            <p:ph idx="1"/>
+          </p:nvPr>
+        </p:nvSpPr>
+        <p:spPr/>
+        <p:txBody>
+          <a:bodyPr/>
+          <a:lstStyle/>
+          <a:p>
+            <a:endParaRPr lang="en-US" dirty="0"/>
+          </a:p>
+        </p:txBody>
+      </p:sp>
+    </p:spTree>
+    <p:extLst>
+      <p:ext uri="{BB962C8B-B14F-4D97-AF65-F5344CB8AC3E}">
+        <p14:creationId xmlns:p14="http://schemas.microsoft.com/office/powerpoint/2010/main" val="495063298"/>
+      </p:ext>
+    </p:extLst>
+  </p:cSld>
+  <p:clrMapOvr>
+    <a:masterClrMapping/>
+  </p:clrMapOvr>
+</p:sld>
+</file>
+
+<file path=ppt/slides/slide27.xml><?xml version="1.0" encoding="utf-8"?>
+<p:sld xmlns:a="http://schemas.openxmlformats.org/drawingml/2006/main" xmlns:r="http://schemas.openxmlformats.org/officeDocument/2006/relationships" xmlns:p="http://schemas.openxmlformats.org/presentationml/2006/main">
+  <p:cSld>
+    <p:spTree>
+      <p:nvGrpSpPr>
+        <p:cNvPr id="1" name=""/>
+        <p:cNvGrpSpPr/>
+        <p:nvPr/>
+      </p:nvGrpSpPr>
+      <p:grpSpPr>
+        <a:xfrm>
+          <a:off x="0" y="0"/>
+          <a:ext cx="0" cy="0"/>
+          <a:chOff x="0" y="0"/>
+          <a:chExt cx="0" cy="0"/>
+        </a:xfrm>
+      </p:grpSpPr>
+      <p:sp>
+        <p:nvSpPr>
+          <p:cNvPr id="2" name="Title 1"/>
+          <p:cNvSpPr>
+            <a:spLocks noGrp="1"/>
+          </p:cNvSpPr>
+          <p:nvPr>
+            <p:ph type="title"/>
+          </p:nvPr>
+        </p:nvSpPr>
+        <p:spPr/>
+        <p:txBody>
+          <a:bodyPr/>
+          <a:lstStyle/>
+          <a:p>
+            <a:r>
+              <a:rPr lang="en-US" dirty="0" smtClean="0"/>
+              <a:t>Composition</a:t>
+            </a:r>
+            <a:endParaRPr lang="en-US" dirty="0"/>
+          </a:p>
+        </p:txBody>
+      </p:sp>
+      <p:sp>
+        <p:nvSpPr>
+          <p:cNvPr id="3" name="Content Placeholder 2"/>
+          <p:cNvSpPr>
+            <a:spLocks noGrp="1"/>
+          </p:cNvSpPr>
+          <p:nvPr>
+            <p:ph idx="1"/>
+          </p:nvPr>
+        </p:nvSpPr>
+        <p:spPr/>
+        <p:txBody>
+          <a:bodyPr/>
+          <a:lstStyle/>
+          <a:p>
+            <a:r>
+              <a:rPr lang="en-US" dirty="0" smtClean="0"/>
+              <a:t>Semantic parser is modular</a:t>
+            </a:r>
+          </a:p>
+          <a:p>
+            <a:endParaRPr lang="en-US" dirty="0"/>
+          </a:p>
+          <a:p>
+            <a:r>
+              <a:rPr lang="en-US" dirty="0" smtClean="0"/>
+              <a:t>Can be augmented to support and learn different compositional constructs</a:t>
+            </a:r>
+            <a:endParaRPr lang="en-US" dirty="0"/>
+          </a:p>
+        </p:txBody>
+      </p:sp>
+    </p:spTree>
+    <p:extLst>
+      <p:ext uri="{BB962C8B-B14F-4D97-AF65-F5344CB8AC3E}">
+        <p14:creationId xmlns:p14="http://schemas.microsoft.com/office/powerpoint/2010/main" val="1177201008"/>
       </p:ext>
     </p:extLst>
   </p:cSld>
@@ -5161,8 +12142,8 @@
           </a:p>
         </p:txBody>
       </p:sp>
-      <mc:AlternateContent xmlns:mc="http://schemas.openxmlformats.org/markup-compatibility/2006">
-        <mc:Choice xmlns:a14="http://schemas.microsoft.com/office/drawing/2010/main" Requires="a14">
+      <mc:AlternateContent xmlns:mc="http://schemas.openxmlformats.org/markup-compatibility/2006" xmlns:a14="http://schemas.microsoft.com/office/drawing/2010/main">
+        <mc:Choice Requires="a14">
           <p:sp>
             <p:nvSpPr>
               <p:cNvPr id="3" name="Content Placeholder 2"/>
@@ -5275,7 +12256,7 @@
             </p:txBody>
           </p:sp>
         </mc:Choice>
-        <mc:Fallback>
+        <mc:Fallback xmlns="">
           <p:sp>
             <p:nvSpPr>
               <p:cNvPr id="3" name="Content Placeholder 2"/>

--- a/LabMeeting.pptx
+++ b/LabMeeting.pptx
@@ -230,7 +230,6 @@
           </a:p>
         </c:rich>
       </c:tx>
-      <c:layout/>
       <c:overlay val="0"/>
       <c:spPr>
         <a:noFill/>
@@ -457,11 +456,11 @@
         </c:dLbls>
         <c:gapWidth val="219"/>
         <c:overlap val="-27"/>
-        <c:axId val="635720496"/>
-        <c:axId val="640691072"/>
+        <c:axId val="-778820304"/>
+        <c:axId val="-778815456"/>
       </c:barChart>
       <c:catAx>
-        <c:axId val="635720496"/>
+        <c:axId val="-778820304"/>
         <c:scaling>
           <c:orientation val="minMax"/>
         </c:scaling>
@@ -504,7 +503,7 @@
             <a:endParaRPr lang="en-US"/>
           </a:p>
         </c:txPr>
-        <c:crossAx val="640691072"/>
+        <c:crossAx val="-778815456"/>
         <c:crosses val="autoZero"/>
         <c:auto val="1"/>
         <c:lblAlgn val="ctr"/>
@@ -512,7 +511,7 @@
         <c:noMultiLvlLbl val="0"/>
       </c:catAx>
       <c:valAx>
-        <c:axId val="640691072"/>
+        <c:axId val="-778815456"/>
         <c:scaling>
           <c:orientation val="minMax"/>
         </c:scaling>
@@ -563,7 +562,7 @@
             <a:endParaRPr lang="en-US"/>
           </a:p>
         </c:txPr>
-        <c:crossAx val="635720496"/>
+        <c:crossAx val="-778820304"/>
         <c:crosses val="autoZero"/>
         <c:crossBetween val="between"/>
       </c:valAx>
@@ -577,7 +576,6 @@
     </c:plotArea>
     <c:legend>
       <c:legendPos val="b"/>
-      <c:layout/>
       <c:overlay val="0"/>
       <c:spPr>
         <a:noFill/>
@@ -675,7 +673,6 @@
           </a:p>
         </c:rich>
       </c:tx>
-      <c:layout/>
       <c:overlay val="0"/>
       <c:spPr>
         <a:noFill/>
@@ -902,11 +899,11 @@
         </c:dLbls>
         <c:gapWidth val="219"/>
         <c:overlap val="-27"/>
-        <c:axId val="643983280"/>
-        <c:axId val="643925968"/>
+        <c:axId val="-778738192"/>
+        <c:axId val="-778733344"/>
       </c:barChart>
       <c:catAx>
-        <c:axId val="643983280"/>
+        <c:axId val="-778738192"/>
         <c:scaling>
           <c:orientation val="minMax"/>
         </c:scaling>
@@ -949,7 +946,7 @@
             <a:endParaRPr lang="en-US"/>
           </a:p>
         </c:txPr>
-        <c:crossAx val="643925968"/>
+        <c:crossAx val="-778733344"/>
         <c:crosses val="autoZero"/>
         <c:auto val="1"/>
         <c:lblAlgn val="ctr"/>
@@ -957,7 +954,7 @@
         <c:noMultiLvlLbl val="0"/>
       </c:catAx>
       <c:valAx>
-        <c:axId val="643925968"/>
+        <c:axId val="-778733344"/>
         <c:scaling>
           <c:orientation val="minMax"/>
         </c:scaling>
@@ -1007,7 +1004,7 @@
             <a:endParaRPr lang="en-US"/>
           </a:p>
         </c:txPr>
-        <c:crossAx val="643983280"/>
+        <c:crossAx val="-778738192"/>
         <c:crosses val="autoZero"/>
         <c:crossBetween val="between"/>
       </c:valAx>
@@ -1021,7 +1018,6 @@
     </c:plotArea>
     <c:legend>
       <c:legendPos val="b"/>
-      <c:layout/>
       <c:overlay val="0"/>
       <c:spPr>
         <a:noFill/>
@@ -1119,7 +1115,6 @@
           </a:p>
         </c:rich>
       </c:tx>
-      <c:layout/>
       <c:overlay val="0"/>
       <c:spPr>
         <a:noFill/>
@@ -1346,11 +1341,11 @@
         </c:dLbls>
         <c:gapWidth val="219"/>
         <c:overlap val="-27"/>
-        <c:axId val="645147376"/>
-        <c:axId val="645239680"/>
+        <c:axId val="-778702112"/>
+        <c:axId val="-778697344"/>
       </c:barChart>
       <c:catAx>
-        <c:axId val="645147376"/>
+        <c:axId val="-778702112"/>
         <c:scaling>
           <c:orientation val="minMax"/>
         </c:scaling>
@@ -1393,7 +1388,7 @@
             <a:endParaRPr lang="en-US"/>
           </a:p>
         </c:txPr>
-        <c:crossAx val="645239680"/>
+        <c:crossAx val="-778697344"/>
         <c:crosses val="autoZero"/>
         <c:auto val="1"/>
         <c:lblAlgn val="ctr"/>
@@ -1401,7 +1396,7 @@
         <c:noMultiLvlLbl val="0"/>
       </c:catAx>
       <c:valAx>
-        <c:axId val="645239680"/>
+        <c:axId val="-778697344"/>
         <c:scaling>
           <c:orientation val="minMax"/>
         </c:scaling>
@@ -1451,7 +1446,7 @@
             <a:endParaRPr lang="en-US"/>
           </a:p>
         </c:txPr>
-        <c:crossAx val="645147376"/>
+        <c:crossAx val="-778702112"/>
         <c:crosses val="autoZero"/>
         <c:crossBetween val="between"/>
       </c:valAx>
@@ -1465,7 +1460,6 @@
     </c:plotArea>
     <c:legend>
       <c:legendPos val="b"/>
-      <c:layout/>
       <c:overlay val="0"/>
       <c:spPr>
         <a:noFill/>
@@ -1563,7 +1557,6 @@
           </a:p>
         </c:rich>
       </c:tx>
-      <c:layout/>
       <c:overlay val="0"/>
       <c:spPr>
         <a:noFill/>
@@ -1790,11 +1783,11 @@
         </c:dLbls>
         <c:gapWidth val="219"/>
         <c:overlap val="-27"/>
-        <c:axId val="642443216"/>
-        <c:axId val="622744000"/>
+        <c:axId val="-778582912"/>
+        <c:axId val="-778578064"/>
       </c:barChart>
       <c:catAx>
-        <c:axId val="642443216"/>
+        <c:axId val="-778582912"/>
         <c:scaling>
           <c:orientation val="minMax"/>
         </c:scaling>
@@ -1837,7 +1830,7 @@
             <a:endParaRPr lang="en-US"/>
           </a:p>
         </c:txPr>
-        <c:crossAx val="622744000"/>
+        <c:crossAx val="-778578064"/>
         <c:crosses val="autoZero"/>
         <c:auto val="1"/>
         <c:lblAlgn val="ctr"/>
@@ -1845,7 +1838,7 @@
         <c:noMultiLvlLbl val="0"/>
       </c:catAx>
       <c:valAx>
-        <c:axId val="622744000"/>
+        <c:axId val="-778578064"/>
         <c:scaling>
           <c:orientation val="minMax"/>
         </c:scaling>
@@ -1895,7 +1888,7 @@
             <a:endParaRPr lang="en-US"/>
           </a:p>
         </c:txPr>
-        <c:crossAx val="642443216"/>
+        <c:crossAx val="-778582912"/>
         <c:crosses val="autoZero"/>
         <c:crossBetween val="between"/>
       </c:valAx>
@@ -1909,7 +1902,6 @@
     </c:plotArea>
     <c:legend>
       <c:legendPos val="b"/>
-      <c:layout/>
       <c:overlay val="0"/>
       <c:spPr>
         <a:noFill/>
@@ -2011,7 +2003,6 @@
           </a:p>
         </c:rich>
       </c:tx>
-      <c:layout/>
       <c:overlay val="0"/>
       <c:spPr>
         <a:noFill/>
@@ -2238,11 +2229,11 @@
         </c:dLbls>
         <c:gapWidth val="219"/>
         <c:overlap val="-27"/>
-        <c:axId val="626604304"/>
-        <c:axId val="653978848"/>
+        <c:axId val="-779186784"/>
+        <c:axId val="-779181936"/>
       </c:barChart>
       <c:catAx>
-        <c:axId val="626604304"/>
+        <c:axId val="-779186784"/>
         <c:scaling>
           <c:orientation val="minMax"/>
         </c:scaling>
@@ -2285,7 +2276,7 @@
             <a:endParaRPr lang="en-US"/>
           </a:p>
         </c:txPr>
-        <c:crossAx val="653978848"/>
+        <c:crossAx val="-779181936"/>
         <c:crosses val="autoZero"/>
         <c:auto val="1"/>
         <c:lblAlgn val="ctr"/>
@@ -2293,7 +2284,7 @@
         <c:noMultiLvlLbl val="0"/>
       </c:catAx>
       <c:valAx>
-        <c:axId val="653978848"/>
+        <c:axId val="-779181936"/>
         <c:scaling>
           <c:orientation val="minMax"/>
         </c:scaling>
@@ -2343,7 +2334,7 @@
             <a:endParaRPr lang="en-US"/>
           </a:p>
         </c:txPr>
-        <c:crossAx val="626604304"/>
+        <c:crossAx val="-779186784"/>
         <c:crosses val="autoZero"/>
         <c:crossBetween val="between"/>
       </c:valAx>
@@ -2357,7 +2348,6 @@
     </c:plotArea>
     <c:legend>
       <c:legendPos val="b"/>
-      <c:layout/>
       <c:overlay val="0"/>
       <c:spPr>
         <a:noFill/>
@@ -2682,11 +2672,11 @@
         </c:dLbls>
         <c:gapWidth val="219"/>
         <c:overlap val="-27"/>
-        <c:axId val="652445472"/>
-        <c:axId val="652475168"/>
+        <c:axId val="-780581504"/>
+        <c:axId val="-779553488"/>
       </c:barChart>
       <c:catAx>
-        <c:axId val="652445472"/>
+        <c:axId val="-780581504"/>
         <c:scaling>
           <c:orientation val="minMax"/>
         </c:scaling>
@@ -2729,7 +2719,7 @@
             <a:endParaRPr lang="en-US"/>
           </a:p>
         </c:txPr>
-        <c:crossAx val="652475168"/>
+        <c:crossAx val="-779553488"/>
         <c:crosses val="autoZero"/>
         <c:auto val="1"/>
         <c:lblAlgn val="ctr"/>
@@ -2737,7 +2727,7 @@
         <c:noMultiLvlLbl val="0"/>
       </c:catAx>
       <c:valAx>
-        <c:axId val="652475168"/>
+        <c:axId val="-779553488"/>
         <c:scaling>
           <c:orientation val="minMax"/>
         </c:scaling>
@@ -2788,7 +2778,7 @@
             <a:endParaRPr lang="en-US"/>
           </a:p>
         </c:txPr>
-        <c:crossAx val="652445472"/>
+        <c:crossAx val="-780581504"/>
         <c:crosses val="autoZero"/>
         <c:crossBetween val="between"/>
       </c:valAx>
@@ -2932,7 +2922,17 @@
     </c:title>
     <c:autoTitleDeleted val="0"/>
     <c:plotArea>
-      <c:layout/>
+      <c:layout>
+        <c:manualLayout>
+          <c:layoutTarget val="inner"/>
+          <c:xMode val="edge"/>
+          <c:yMode val="edge"/>
+          <c:x val="0.047486020769143"/>
+          <c:y val="0.161386451707498"/>
+          <c:w val="0.93681349613907"/>
+          <c:h val="0.598460289685609"/>
+        </c:manualLayout>
+      </c:layout>
       <c:barChart>
         <c:barDir val="col"/>
         <c:grouping val="clustered"/>
@@ -3127,11 +3127,11 @@
         </c:dLbls>
         <c:gapWidth val="219"/>
         <c:overlap val="-27"/>
-        <c:axId val="648477904"/>
-        <c:axId val="672157584"/>
+        <c:axId val="-778616160"/>
+        <c:axId val="-778611392"/>
       </c:barChart>
       <c:catAx>
-        <c:axId val="648477904"/>
+        <c:axId val="-778616160"/>
         <c:scaling>
           <c:orientation val="minMax"/>
         </c:scaling>
@@ -3174,7 +3174,7 @@
             <a:endParaRPr lang="en-US"/>
           </a:p>
         </c:txPr>
-        <c:crossAx val="672157584"/>
+        <c:crossAx val="-778611392"/>
         <c:crosses val="autoZero"/>
         <c:auto val="1"/>
         <c:lblAlgn val="ctr"/>
@@ -3182,7 +3182,7 @@
         <c:noMultiLvlLbl val="0"/>
       </c:catAx>
       <c:valAx>
-        <c:axId val="672157584"/>
+        <c:axId val="-778611392"/>
         <c:scaling>
           <c:orientation val="minMax"/>
         </c:scaling>
@@ -3232,7 +3232,7 @@
             <a:endParaRPr lang="en-US"/>
           </a:p>
         </c:txPr>
-        <c:crossAx val="648477904"/>
+        <c:crossAx val="-778616160"/>
         <c:crosses val="autoZero"/>
         <c:crossBetween val="between"/>
       </c:valAx>
@@ -3338,7 +3338,7 @@
             </a:pPr>
             <a:r>
               <a:rPr lang="en-US" sz="2400" dirty="0" smtClean="0"/>
-              <a:t>John is tall or heavy</a:t>
+              <a:t>John is tall or John is heavy</a:t>
             </a:r>
             <a:endParaRPr lang="en-US" sz="2400" dirty="0"/>
           </a:p>
@@ -3571,11 +3571,11 @@
         </c:dLbls>
         <c:gapWidth val="219"/>
         <c:overlap val="-27"/>
-        <c:axId val="639678624"/>
-        <c:axId val="671220112"/>
+        <c:axId val="-778397808"/>
+        <c:axId val="-778392960"/>
       </c:barChart>
       <c:catAx>
-        <c:axId val="639678624"/>
+        <c:axId val="-778397808"/>
         <c:scaling>
           <c:orientation val="minMax"/>
         </c:scaling>
@@ -3618,7 +3618,7 @@
             <a:endParaRPr lang="en-US"/>
           </a:p>
         </c:txPr>
-        <c:crossAx val="671220112"/>
+        <c:crossAx val="-778392960"/>
         <c:crosses val="autoZero"/>
         <c:auto val="1"/>
         <c:lblAlgn val="ctr"/>
@@ -3626,7 +3626,7 @@
         <c:noMultiLvlLbl val="0"/>
       </c:catAx>
       <c:valAx>
-        <c:axId val="671220112"/>
+        <c:axId val="-778392960"/>
         <c:scaling>
           <c:orientation val="minMax"/>
         </c:scaling>
@@ -3646,6 +3646,7 @@
             <a:effectLst/>
           </c:spPr>
         </c:majorGridlines>
+        <c:numFmt formatCode="General" sourceLinked="0"/>
         <c:majorTickMark val="none"/>
         <c:minorTickMark val="none"/>
         <c:tickLblPos val="nextTo"/>
@@ -3676,7 +3677,7 @@
             <a:endParaRPr lang="en-US"/>
           </a:p>
         </c:txPr>
-        <c:crossAx val="639678624"/>
+        <c:crossAx val="-778397808"/>
         <c:crosses val="autoZero"/>
         <c:crossBetween val="between"/>
       </c:valAx>
@@ -4015,11 +4016,11 @@
         </c:dLbls>
         <c:gapWidth val="219"/>
         <c:overlap val="-27"/>
-        <c:axId val="653852000"/>
-        <c:axId val="676583744"/>
+        <c:axId val="-779126880"/>
+        <c:axId val="-779122112"/>
       </c:barChart>
       <c:catAx>
-        <c:axId val="653852000"/>
+        <c:axId val="-779126880"/>
         <c:scaling>
           <c:orientation val="minMax"/>
         </c:scaling>
@@ -4062,7 +4063,7 @@
             <a:endParaRPr lang="en-US"/>
           </a:p>
         </c:txPr>
-        <c:crossAx val="676583744"/>
+        <c:crossAx val="-779122112"/>
         <c:crosses val="autoZero"/>
         <c:auto val="1"/>
         <c:lblAlgn val="ctr"/>
@@ -4070,7 +4071,7 @@
         <c:noMultiLvlLbl val="0"/>
       </c:catAx>
       <c:valAx>
-        <c:axId val="676583744"/>
+        <c:axId val="-779122112"/>
         <c:scaling>
           <c:orientation val="minMax"/>
         </c:scaling>
@@ -4090,6 +4091,7 @@
             <a:effectLst/>
           </c:spPr>
         </c:majorGridlines>
+        <c:numFmt formatCode="General" sourceLinked="0"/>
         <c:majorTickMark val="none"/>
         <c:minorTickMark val="none"/>
         <c:tickLblPos val="nextTo"/>
@@ -4120,7 +4122,7 @@
             <a:endParaRPr lang="en-US"/>
           </a:p>
         </c:txPr>
-        <c:crossAx val="653852000"/>
+        <c:crossAx val="-779126880"/>
         <c:crosses val="autoZero"/>
         <c:crossBetween val="between"/>
       </c:valAx>
@@ -9209,7 +9211,7 @@
           <a:p>
             <a:fld id="{2756D979-F2D4-E949-8B8F-64CBCF43895F}" type="datetimeFigureOut">
               <a:rPr lang="en-US" smtClean="0"/>
-              <a:t>12/2/16</a:t>
+              <a:t>12/14/16</a:t>
             </a:fld>
             <a:endParaRPr lang="en-US"/>
           </a:p>
@@ -9379,7 +9381,7 @@
           <a:p>
             <a:fld id="{2756D979-F2D4-E949-8B8F-64CBCF43895F}" type="datetimeFigureOut">
               <a:rPr lang="en-US" smtClean="0"/>
-              <a:t>12/2/16</a:t>
+              <a:t>12/14/16</a:t>
             </a:fld>
             <a:endParaRPr lang="en-US"/>
           </a:p>
@@ -9559,7 +9561,7 @@
           <a:p>
             <a:fld id="{2756D979-F2D4-E949-8B8F-64CBCF43895F}" type="datetimeFigureOut">
               <a:rPr lang="en-US" smtClean="0"/>
-              <a:t>12/2/16</a:t>
+              <a:t>12/14/16</a:t>
             </a:fld>
             <a:endParaRPr lang="en-US"/>
           </a:p>
@@ -9729,7 +9731,7 @@
           <a:p>
             <a:fld id="{2756D979-F2D4-E949-8B8F-64CBCF43895F}" type="datetimeFigureOut">
               <a:rPr lang="en-US" smtClean="0"/>
-              <a:t>12/2/16</a:t>
+              <a:t>12/14/16</a:t>
             </a:fld>
             <a:endParaRPr lang="en-US"/>
           </a:p>
@@ -9975,7 +9977,7 @@
           <a:p>
             <a:fld id="{2756D979-F2D4-E949-8B8F-64CBCF43895F}" type="datetimeFigureOut">
               <a:rPr lang="en-US" smtClean="0"/>
-              <a:t>12/2/16</a:t>
+              <a:t>12/14/16</a:t>
             </a:fld>
             <a:endParaRPr lang="en-US"/>
           </a:p>
@@ -10207,7 +10209,7 @@
           <a:p>
             <a:fld id="{2756D979-F2D4-E949-8B8F-64CBCF43895F}" type="datetimeFigureOut">
               <a:rPr lang="en-US" smtClean="0"/>
-              <a:t>12/2/16</a:t>
+              <a:t>12/14/16</a:t>
             </a:fld>
             <a:endParaRPr lang="en-US"/>
           </a:p>
@@ -10574,7 +10576,7 @@
           <a:p>
             <a:fld id="{2756D979-F2D4-E949-8B8F-64CBCF43895F}" type="datetimeFigureOut">
               <a:rPr lang="en-US" smtClean="0"/>
-              <a:t>12/2/16</a:t>
+              <a:t>12/14/16</a:t>
             </a:fld>
             <a:endParaRPr lang="en-US"/>
           </a:p>
@@ -10692,7 +10694,7 @@
           <a:p>
             <a:fld id="{2756D979-F2D4-E949-8B8F-64CBCF43895F}" type="datetimeFigureOut">
               <a:rPr lang="en-US" smtClean="0"/>
-              <a:t>12/2/16</a:t>
+              <a:t>12/14/16</a:t>
             </a:fld>
             <a:endParaRPr lang="en-US"/>
           </a:p>
@@ -10787,7 +10789,7 @@
           <a:p>
             <a:fld id="{2756D979-F2D4-E949-8B8F-64CBCF43895F}" type="datetimeFigureOut">
               <a:rPr lang="en-US" smtClean="0"/>
-              <a:t>12/2/16</a:t>
+              <a:t>12/14/16</a:t>
             </a:fld>
             <a:endParaRPr lang="en-US"/>
           </a:p>
@@ -11064,7 +11066,7 @@
           <a:p>
             <a:fld id="{2756D979-F2D4-E949-8B8F-64CBCF43895F}" type="datetimeFigureOut">
               <a:rPr lang="en-US" smtClean="0"/>
-              <a:t>12/2/16</a:t>
+              <a:t>12/14/16</a:t>
             </a:fld>
             <a:endParaRPr lang="en-US"/>
           </a:p>
@@ -11317,7 +11319,7 @@
           <a:p>
             <a:fld id="{2756D979-F2D4-E949-8B8F-64CBCF43895F}" type="datetimeFigureOut">
               <a:rPr lang="en-US" smtClean="0"/>
-              <a:t>12/2/16</a:t>
+              <a:t>12/14/16</a:t>
             </a:fld>
             <a:endParaRPr lang="en-US"/>
           </a:p>
@@ -11530,7 +11532,7 @@
           <a:p>
             <a:fld id="{2756D979-F2D4-E949-8B8F-64CBCF43895F}" type="datetimeFigureOut">
               <a:rPr lang="en-US" smtClean="0"/>
-              <a:t>12/2/16</a:t>
+              <a:t>12/14/16</a:t>
             </a:fld>
             <a:endParaRPr lang="en-US"/>
           </a:p>
@@ -12133,11 +12135,7 @@
             </a:r>
             <a:r>
               <a:rPr lang="en-US" smtClean="0"/>
-              <a:t>over </a:t>
-            </a:r>
-            <a:r>
-              <a:rPr lang="en-US" smtClean="0"/>
-              <a:t>parses</a:t>
+              <a:t>over parses</a:t>
             </a:r>
             <a:endParaRPr lang="en-US" dirty="0"/>
           </a:p>
@@ -14562,28 +14560,16 @@
           <a:p>
             <a:r>
               <a:rPr lang="en-US" dirty="0" smtClean="0"/>
-              <a:t>Motivation: Can we learn the scale for height/weight</a:t>
-            </a:r>
+              <a:t>Motivation: Can we learn the scale for height/weight?</a:t>
+            </a:r>
+          </a:p>
+          <a:p>
+            <a:endParaRPr lang="en-US" dirty="0" smtClean="0"/>
+          </a:p>
+          <a:p>
             <a:r>
               <a:rPr lang="en-US" dirty="0" smtClean="0"/>
-              <a:t>?</a:t>
-            </a:r>
-          </a:p>
-          <a:p>
-            <a:endParaRPr lang="en-US" dirty="0" smtClean="0"/>
-          </a:p>
-          <a:p>
-            <a:r>
-              <a:rPr lang="en-US" dirty="0" smtClean="0"/>
-              <a:t>3x3 </a:t>
-            </a:r>
-            <a:r>
-              <a:rPr lang="en-US" dirty="0" smtClean="0"/>
-              <a:t>grid of person </a:t>
-            </a:r>
-            <a:r>
-              <a:rPr lang="en-US" dirty="0" smtClean="0"/>
-              <a:t>heights/weights for training</a:t>
+              <a:t>3x3 grid of person heights/weights for training</a:t>
             </a:r>
           </a:p>
           <a:p>
@@ -14604,7 +14590,6 @@
               <a:rPr lang="en-US" dirty="0" smtClean="0"/>
               <a:t>Learn parameters of scale networks</a:t>
             </a:r>
-            <a:endParaRPr lang="en-US" dirty="0" smtClean="0"/>
           </a:p>
         </p:txBody>
       </p:sp>
@@ -15042,11 +15027,7 @@
           <a:p>
             <a:r>
               <a:rPr lang="en-US" dirty="0" smtClean="0"/>
-              <a:t>Lexical </a:t>
-            </a:r>
-            <a:r>
-              <a:rPr lang="en-US" dirty="0" smtClean="0"/>
-              <a:t>experiments: Learning Scales</a:t>
+              <a:t>Lexical experiments: Learning Scales</a:t>
             </a:r>
             <a:endParaRPr lang="en-US" dirty="0"/>
           </a:p>
@@ -16980,7 +16961,6 @@
               <a:rPr lang="en-US" dirty="0" smtClean="0"/>
               <a:t>Logical operators AND, OR, NOT</a:t>
             </a:r>
-            <a:endParaRPr lang="en-US" dirty="0" smtClean="0"/>
           </a:p>
           <a:p>
             <a:pPr lvl="1"/>
@@ -17363,7 +17343,7 @@
             <p:ph idx="1"/>
             <p:extLst>
               <p:ext uri="{D42A27DB-BD31-4B8C-83A1-F6EECF244321}">
-                <p14:modId xmlns:p14="http://schemas.microsoft.com/office/powerpoint/2010/main" val="1456206731"/>
+                <p14:modId xmlns:p14="http://schemas.microsoft.com/office/powerpoint/2010/main" val="993328241"/>
               </p:ext>
             </p:extLst>
           </p:nvPr>
@@ -17521,7 +17501,7 @@
             <p:ph idx="1"/>
             <p:extLst>
               <p:ext uri="{D42A27DB-BD31-4B8C-83A1-F6EECF244321}">
-                <p14:modId xmlns:p14="http://schemas.microsoft.com/office/powerpoint/2010/main" val="1351357148"/>
+                <p14:modId xmlns:p14="http://schemas.microsoft.com/office/powerpoint/2010/main" val="2010538769"/>
               </p:ext>
             </p:extLst>
           </p:nvPr>
@@ -18916,11 +18896,7 @@
           <a:p>
             <a:r>
               <a:rPr lang="en-US" dirty="0" smtClean="0"/>
-              <a:t>Lifted variable RSA </a:t>
-            </a:r>
-            <a:r>
-              <a:rPr lang="en-US" dirty="0" smtClean="0"/>
-              <a:t>setup</a:t>
+              <a:t>Lifted variable RSA setup</a:t>
             </a:r>
           </a:p>
           <a:p>
